--- a/PosterITprojekt_WINIE_CRM.pptx
+++ b/PosterITprojekt_WINIE_CRM.pptx
@@ -245,4123 +245,6 @@
 </p:cmAuthorLst>
 </file>
 
-<file path=ppt/diagrams/colors1.xml><?xml version="1.0" encoding="utf-8"?>
-<dgm:colorsDef xmlns:dgm="http://schemas.openxmlformats.org/drawingml/2006/diagram" xmlns:a="http://schemas.openxmlformats.org/drawingml/2006/main" uniqueId="urn:microsoft.com/office/officeart/2005/8/colors/accent1_2">
-  <dgm:title val=""/>
-  <dgm:desc val=""/>
-  <dgm:catLst>
-    <dgm:cat type="accent1" pri="11200"/>
-  </dgm:catLst>
-  <dgm:styleLbl name="node0">
-    <dgm:fillClrLst meth="repeat">
-      <a:schemeClr val="accent1"/>
-    </dgm:fillClrLst>
-    <dgm:linClrLst meth="repeat">
-      <a:schemeClr val="lt1"/>
-    </dgm:linClrLst>
-    <dgm:effectClrLst/>
-    <dgm:txLinClrLst/>
-    <dgm:txFillClrLst/>
-    <dgm:txEffectClrLst/>
-  </dgm:styleLbl>
-  <dgm:styleLbl name="alignNode1">
-    <dgm:fillClrLst meth="repeat">
-      <a:schemeClr val="accent1"/>
-    </dgm:fillClrLst>
-    <dgm:linClrLst meth="repeat">
-      <a:schemeClr val="accent1"/>
-    </dgm:linClrLst>
-    <dgm:effectClrLst/>
-    <dgm:txLinClrLst/>
-    <dgm:txFillClrLst/>
-    <dgm:txEffectClrLst/>
-  </dgm:styleLbl>
-  <dgm:styleLbl name="node1">
-    <dgm:fillClrLst meth="repeat">
-      <a:schemeClr val="accent1"/>
-    </dgm:fillClrLst>
-    <dgm:linClrLst meth="repeat">
-      <a:schemeClr val="lt1"/>
-    </dgm:linClrLst>
-    <dgm:effectClrLst/>
-    <dgm:txLinClrLst/>
-    <dgm:txFillClrLst/>
-    <dgm:txEffectClrLst/>
-  </dgm:styleLbl>
-  <dgm:styleLbl name="lnNode1">
-    <dgm:fillClrLst meth="repeat">
-      <a:schemeClr val="accent1"/>
-    </dgm:fillClrLst>
-    <dgm:linClrLst meth="repeat">
-      <a:schemeClr val="lt1"/>
-    </dgm:linClrLst>
-    <dgm:effectClrLst/>
-    <dgm:txLinClrLst/>
-    <dgm:txFillClrLst/>
-    <dgm:txEffectClrLst/>
-  </dgm:styleLbl>
-  <dgm:styleLbl name="vennNode1">
-    <dgm:fillClrLst meth="repeat">
-      <a:schemeClr val="accent1">
-        <a:alpha val="50000"/>
-      </a:schemeClr>
-    </dgm:fillClrLst>
-    <dgm:linClrLst meth="repeat">
-      <a:schemeClr val="lt1"/>
-    </dgm:linClrLst>
-    <dgm:effectClrLst/>
-    <dgm:txLinClrLst/>
-    <dgm:txFillClrLst/>
-    <dgm:txEffectClrLst/>
-  </dgm:styleLbl>
-  <dgm:styleLbl name="node2">
-    <dgm:fillClrLst meth="repeat">
-      <a:schemeClr val="accent1"/>
-    </dgm:fillClrLst>
-    <dgm:linClrLst meth="repeat">
-      <a:schemeClr val="lt1"/>
-    </dgm:linClrLst>
-    <dgm:effectClrLst/>
-    <dgm:txLinClrLst/>
-    <dgm:txFillClrLst/>
-    <dgm:txEffectClrLst/>
-  </dgm:styleLbl>
-  <dgm:styleLbl name="node3">
-    <dgm:fillClrLst meth="repeat">
-      <a:schemeClr val="accent1"/>
-    </dgm:fillClrLst>
-    <dgm:linClrLst meth="repeat">
-      <a:schemeClr val="lt1"/>
-    </dgm:linClrLst>
-    <dgm:effectClrLst/>
-    <dgm:txLinClrLst/>
-    <dgm:txFillClrLst/>
-    <dgm:txEffectClrLst/>
-  </dgm:styleLbl>
-  <dgm:styleLbl name="node4">
-    <dgm:fillClrLst meth="repeat">
-      <a:schemeClr val="accent1"/>
-    </dgm:fillClrLst>
-    <dgm:linClrLst meth="repeat">
-      <a:schemeClr val="lt1"/>
-    </dgm:linClrLst>
-    <dgm:effectClrLst/>
-    <dgm:txLinClrLst/>
-    <dgm:txFillClrLst/>
-    <dgm:txEffectClrLst/>
-  </dgm:styleLbl>
-  <dgm:styleLbl name="fgImgPlace1">
-    <dgm:fillClrLst meth="repeat">
-      <a:schemeClr val="accent1">
-        <a:tint val="50000"/>
-      </a:schemeClr>
-    </dgm:fillClrLst>
-    <dgm:linClrLst meth="repeat">
-      <a:schemeClr val="lt1"/>
-    </dgm:linClrLst>
-    <dgm:effectClrLst/>
-    <dgm:txLinClrLst/>
-    <dgm:txFillClrLst meth="repeat">
-      <a:schemeClr val="lt1"/>
-    </dgm:txFillClrLst>
-    <dgm:txEffectClrLst/>
-  </dgm:styleLbl>
-  <dgm:styleLbl name="alignImgPlace1">
-    <dgm:fillClrLst meth="repeat">
-      <a:schemeClr val="accent1">
-        <a:tint val="50000"/>
-      </a:schemeClr>
-    </dgm:fillClrLst>
-    <dgm:linClrLst meth="repeat">
-      <a:schemeClr val="lt1"/>
-    </dgm:linClrLst>
-    <dgm:effectClrLst/>
-    <dgm:txLinClrLst/>
-    <dgm:txFillClrLst meth="repeat">
-      <a:schemeClr val="lt1"/>
-    </dgm:txFillClrLst>
-    <dgm:txEffectClrLst/>
-  </dgm:styleLbl>
-  <dgm:styleLbl name="bgImgPlace1">
-    <dgm:fillClrLst meth="repeat">
-      <a:schemeClr val="accent1">
-        <a:tint val="50000"/>
-      </a:schemeClr>
-    </dgm:fillClrLst>
-    <dgm:linClrLst meth="repeat">
-      <a:schemeClr val="lt1"/>
-    </dgm:linClrLst>
-    <dgm:effectClrLst/>
-    <dgm:txLinClrLst/>
-    <dgm:txFillClrLst meth="repeat">
-      <a:schemeClr val="lt1"/>
-    </dgm:txFillClrLst>
-    <dgm:txEffectClrLst/>
-  </dgm:styleLbl>
-  <dgm:styleLbl name="sibTrans2D1">
-    <dgm:fillClrLst meth="repeat">
-      <a:schemeClr val="accent1">
-        <a:tint val="60000"/>
-      </a:schemeClr>
-    </dgm:fillClrLst>
-    <dgm:linClrLst meth="repeat">
-      <a:schemeClr val="accent1">
-        <a:tint val="60000"/>
-      </a:schemeClr>
-    </dgm:linClrLst>
-    <dgm:effectClrLst/>
-    <dgm:txLinClrLst/>
-    <dgm:txFillClrLst/>
-    <dgm:txEffectClrLst/>
-  </dgm:styleLbl>
-  <dgm:styleLbl name="fgSibTrans2D1">
-    <dgm:fillClrLst meth="repeat">
-      <a:schemeClr val="accent1">
-        <a:tint val="60000"/>
-      </a:schemeClr>
-    </dgm:fillClrLst>
-    <dgm:linClrLst meth="repeat">
-      <a:schemeClr val="accent1">
-        <a:tint val="60000"/>
-      </a:schemeClr>
-    </dgm:linClrLst>
-    <dgm:effectClrLst/>
-    <dgm:txLinClrLst/>
-    <dgm:txFillClrLst/>
-    <dgm:txEffectClrLst/>
-  </dgm:styleLbl>
-  <dgm:styleLbl name="bgSibTrans2D1">
-    <dgm:fillClrLst meth="repeat">
-      <a:schemeClr val="accent1">
-        <a:tint val="60000"/>
-      </a:schemeClr>
-    </dgm:fillClrLst>
-    <dgm:linClrLst meth="repeat">
-      <a:schemeClr val="accent1">
-        <a:tint val="60000"/>
-      </a:schemeClr>
-    </dgm:linClrLst>
-    <dgm:effectClrLst/>
-    <dgm:txLinClrLst/>
-    <dgm:txFillClrLst/>
-    <dgm:txEffectClrLst/>
-  </dgm:styleLbl>
-  <dgm:styleLbl name="sibTrans1D1">
-    <dgm:fillClrLst meth="repeat">
-      <a:schemeClr val="accent1"/>
-    </dgm:fillClrLst>
-    <dgm:linClrLst meth="repeat">
-      <a:schemeClr val="accent1"/>
-    </dgm:linClrLst>
-    <dgm:effectClrLst/>
-    <dgm:txLinClrLst/>
-    <dgm:txFillClrLst meth="repeat">
-      <a:schemeClr val="tx1"/>
-    </dgm:txFillClrLst>
-    <dgm:txEffectClrLst/>
-  </dgm:styleLbl>
-  <dgm:styleLbl name="callout">
-    <dgm:fillClrLst meth="repeat">
-      <a:schemeClr val="accent1"/>
-    </dgm:fillClrLst>
-    <dgm:linClrLst meth="repeat">
-      <a:schemeClr val="accent1">
-        <a:tint val="50000"/>
-      </a:schemeClr>
-    </dgm:linClrLst>
-    <dgm:effectClrLst/>
-    <dgm:txLinClrLst/>
-    <dgm:txFillClrLst meth="repeat">
-      <a:schemeClr val="tx1"/>
-    </dgm:txFillClrLst>
-    <dgm:txEffectClrLst/>
-  </dgm:styleLbl>
-  <dgm:styleLbl name="asst0">
-    <dgm:fillClrLst meth="repeat">
-      <a:schemeClr val="accent1"/>
-    </dgm:fillClrLst>
-    <dgm:linClrLst meth="repeat">
-      <a:schemeClr val="lt1"/>
-    </dgm:linClrLst>
-    <dgm:effectClrLst/>
-    <dgm:txLinClrLst/>
-    <dgm:txFillClrLst/>
-    <dgm:txEffectClrLst/>
-  </dgm:styleLbl>
-  <dgm:styleLbl name="asst1">
-    <dgm:fillClrLst meth="repeat">
-      <a:schemeClr val="accent1"/>
-    </dgm:fillClrLst>
-    <dgm:linClrLst meth="repeat">
-      <a:schemeClr val="lt1"/>
-    </dgm:linClrLst>
-    <dgm:effectClrLst/>
-    <dgm:txLinClrLst/>
-    <dgm:txFillClrLst/>
-    <dgm:txEffectClrLst/>
-  </dgm:styleLbl>
-  <dgm:styleLbl name="asst2">
-    <dgm:fillClrLst meth="repeat">
-      <a:schemeClr val="accent1"/>
-    </dgm:fillClrLst>
-    <dgm:linClrLst meth="repeat">
-      <a:schemeClr val="lt1"/>
-    </dgm:linClrLst>
-    <dgm:effectClrLst/>
-    <dgm:txLinClrLst/>
-    <dgm:txFillClrLst/>
-    <dgm:txEffectClrLst/>
-  </dgm:styleLbl>
-  <dgm:styleLbl name="asst3">
-    <dgm:fillClrLst meth="repeat">
-      <a:schemeClr val="accent1"/>
-    </dgm:fillClrLst>
-    <dgm:linClrLst meth="repeat">
-      <a:schemeClr val="lt1"/>
-    </dgm:linClrLst>
-    <dgm:effectClrLst/>
-    <dgm:txLinClrLst/>
-    <dgm:txFillClrLst/>
-    <dgm:txEffectClrLst/>
-  </dgm:styleLbl>
-  <dgm:styleLbl name="asst4">
-    <dgm:fillClrLst meth="repeat">
-      <a:schemeClr val="accent1"/>
-    </dgm:fillClrLst>
-    <dgm:linClrLst meth="repeat">
-      <a:schemeClr val="lt1"/>
-    </dgm:linClrLst>
-    <dgm:effectClrLst/>
-    <dgm:txLinClrLst/>
-    <dgm:txFillClrLst/>
-    <dgm:txEffectClrLst/>
-  </dgm:styleLbl>
-  <dgm:styleLbl name="parChTrans2D1">
-    <dgm:fillClrLst meth="repeat">
-      <a:schemeClr val="accent1">
-        <a:tint val="60000"/>
-      </a:schemeClr>
-    </dgm:fillClrLst>
-    <dgm:linClrLst meth="repeat">
-      <a:schemeClr val="accent1">
-        <a:tint val="60000"/>
-      </a:schemeClr>
-    </dgm:linClrLst>
-    <dgm:effectClrLst/>
-    <dgm:txLinClrLst/>
-    <dgm:txFillClrLst meth="repeat">
-      <a:schemeClr val="lt1"/>
-    </dgm:txFillClrLst>
-    <dgm:txEffectClrLst/>
-  </dgm:styleLbl>
-  <dgm:styleLbl name="parChTrans2D2">
-    <dgm:fillClrLst meth="repeat">
-      <a:schemeClr val="accent1"/>
-    </dgm:fillClrLst>
-    <dgm:linClrLst meth="repeat">
-      <a:schemeClr val="accent1"/>
-    </dgm:linClrLst>
-    <dgm:effectClrLst/>
-    <dgm:txLinClrLst/>
-    <dgm:txFillClrLst meth="repeat">
-      <a:schemeClr val="lt1"/>
-    </dgm:txFillClrLst>
-    <dgm:txEffectClrLst/>
-  </dgm:styleLbl>
-  <dgm:styleLbl name="parChTrans2D3">
-    <dgm:fillClrLst meth="repeat">
-      <a:schemeClr val="accent1"/>
-    </dgm:fillClrLst>
-    <dgm:linClrLst meth="repeat">
-      <a:schemeClr val="accent1"/>
-    </dgm:linClrLst>
-    <dgm:effectClrLst/>
-    <dgm:txLinClrLst/>
-    <dgm:txFillClrLst meth="repeat">
-      <a:schemeClr val="lt1"/>
-    </dgm:txFillClrLst>
-    <dgm:txEffectClrLst/>
-  </dgm:styleLbl>
-  <dgm:styleLbl name="parChTrans2D4">
-    <dgm:fillClrLst meth="repeat">
-      <a:schemeClr val="accent1"/>
-    </dgm:fillClrLst>
-    <dgm:linClrLst meth="repeat">
-      <a:schemeClr val="accent1"/>
-    </dgm:linClrLst>
-    <dgm:effectClrLst/>
-    <dgm:txLinClrLst/>
-    <dgm:txFillClrLst meth="repeat">
-      <a:schemeClr val="lt1"/>
-    </dgm:txFillClrLst>
-    <dgm:txEffectClrLst/>
-  </dgm:styleLbl>
-  <dgm:styleLbl name="parChTrans1D1">
-    <dgm:fillClrLst meth="repeat">
-      <a:schemeClr val="accent1"/>
-    </dgm:fillClrLst>
-    <dgm:linClrLst meth="repeat">
-      <a:schemeClr val="accent1">
-        <a:shade val="60000"/>
-      </a:schemeClr>
-    </dgm:linClrLst>
-    <dgm:effectClrLst/>
-    <dgm:txLinClrLst/>
-    <dgm:txFillClrLst meth="repeat">
-      <a:schemeClr val="tx1"/>
-    </dgm:txFillClrLst>
-    <dgm:txEffectClrLst/>
-  </dgm:styleLbl>
-  <dgm:styleLbl name="parChTrans1D2">
-    <dgm:fillClrLst meth="repeat">
-      <a:schemeClr val="accent1"/>
-    </dgm:fillClrLst>
-    <dgm:linClrLst meth="repeat">
-      <a:schemeClr val="accent1">
-        <a:shade val="60000"/>
-      </a:schemeClr>
-    </dgm:linClrLst>
-    <dgm:effectClrLst/>
-    <dgm:txLinClrLst/>
-    <dgm:txFillClrLst meth="repeat">
-      <a:schemeClr val="tx1"/>
-    </dgm:txFillClrLst>
-    <dgm:txEffectClrLst/>
-  </dgm:styleLbl>
-  <dgm:styleLbl name="parChTrans1D3">
-    <dgm:fillClrLst meth="repeat">
-      <a:schemeClr val="accent1"/>
-    </dgm:fillClrLst>
-    <dgm:linClrLst meth="repeat">
-      <a:schemeClr val="accent1">
-        <a:shade val="80000"/>
-      </a:schemeClr>
-    </dgm:linClrLst>
-    <dgm:effectClrLst/>
-    <dgm:txLinClrLst/>
-    <dgm:txFillClrLst meth="repeat">
-      <a:schemeClr val="tx1"/>
-    </dgm:txFillClrLst>
-    <dgm:txEffectClrLst/>
-  </dgm:styleLbl>
-  <dgm:styleLbl name="parChTrans1D4">
-    <dgm:fillClrLst meth="repeat">
-      <a:schemeClr val="accent1"/>
-    </dgm:fillClrLst>
-    <dgm:linClrLst meth="repeat">
-      <a:schemeClr val="accent1">
-        <a:shade val="80000"/>
-      </a:schemeClr>
-    </dgm:linClrLst>
-    <dgm:effectClrLst/>
-    <dgm:txLinClrLst/>
-    <dgm:txFillClrLst meth="repeat">
-      <a:schemeClr val="tx1"/>
-    </dgm:txFillClrLst>
-    <dgm:txEffectClrLst/>
-  </dgm:styleLbl>
-  <dgm:styleLbl name="fgAcc1">
-    <dgm:fillClrLst meth="repeat">
-      <a:schemeClr val="lt1">
-        <a:alpha val="90000"/>
-      </a:schemeClr>
-    </dgm:fillClrLst>
-    <dgm:linClrLst meth="repeat">
-      <a:schemeClr val="accent1"/>
-    </dgm:linClrLst>
-    <dgm:effectClrLst/>
-    <dgm:txLinClrLst/>
-    <dgm:txFillClrLst meth="repeat">
-      <a:schemeClr val="dk1"/>
-    </dgm:txFillClrLst>
-    <dgm:txEffectClrLst/>
-  </dgm:styleLbl>
-  <dgm:styleLbl name="conFgAcc1">
-    <dgm:fillClrLst meth="repeat">
-      <a:schemeClr val="lt1">
-        <a:alpha val="90000"/>
-      </a:schemeClr>
-    </dgm:fillClrLst>
-    <dgm:linClrLst meth="repeat">
-      <a:schemeClr val="accent1"/>
-    </dgm:linClrLst>
-    <dgm:effectClrLst/>
-    <dgm:txLinClrLst/>
-    <dgm:txFillClrLst meth="repeat">
-      <a:schemeClr val="dk1"/>
-    </dgm:txFillClrLst>
-    <dgm:txEffectClrLst/>
-  </dgm:styleLbl>
-  <dgm:styleLbl name="alignAcc1">
-    <dgm:fillClrLst meth="repeat">
-      <a:schemeClr val="lt1">
-        <a:alpha val="90000"/>
-      </a:schemeClr>
-    </dgm:fillClrLst>
-    <dgm:linClrLst meth="repeat">
-      <a:schemeClr val="accent1"/>
-    </dgm:linClrLst>
-    <dgm:effectClrLst/>
-    <dgm:txLinClrLst/>
-    <dgm:txFillClrLst meth="repeat">
-      <a:schemeClr val="dk1"/>
-    </dgm:txFillClrLst>
-    <dgm:txEffectClrLst/>
-  </dgm:styleLbl>
-  <dgm:styleLbl name="trAlignAcc1">
-    <dgm:fillClrLst meth="repeat">
-      <a:schemeClr val="lt1">
-        <a:alpha val="40000"/>
-      </a:schemeClr>
-    </dgm:fillClrLst>
-    <dgm:linClrLst meth="repeat">
-      <a:schemeClr val="accent1"/>
-    </dgm:linClrLst>
-    <dgm:effectClrLst/>
-    <dgm:txLinClrLst/>
-    <dgm:txFillClrLst meth="repeat">
-      <a:schemeClr val="dk1"/>
-    </dgm:txFillClrLst>
-    <dgm:txEffectClrLst/>
-  </dgm:styleLbl>
-  <dgm:styleLbl name="bgAcc1">
-    <dgm:fillClrLst meth="repeat">
-      <a:schemeClr val="lt1">
-        <a:alpha val="90000"/>
-      </a:schemeClr>
-    </dgm:fillClrLst>
-    <dgm:linClrLst meth="repeat">
-      <a:schemeClr val="accent1"/>
-    </dgm:linClrLst>
-    <dgm:effectClrLst/>
-    <dgm:txLinClrLst/>
-    <dgm:txFillClrLst meth="repeat">
-      <a:schemeClr val="dk1"/>
-    </dgm:txFillClrLst>
-    <dgm:txEffectClrLst/>
-  </dgm:styleLbl>
-  <dgm:styleLbl name="solidFgAcc1">
-    <dgm:fillClrLst meth="repeat">
-      <a:schemeClr val="lt1"/>
-    </dgm:fillClrLst>
-    <dgm:linClrLst meth="repeat">
-      <a:schemeClr val="accent1"/>
-    </dgm:linClrLst>
-    <dgm:effectClrLst/>
-    <dgm:txLinClrLst/>
-    <dgm:txFillClrLst meth="repeat">
-      <a:schemeClr val="dk1"/>
-    </dgm:txFillClrLst>
-    <dgm:txEffectClrLst/>
-  </dgm:styleLbl>
-  <dgm:styleLbl name="solidAlignAcc1">
-    <dgm:fillClrLst meth="repeat">
-      <a:schemeClr val="lt1"/>
-    </dgm:fillClrLst>
-    <dgm:linClrLst meth="repeat">
-      <a:schemeClr val="accent1"/>
-    </dgm:linClrLst>
-    <dgm:effectClrLst/>
-    <dgm:txLinClrLst/>
-    <dgm:txFillClrLst meth="repeat">
-      <a:schemeClr val="dk1"/>
-    </dgm:txFillClrLst>
-    <dgm:txEffectClrLst/>
-  </dgm:styleLbl>
-  <dgm:styleLbl name="solidBgAcc1">
-    <dgm:fillClrLst meth="repeat">
-      <a:schemeClr val="lt1"/>
-    </dgm:fillClrLst>
-    <dgm:linClrLst meth="repeat">
-      <a:schemeClr val="accent1"/>
-    </dgm:linClrLst>
-    <dgm:effectClrLst/>
-    <dgm:txLinClrLst/>
-    <dgm:txFillClrLst meth="repeat">
-      <a:schemeClr val="dk1"/>
-    </dgm:txFillClrLst>
-    <dgm:txEffectClrLst/>
-  </dgm:styleLbl>
-  <dgm:styleLbl name="fgAccFollowNode1">
-    <dgm:fillClrLst meth="repeat">
-      <a:schemeClr val="accent1">
-        <a:alpha val="90000"/>
-        <a:tint val="40000"/>
-      </a:schemeClr>
-    </dgm:fillClrLst>
-    <dgm:linClrLst meth="repeat">
-      <a:schemeClr val="accent1">
-        <a:alpha val="90000"/>
-        <a:tint val="40000"/>
-      </a:schemeClr>
-    </dgm:linClrLst>
-    <dgm:effectClrLst/>
-    <dgm:txLinClrLst/>
-    <dgm:txFillClrLst meth="repeat">
-      <a:schemeClr val="dk1"/>
-    </dgm:txFillClrLst>
-    <dgm:txEffectClrLst/>
-  </dgm:styleLbl>
-  <dgm:styleLbl name="alignAccFollowNode1">
-    <dgm:fillClrLst meth="repeat">
-      <a:schemeClr val="accent1">
-        <a:alpha val="90000"/>
-        <a:tint val="40000"/>
-      </a:schemeClr>
-    </dgm:fillClrLst>
-    <dgm:linClrLst meth="repeat">
-      <a:schemeClr val="accent1">
-        <a:alpha val="90000"/>
-        <a:tint val="40000"/>
-      </a:schemeClr>
-    </dgm:linClrLst>
-    <dgm:effectClrLst/>
-    <dgm:txLinClrLst/>
-    <dgm:txFillClrLst meth="repeat">
-      <a:schemeClr val="dk1"/>
-    </dgm:txFillClrLst>
-    <dgm:txEffectClrLst/>
-  </dgm:styleLbl>
-  <dgm:styleLbl name="bgAccFollowNode1">
-    <dgm:fillClrLst meth="repeat">
-      <a:schemeClr val="accent1">
-        <a:alpha val="90000"/>
-        <a:tint val="40000"/>
-      </a:schemeClr>
-    </dgm:fillClrLst>
-    <dgm:linClrLst meth="repeat">
-      <a:schemeClr val="accent1">
-        <a:alpha val="90000"/>
-        <a:tint val="40000"/>
-      </a:schemeClr>
-    </dgm:linClrLst>
-    <dgm:effectClrLst/>
-    <dgm:txLinClrLst/>
-    <dgm:txFillClrLst meth="repeat">
-      <a:schemeClr val="dk1"/>
-    </dgm:txFillClrLst>
-    <dgm:txEffectClrLst/>
-  </dgm:styleLbl>
-  <dgm:styleLbl name="fgAcc0">
-    <dgm:fillClrLst meth="repeat">
-      <a:schemeClr val="lt1">
-        <a:alpha val="90000"/>
-      </a:schemeClr>
-    </dgm:fillClrLst>
-    <dgm:linClrLst meth="repeat">
-      <a:schemeClr val="accent1"/>
-    </dgm:linClrLst>
-    <dgm:effectClrLst/>
-    <dgm:txLinClrLst/>
-    <dgm:txFillClrLst meth="repeat">
-      <a:schemeClr val="dk1"/>
-    </dgm:txFillClrLst>
-    <dgm:txEffectClrLst/>
-  </dgm:styleLbl>
-  <dgm:styleLbl name="fgAcc2">
-    <dgm:fillClrLst meth="repeat">
-      <a:schemeClr val="lt1">
-        <a:alpha val="90000"/>
-      </a:schemeClr>
-    </dgm:fillClrLst>
-    <dgm:linClrLst meth="repeat">
-      <a:schemeClr val="accent1"/>
-    </dgm:linClrLst>
-    <dgm:effectClrLst/>
-    <dgm:txLinClrLst/>
-    <dgm:txFillClrLst meth="repeat">
-      <a:schemeClr val="dk1"/>
-    </dgm:txFillClrLst>
-    <dgm:txEffectClrLst/>
-  </dgm:styleLbl>
-  <dgm:styleLbl name="fgAcc3">
-    <dgm:fillClrLst meth="repeat">
-      <a:schemeClr val="lt1">
-        <a:alpha val="90000"/>
-      </a:schemeClr>
-    </dgm:fillClrLst>
-    <dgm:linClrLst meth="repeat">
-      <a:schemeClr val="accent1"/>
-    </dgm:linClrLst>
-    <dgm:effectClrLst/>
-    <dgm:txLinClrLst/>
-    <dgm:txFillClrLst meth="repeat">
-      <a:schemeClr val="dk1"/>
-    </dgm:txFillClrLst>
-    <dgm:txEffectClrLst/>
-  </dgm:styleLbl>
-  <dgm:styleLbl name="fgAcc4">
-    <dgm:fillClrLst meth="repeat">
-      <a:schemeClr val="lt1">
-        <a:alpha val="90000"/>
-      </a:schemeClr>
-    </dgm:fillClrLst>
-    <dgm:linClrLst meth="repeat">
-      <a:schemeClr val="accent1"/>
-    </dgm:linClrLst>
-    <dgm:effectClrLst/>
-    <dgm:txLinClrLst/>
-    <dgm:txFillClrLst meth="repeat">
-      <a:schemeClr val="dk1"/>
-    </dgm:txFillClrLst>
-    <dgm:txEffectClrLst/>
-  </dgm:styleLbl>
-  <dgm:styleLbl name="bgShp">
-    <dgm:fillClrLst meth="repeat">
-      <a:schemeClr val="accent1">
-        <a:tint val="40000"/>
-      </a:schemeClr>
-    </dgm:fillClrLst>
-    <dgm:linClrLst meth="repeat">
-      <a:schemeClr val="accent1"/>
-    </dgm:linClrLst>
-    <dgm:effectClrLst/>
-    <dgm:txLinClrLst/>
-    <dgm:txFillClrLst meth="repeat">
-      <a:schemeClr val="dk1"/>
-    </dgm:txFillClrLst>
-    <dgm:txEffectClrLst/>
-  </dgm:styleLbl>
-  <dgm:styleLbl name="dkBgShp">
-    <dgm:fillClrLst meth="repeat">
-      <a:schemeClr val="accent1">
-        <a:shade val="80000"/>
-      </a:schemeClr>
-    </dgm:fillClrLst>
-    <dgm:linClrLst meth="repeat">
-      <a:schemeClr val="accent1"/>
-    </dgm:linClrLst>
-    <dgm:effectClrLst/>
-    <dgm:txLinClrLst/>
-    <dgm:txFillClrLst meth="repeat">
-      <a:schemeClr val="lt1"/>
-    </dgm:txFillClrLst>
-    <dgm:txEffectClrLst/>
-  </dgm:styleLbl>
-  <dgm:styleLbl name="trBgShp">
-    <dgm:fillClrLst meth="repeat">
-      <a:schemeClr val="accent1">
-        <a:tint val="50000"/>
-        <a:alpha val="40000"/>
-      </a:schemeClr>
-    </dgm:fillClrLst>
-    <dgm:linClrLst meth="repeat">
-      <a:schemeClr val="accent1"/>
-    </dgm:linClrLst>
-    <dgm:effectClrLst/>
-    <dgm:txLinClrLst/>
-    <dgm:txFillClrLst meth="repeat">
-      <a:schemeClr val="lt1"/>
-    </dgm:txFillClrLst>
-    <dgm:txEffectClrLst/>
-  </dgm:styleLbl>
-  <dgm:styleLbl name="fgShp">
-    <dgm:fillClrLst meth="repeat">
-      <a:schemeClr val="accent1">
-        <a:tint val="60000"/>
-      </a:schemeClr>
-    </dgm:fillClrLst>
-    <dgm:linClrLst meth="repeat">
-      <a:schemeClr val="lt1"/>
-    </dgm:linClrLst>
-    <dgm:effectClrLst/>
-    <dgm:txLinClrLst/>
-    <dgm:txFillClrLst meth="repeat">
-      <a:schemeClr val="dk1"/>
-    </dgm:txFillClrLst>
-    <dgm:txEffectClrLst/>
-  </dgm:styleLbl>
-  <dgm:styleLbl name="revTx">
-    <dgm:fillClrLst meth="repeat">
-      <a:schemeClr val="lt1">
-        <a:alpha val="0"/>
-      </a:schemeClr>
-    </dgm:fillClrLst>
-    <dgm:linClrLst meth="repeat">
-      <a:schemeClr val="dk1">
-        <a:alpha val="0"/>
-      </a:schemeClr>
-    </dgm:linClrLst>
-    <dgm:effectClrLst/>
-    <dgm:txLinClrLst/>
-    <dgm:txFillClrLst meth="repeat">
-      <a:schemeClr val="tx1"/>
-    </dgm:txFillClrLst>
-    <dgm:txEffectClrLst/>
-  </dgm:styleLbl>
-</dgm:colorsDef>
-</file>
-
-<file path=ppt/diagrams/data1.xml><?xml version="1.0" encoding="utf-8"?>
-<dgm:dataModel xmlns:dgm="http://schemas.openxmlformats.org/drawingml/2006/diagram" xmlns:a="http://schemas.openxmlformats.org/drawingml/2006/main">
-  <dgm:ptLst>
-    <dgm:pt modelId="{EBF94A37-F342-4A01-AC18-A1F90ACA8AF6}" type="doc">
-      <dgm:prSet loTypeId="urn:microsoft.com/office/officeart/2005/8/layout/StepDownProcess" loCatId="process" qsTypeId="urn:microsoft.com/office/officeart/2005/8/quickstyle/simple1" qsCatId="simple" csTypeId="urn:microsoft.com/office/officeart/2005/8/colors/accent1_2" csCatId="accent1" phldr="1"/>
-      <dgm:spPr/>
-      <dgm:t>
-        <a:bodyPr/>
-        <a:lstStyle/>
-        <a:p>
-          <a:endParaRPr lang="de-DE"/>
-        </a:p>
-      </dgm:t>
-    </dgm:pt>
-    <dgm:pt modelId="{81D97F86-B536-4127-B40B-F459F5826291}">
-      <dgm:prSet phldrT="[Text]"/>
-      <dgm:spPr/>
-      <dgm:t>
-        <a:bodyPr/>
-        <a:lstStyle/>
-        <a:p>
-          <a:r>
-            <a:rPr lang="de-DE" dirty="0"/>
-            <a:t>Anforderungen</a:t>
-          </a:r>
-        </a:p>
-      </dgm:t>
-    </dgm:pt>
-    <dgm:pt modelId="{281E8CB4-29D3-4B6D-886F-61193C0B7B8B}" type="parTrans" cxnId="{182DE21B-CD56-4AD2-9591-F6A4C54E39FA}">
-      <dgm:prSet/>
-      <dgm:spPr/>
-      <dgm:t>
-        <a:bodyPr/>
-        <a:lstStyle/>
-        <a:p>
-          <a:endParaRPr lang="de-DE"/>
-        </a:p>
-      </dgm:t>
-    </dgm:pt>
-    <dgm:pt modelId="{75DD5D0F-0330-44FB-BDDD-6467C06B8D9A}" type="sibTrans" cxnId="{182DE21B-CD56-4AD2-9591-F6A4C54E39FA}">
-      <dgm:prSet/>
-      <dgm:spPr/>
-      <dgm:t>
-        <a:bodyPr/>
-        <a:lstStyle/>
-        <a:p>
-          <a:endParaRPr lang="de-DE"/>
-        </a:p>
-      </dgm:t>
-    </dgm:pt>
-    <dgm:pt modelId="{88149A17-F429-4886-A44B-44FA35F5E98E}">
-      <dgm:prSet phldrT="[Text]"/>
-      <dgm:spPr/>
-      <dgm:t>
-        <a:bodyPr/>
-        <a:lstStyle/>
-        <a:p>
-          <a:r>
-            <a:rPr lang="de-DE" dirty="0"/>
-            <a:t>Erhebung der Anforderungen (Interview, Workshop)</a:t>
-          </a:r>
-        </a:p>
-      </dgm:t>
-    </dgm:pt>
-    <dgm:pt modelId="{10B89210-78D0-4162-9153-A6EE6BF3EA30}" type="parTrans" cxnId="{6C6F86CE-BAE6-4D01-8FC7-10B58CBB6418}">
-      <dgm:prSet/>
-      <dgm:spPr/>
-      <dgm:t>
-        <a:bodyPr/>
-        <a:lstStyle/>
-        <a:p>
-          <a:endParaRPr lang="de-DE"/>
-        </a:p>
-      </dgm:t>
-    </dgm:pt>
-    <dgm:pt modelId="{78E0A0F3-8A70-41BF-9435-A7FA36EFB0B3}" type="sibTrans" cxnId="{6C6F86CE-BAE6-4D01-8FC7-10B58CBB6418}">
-      <dgm:prSet/>
-      <dgm:spPr/>
-      <dgm:t>
-        <a:bodyPr/>
-        <a:lstStyle/>
-        <a:p>
-          <a:endParaRPr lang="de-DE"/>
-        </a:p>
-      </dgm:t>
-    </dgm:pt>
-    <dgm:pt modelId="{368AA15D-544F-4835-847A-8288D0488622}">
-      <dgm:prSet phldrT="[Text]"/>
-      <dgm:spPr/>
-      <dgm:t>
-        <a:bodyPr/>
-        <a:lstStyle/>
-        <a:p>
-          <a:r>
-            <a:rPr lang="de-DE" dirty="0"/>
-            <a:t>Entwurf</a:t>
-          </a:r>
-        </a:p>
-      </dgm:t>
-    </dgm:pt>
-    <dgm:pt modelId="{6154EBB6-692E-4F10-A199-A838E93AF6FC}" type="parTrans" cxnId="{DE9E8633-1303-4896-BFD0-F90FDAE263D8}">
-      <dgm:prSet/>
-      <dgm:spPr/>
-      <dgm:t>
-        <a:bodyPr/>
-        <a:lstStyle/>
-        <a:p>
-          <a:endParaRPr lang="de-DE"/>
-        </a:p>
-      </dgm:t>
-    </dgm:pt>
-    <dgm:pt modelId="{FBF05040-18ED-4BFC-8D61-0CEC3D1D791C}" type="sibTrans" cxnId="{DE9E8633-1303-4896-BFD0-F90FDAE263D8}">
-      <dgm:prSet/>
-      <dgm:spPr/>
-      <dgm:t>
-        <a:bodyPr/>
-        <a:lstStyle/>
-        <a:p>
-          <a:endParaRPr lang="de-DE"/>
-        </a:p>
-      </dgm:t>
-    </dgm:pt>
-    <dgm:pt modelId="{40E0CAE9-53E7-4BB3-8928-4CA1DAB8B89F}">
-      <dgm:prSet phldrT="[Text]"/>
-      <dgm:spPr/>
-      <dgm:t>
-        <a:bodyPr/>
-        <a:lstStyle/>
-        <a:p>
-          <a:r>
-            <a:rPr lang="de-DE" dirty="0"/>
-            <a:t>Planung der Umsetzung (Auswahl der CRM-Lösung)</a:t>
-          </a:r>
-        </a:p>
-      </dgm:t>
-    </dgm:pt>
-    <dgm:pt modelId="{0B34C894-F6D6-49D3-8E74-EA5809CAFE39}" type="parTrans" cxnId="{0AAD0052-82C5-4482-9870-47A82056B7B9}">
-      <dgm:prSet/>
-      <dgm:spPr/>
-      <dgm:t>
-        <a:bodyPr/>
-        <a:lstStyle/>
-        <a:p>
-          <a:endParaRPr lang="de-DE"/>
-        </a:p>
-      </dgm:t>
-    </dgm:pt>
-    <dgm:pt modelId="{8F8DB8A9-0F02-406D-AF58-033A0ABBBCAE}" type="sibTrans" cxnId="{0AAD0052-82C5-4482-9870-47A82056B7B9}">
-      <dgm:prSet/>
-      <dgm:spPr/>
-      <dgm:t>
-        <a:bodyPr/>
-        <a:lstStyle/>
-        <a:p>
-          <a:endParaRPr lang="de-DE"/>
-        </a:p>
-      </dgm:t>
-    </dgm:pt>
-    <dgm:pt modelId="{78B18D16-3A2E-4AE6-B6F3-8CE6EB214DDC}">
-      <dgm:prSet phldrT="[Text]"/>
-      <dgm:spPr/>
-      <dgm:t>
-        <a:bodyPr/>
-        <a:lstStyle/>
-        <a:p>
-          <a:r>
-            <a:rPr lang="de-DE" dirty="0"/>
-            <a:t>Implementierung</a:t>
-          </a:r>
-        </a:p>
-      </dgm:t>
-    </dgm:pt>
-    <dgm:pt modelId="{8A66FE2C-45DF-4796-9E2D-D89D77F350F2}" type="parTrans" cxnId="{54FE95ED-0014-4A29-A47A-A71A140E5440}">
-      <dgm:prSet/>
-      <dgm:spPr/>
-      <dgm:t>
-        <a:bodyPr/>
-        <a:lstStyle/>
-        <a:p>
-          <a:endParaRPr lang="de-DE"/>
-        </a:p>
-      </dgm:t>
-    </dgm:pt>
-    <dgm:pt modelId="{9539DAE4-AF97-4D00-8C53-407EE216A019}" type="sibTrans" cxnId="{54FE95ED-0014-4A29-A47A-A71A140E5440}">
-      <dgm:prSet/>
-      <dgm:spPr/>
-      <dgm:t>
-        <a:bodyPr/>
-        <a:lstStyle/>
-        <a:p>
-          <a:endParaRPr lang="de-DE"/>
-        </a:p>
-      </dgm:t>
-    </dgm:pt>
-    <dgm:pt modelId="{E6C1DD3A-29EA-475A-A0D0-A5A44F0150F2}">
-      <dgm:prSet phldrT="[Text]"/>
-      <dgm:spPr/>
-      <dgm:t>
-        <a:bodyPr/>
-        <a:lstStyle/>
-        <a:p>
-          <a:r>
-            <a:rPr lang="de-DE" dirty="0"/>
-            <a:t>Umsetzung (Installation der CRM-Lösung, Datenexport/Datenimport, Konfiguration anhand der Anforderungen usw.)</a:t>
-          </a:r>
-        </a:p>
-      </dgm:t>
-    </dgm:pt>
-    <dgm:pt modelId="{B7549C19-728F-4E29-9FC5-18D46F0FE363}" type="parTrans" cxnId="{13BFBE1F-12E8-4FD7-8421-9737B15197FE}">
-      <dgm:prSet/>
-      <dgm:spPr/>
-      <dgm:t>
-        <a:bodyPr/>
-        <a:lstStyle/>
-        <a:p>
-          <a:endParaRPr lang="de-DE"/>
-        </a:p>
-      </dgm:t>
-    </dgm:pt>
-    <dgm:pt modelId="{0BCCA904-B299-4335-B01C-2D5DE217FBA7}" type="sibTrans" cxnId="{13BFBE1F-12E8-4FD7-8421-9737B15197FE}">
-      <dgm:prSet/>
-      <dgm:spPr/>
-      <dgm:t>
-        <a:bodyPr/>
-        <a:lstStyle/>
-        <a:p>
-          <a:endParaRPr lang="de-DE"/>
-        </a:p>
-      </dgm:t>
-    </dgm:pt>
-    <dgm:pt modelId="{0718477B-D6C9-4A44-A21C-3DE5DD1E16CC}">
-      <dgm:prSet phldrT="[Text]"/>
-      <dgm:spPr/>
-      <dgm:t>
-        <a:bodyPr/>
-        <a:lstStyle/>
-        <a:p>
-          <a:r>
-            <a:rPr lang="de-DE" dirty="0"/>
-            <a:t>Überprüfung</a:t>
-          </a:r>
-        </a:p>
-      </dgm:t>
-    </dgm:pt>
-    <dgm:pt modelId="{2A465936-278F-4094-9D04-576B39A7FAFB}" type="parTrans" cxnId="{98B2E1FC-A018-46E4-AA2D-77A4E3CBFE88}">
-      <dgm:prSet/>
-      <dgm:spPr/>
-      <dgm:t>
-        <a:bodyPr/>
-        <a:lstStyle/>
-        <a:p>
-          <a:endParaRPr lang="de-DE"/>
-        </a:p>
-      </dgm:t>
-    </dgm:pt>
-    <dgm:pt modelId="{890236D2-0945-4051-9BAD-172FC8B40038}" type="sibTrans" cxnId="{98B2E1FC-A018-46E4-AA2D-77A4E3CBFE88}">
-      <dgm:prSet/>
-      <dgm:spPr/>
-      <dgm:t>
-        <a:bodyPr/>
-        <a:lstStyle/>
-        <a:p>
-          <a:endParaRPr lang="de-DE"/>
-        </a:p>
-      </dgm:t>
-    </dgm:pt>
-    <dgm:pt modelId="{D6C59050-3A9B-4A9A-AE49-035D705D7720}">
-      <dgm:prSet phldrT="[Text]"/>
-      <dgm:spPr/>
-      <dgm:t>
-        <a:bodyPr/>
-        <a:lstStyle/>
-        <a:p>
-          <a:r>
-            <a:rPr lang="de-DE" dirty="0"/>
-            <a:t>Abgleich der gewünschten Anforderungen, Test- &amp; </a:t>
-          </a:r>
-          <a:r>
-            <a:rPr lang="de-DE" dirty="0" err="1"/>
-            <a:t>Reviewphase</a:t>
-          </a:r>
-          <a:endParaRPr lang="de-DE" dirty="0"/>
-        </a:p>
-      </dgm:t>
-    </dgm:pt>
-    <dgm:pt modelId="{54144B57-2C02-44FD-8BD3-D8E25FB02CAF}" type="parTrans" cxnId="{D10EB03C-BD60-456F-9743-7EF0D49BCF82}">
-      <dgm:prSet/>
-      <dgm:spPr/>
-      <dgm:t>
-        <a:bodyPr/>
-        <a:lstStyle/>
-        <a:p>
-          <a:endParaRPr lang="de-DE"/>
-        </a:p>
-      </dgm:t>
-    </dgm:pt>
-    <dgm:pt modelId="{818D3E93-EDD6-4C43-815F-20612995D236}" type="sibTrans" cxnId="{D10EB03C-BD60-456F-9743-7EF0D49BCF82}">
-      <dgm:prSet/>
-      <dgm:spPr/>
-      <dgm:t>
-        <a:bodyPr/>
-        <a:lstStyle/>
-        <a:p>
-          <a:endParaRPr lang="de-DE"/>
-        </a:p>
-      </dgm:t>
-    </dgm:pt>
-    <dgm:pt modelId="{F9F36496-33BF-40D7-8F50-12C3BBEAFF78}">
-      <dgm:prSet phldrT="[Text]"/>
-      <dgm:spPr/>
-      <dgm:t>
-        <a:bodyPr/>
-        <a:lstStyle/>
-        <a:p>
-          <a:r>
-            <a:rPr lang="de-DE" dirty="0"/>
-            <a:t>Einschulung</a:t>
-          </a:r>
-        </a:p>
-      </dgm:t>
-    </dgm:pt>
-    <dgm:pt modelId="{DB8AFAA2-228F-4B70-8CF2-8539D386F638}" type="parTrans" cxnId="{FFB6A63F-4FC0-4257-BCA9-D4C0FAA7FD69}">
-      <dgm:prSet/>
-      <dgm:spPr/>
-      <dgm:t>
-        <a:bodyPr/>
-        <a:lstStyle/>
-        <a:p>
-          <a:endParaRPr lang="de-DE"/>
-        </a:p>
-      </dgm:t>
-    </dgm:pt>
-    <dgm:pt modelId="{8BC9826F-09C6-496B-AF48-DBF14D630794}" type="sibTrans" cxnId="{FFB6A63F-4FC0-4257-BCA9-D4C0FAA7FD69}">
-      <dgm:prSet/>
-      <dgm:spPr/>
-      <dgm:t>
-        <a:bodyPr/>
-        <a:lstStyle/>
-        <a:p>
-          <a:endParaRPr lang="de-DE"/>
-        </a:p>
-      </dgm:t>
-    </dgm:pt>
-    <dgm:pt modelId="{0E0131C5-A05C-475A-B432-76A0DF9584F1}">
-      <dgm:prSet phldrT="[Text]"/>
-      <dgm:spPr/>
-      <dgm:t>
-        <a:bodyPr/>
-        <a:lstStyle/>
-        <a:p>
-          <a:r>
-            <a:rPr lang="de-DE" dirty="0"/>
-            <a:t>Einschulung der Stakeholder</a:t>
-          </a:r>
-        </a:p>
-      </dgm:t>
-    </dgm:pt>
-    <dgm:pt modelId="{737FC22B-0CE9-4EF6-B860-8C7F10361420}" type="parTrans" cxnId="{5F6482EE-2137-43A7-954C-DA21CE43CAA0}">
-      <dgm:prSet/>
-      <dgm:spPr/>
-      <dgm:t>
-        <a:bodyPr/>
-        <a:lstStyle/>
-        <a:p>
-          <a:endParaRPr lang="de-DE"/>
-        </a:p>
-      </dgm:t>
-    </dgm:pt>
-    <dgm:pt modelId="{B34A610E-9285-419A-856E-8AA614B8BE4F}" type="sibTrans" cxnId="{5F6482EE-2137-43A7-954C-DA21CE43CAA0}">
-      <dgm:prSet/>
-      <dgm:spPr/>
-      <dgm:t>
-        <a:bodyPr/>
-        <a:lstStyle/>
-        <a:p>
-          <a:endParaRPr lang="de-DE"/>
-        </a:p>
-      </dgm:t>
-    </dgm:pt>
-    <dgm:pt modelId="{A93E93C3-EC61-41F9-8B8F-E1B0A7FD42BC}">
-      <dgm:prSet phldrT="[Text]"/>
-      <dgm:spPr/>
-      <dgm:t>
-        <a:bodyPr/>
-        <a:lstStyle/>
-        <a:p>
-          <a:r>
-            <a:rPr lang="de-DE" dirty="0"/>
-            <a:t>Finale Konfiguration</a:t>
-          </a:r>
-        </a:p>
-      </dgm:t>
-    </dgm:pt>
-    <dgm:pt modelId="{B615FC5A-DF32-4168-8C9A-09BE3C5A8958}" type="parTrans" cxnId="{499D1B7A-74D1-405A-A0EC-D079D324BBD2}">
-      <dgm:prSet/>
-      <dgm:spPr/>
-      <dgm:t>
-        <a:bodyPr/>
-        <a:lstStyle/>
-        <a:p>
-          <a:endParaRPr lang="de-DE"/>
-        </a:p>
-      </dgm:t>
-    </dgm:pt>
-    <dgm:pt modelId="{2A6A4A50-83B6-4CC6-ACF2-4CD664963283}" type="sibTrans" cxnId="{499D1B7A-74D1-405A-A0EC-D079D324BBD2}">
-      <dgm:prSet/>
-      <dgm:spPr/>
-      <dgm:t>
-        <a:bodyPr/>
-        <a:lstStyle/>
-        <a:p>
-          <a:endParaRPr lang="de-DE"/>
-        </a:p>
-      </dgm:t>
-    </dgm:pt>
-    <dgm:pt modelId="{F4D0C9D9-10EC-4C67-BCEF-69392E7C2E24}">
-      <dgm:prSet phldrT="[Text]"/>
-      <dgm:spPr/>
-      <dgm:t>
-        <a:bodyPr/>
-        <a:lstStyle/>
-        <a:p>
-          <a:pPr>
-            <a:buFont typeface="Arial" panose="020B0604020202020204" pitchFamily="34" charset="0"/>
-            <a:buChar char="•"/>
-          </a:pPr>
-          <a:r>
-            <a:rPr lang="de-DE" dirty="0"/>
-            <a:t>Finale Datenmigration</a:t>
-          </a:r>
-        </a:p>
-      </dgm:t>
-    </dgm:pt>
-    <dgm:pt modelId="{CCDA8A00-84EC-4805-981D-CE79FFA8B9CB}" type="parTrans" cxnId="{3BD75A71-AC57-4343-B11E-894055C53D65}">
-      <dgm:prSet/>
-      <dgm:spPr/>
-      <dgm:t>
-        <a:bodyPr/>
-        <a:lstStyle/>
-        <a:p>
-          <a:endParaRPr lang="de-DE"/>
-        </a:p>
-      </dgm:t>
-    </dgm:pt>
-    <dgm:pt modelId="{87140227-9886-4BBC-8652-2988BA654417}" type="sibTrans" cxnId="{3BD75A71-AC57-4343-B11E-894055C53D65}">
-      <dgm:prSet/>
-      <dgm:spPr/>
-      <dgm:t>
-        <a:bodyPr/>
-        <a:lstStyle/>
-        <a:p>
-          <a:endParaRPr lang="de-DE"/>
-        </a:p>
-      </dgm:t>
-    </dgm:pt>
-    <dgm:pt modelId="{69999EC8-5F05-4F2E-9A52-5EB896DC6ED1}" type="pres">
-      <dgm:prSet presAssocID="{EBF94A37-F342-4A01-AC18-A1F90ACA8AF6}" presName="rootnode" presStyleCnt="0">
-        <dgm:presLayoutVars>
-          <dgm:chMax/>
-          <dgm:chPref/>
-          <dgm:dir/>
-          <dgm:animLvl val="lvl"/>
-        </dgm:presLayoutVars>
-      </dgm:prSet>
-      <dgm:spPr/>
-    </dgm:pt>
-    <dgm:pt modelId="{96723B32-86A3-492E-BA4B-980063303920}" type="pres">
-      <dgm:prSet presAssocID="{81D97F86-B536-4127-B40B-F459F5826291}" presName="composite" presStyleCnt="0"/>
-      <dgm:spPr/>
-    </dgm:pt>
-    <dgm:pt modelId="{B637C903-9F04-4E19-824D-E6F52D9524B4}" type="pres">
-      <dgm:prSet presAssocID="{81D97F86-B536-4127-B40B-F459F5826291}" presName="bentUpArrow1" presStyleLbl="alignImgPlace1" presStyleIdx="0" presStyleCnt="5" custAng="10800000" custScaleX="70002" custScaleY="80239" custLinFactNeighborX="18792" custLinFactNeighborY="-994">
-        <dgm:style>
-          <a:lnRef idx="1">
-            <a:schemeClr val="accent1"/>
-          </a:lnRef>
-          <a:fillRef idx="2">
-            <a:schemeClr val="accent1"/>
-          </a:fillRef>
-          <a:effectRef idx="1">
-            <a:schemeClr val="accent1"/>
-          </a:effectRef>
-          <a:fontRef idx="minor">
-            <a:schemeClr val="dk1"/>
-          </a:fontRef>
-        </dgm:style>
-      </dgm:prSet>
-      <dgm:spPr>
-        <a:prstGeom prst="bentArrow">
-          <a:avLst/>
-        </a:prstGeom>
-        <a:ln w="63500">
-          <a:prstDash val="sysDot"/>
-        </a:ln>
-      </dgm:spPr>
-    </dgm:pt>
-    <dgm:pt modelId="{B09FB7E4-7B81-4114-874C-36517DFEDB08}" type="pres">
-      <dgm:prSet presAssocID="{81D97F86-B536-4127-B40B-F459F5826291}" presName="ParentText" presStyleLbl="node1" presStyleIdx="0" presStyleCnt="6">
-        <dgm:presLayoutVars>
-          <dgm:chMax val="1"/>
-          <dgm:chPref val="1"/>
-          <dgm:bulletEnabled val="1"/>
-        </dgm:presLayoutVars>
-      </dgm:prSet>
-      <dgm:spPr/>
-    </dgm:pt>
-    <dgm:pt modelId="{06BB116B-F1D5-45C6-A5A2-387143C8DFAC}" type="pres">
-      <dgm:prSet presAssocID="{81D97F86-B536-4127-B40B-F459F5826291}" presName="ChildText" presStyleLbl="revTx" presStyleIdx="0" presStyleCnt="6" custScaleX="335723" custScaleY="107477" custLinFactX="20747" custLinFactNeighborX="100000" custLinFactNeighborY="-33355">
-        <dgm:presLayoutVars>
-          <dgm:chMax val="0"/>
-          <dgm:chPref val="0"/>
-          <dgm:bulletEnabled val="1"/>
-        </dgm:presLayoutVars>
-      </dgm:prSet>
-      <dgm:spPr/>
-    </dgm:pt>
-    <dgm:pt modelId="{2986EAB0-0954-4E71-85FF-D5A6086E0084}" type="pres">
-      <dgm:prSet presAssocID="{75DD5D0F-0330-44FB-BDDD-6467C06B8D9A}" presName="sibTrans" presStyleCnt="0"/>
-      <dgm:spPr/>
-    </dgm:pt>
-    <dgm:pt modelId="{E9A93A7C-4914-45AB-9889-82EE94DF671E}" type="pres">
-      <dgm:prSet presAssocID="{368AA15D-544F-4835-847A-8288D0488622}" presName="composite" presStyleCnt="0"/>
-      <dgm:spPr/>
-    </dgm:pt>
-    <dgm:pt modelId="{301C0A1B-17A6-495D-BEE5-A23648B132E5}" type="pres">
-      <dgm:prSet presAssocID="{368AA15D-544F-4835-847A-8288D0488622}" presName="bentUpArrow1" presStyleLbl="alignImgPlace1" presStyleIdx="1" presStyleCnt="5" custAng="10800000" custScaleX="64276" custScaleY="82815" custLinFactNeighborX="-16113" custLinFactNeighborY="12434">
-        <dgm:style>
-          <a:lnRef idx="1">
-            <a:schemeClr val="accent1"/>
-          </a:lnRef>
-          <a:fillRef idx="2">
-            <a:schemeClr val="accent1"/>
-          </a:fillRef>
-          <a:effectRef idx="1">
-            <a:schemeClr val="accent1"/>
-          </a:effectRef>
-          <a:fontRef idx="minor">
-            <a:schemeClr val="dk1"/>
-          </a:fontRef>
-        </dgm:style>
-      </dgm:prSet>
-      <dgm:spPr>
-        <a:prstGeom prst="bentArrow">
-          <a:avLst/>
-        </a:prstGeom>
-        <a:ln w="63500">
-          <a:prstDash val="sysDot"/>
-        </a:ln>
-      </dgm:spPr>
-    </dgm:pt>
-    <dgm:pt modelId="{73A06A56-85C6-4BB0-82DD-3A80E7A910D9}" type="pres">
-      <dgm:prSet presAssocID="{368AA15D-544F-4835-847A-8288D0488622}" presName="ParentText" presStyleLbl="node1" presStyleIdx="1" presStyleCnt="6" custLinFactNeighborX="-35398" custLinFactNeighborY="12118">
-        <dgm:presLayoutVars>
-          <dgm:chMax val="1"/>
-          <dgm:chPref val="1"/>
-          <dgm:bulletEnabled val="1"/>
-        </dgm:presLayoutVars>
-      </dgm:prSet>
-      <dgm:spPr/>
-    </dgm:pt>
-    <dgm:pt modelId="{1E313D99-A76E-46DB-90B0-F5C92136ACE8}" type="pres">
-      <dgm:prSet presAssocID="{368AA15D-544F-4835-847A-8288D0488622}" presName="ChildText" presStyleLbl="revTx" presStyleIdx="1" presStyleCnt="6" custScaleX="366390" custLinFactNeighborX="86570" custLinFactNeighborY="-25052">
-        <dgm:presLayoutVars>
-          <dgm:chMax val="0"/>
-          <dgm:chPref val="0"/>
-          <dgm:bulletEnabled val="1"/>
-        </dgm:presLayoutVars>
-      </dgm:prSet>
-      <dgm:spPr/>
-    </dgm:pt>
-    <dgm:pt modelId="{663426B4-F7CF-4B1A-BDE9-BECD804EB0FF}" type="pres">
-      <dgm:prSet presAssocID="{FBF05040-18ED-4BFC-8D61-0CEC3D1D791C}" presName="sibTrans" presStyleCnt="0"/>
-      <dgm:spPr/>
-    </dgm:pt>
-    <dgm:pt modelId="{AE67AA57-6840-4A14-A621-0E3A7F98FF90}" type="pres">
-      <dgm:prSet presAssocID="{78B18D16-3A2E-4AE6-B6F3-8CE6EB214DDC}" presName="composite" presStyleCnt="0"/>
-      <dgm:spPr/>
-    </dgm:pt>
-    <dgm:pt modelId="{5F060744-799A-45FB-9DAA-192EAD369DE9}" type="pres">
-      <dgm:prSet presAssocID="{78B18D16-3A2E-4AE6-B6F3-8CE6EB214DDC}" presName="bentUpArrow1" presStyleLbl="alignImgPlace1" presStyleIdx="2" presStyleCnt="5" custAng="10800000" custScaleX="69453" custScaleY="86754" custLinFactX="-22029" custLinFactNeighborX="-100000" custLinFactNeighborY="23196">
-        <dgm:style>
-          <a:lnRef idx="1">
-            <a:schemeClr val="accent1"/>
-          </a:lnRef>
-          <a:fillRef idx="2">
-            <a:schemeClr val="accent1"/>
-          </a:fillRef>
-          <a:effectRef idx="1">
-            <a:schemeClr val="accent1"/>
-          </a:effectRef>
-          <a:fontRef idx="minor">
-            <a:schemeClr val="dk1"/>
-          </a:fontRef>
-        </dgm:style>
-      </dgm:prSet>
-      <dgm:spPr>
-        <a:prstGeom prst="bentArrow">
-          <a:avLst/>
-        </a:prstGeom>
-        <a:ln w="63500">
-          <a:prstDash val="sysDot"/>
-        </a:ln>
-      </dgm:spPr>
-    </dgm:pt>
-    <dgm:pt modelId="{3F9C7A30-1374-408B-B7D7-EFDE05C907F8}" type="pres">
-      <dgm:prSet presAssocID="{78B18D16-3A2E-4AE6-B6F3-8CE6EB214DDC}" presName="ParentText" presStyleLbl="node1" presStyleIdx="2" presStyleCnt="6" custLinFactX="-4692" custLinFactNeighborX="-100000" custLinFactNeighborY="19443">
-        <dgm:presLayoutVars>
-          <dgm:chMax val="1"/>
-          <dgm:chPref val="1"/>
-          <dgm:bulletEnabled val="1"/>
-        </dgm:presLayoutVars>
-      </dgm:prSet>
-      <dgm:spPr/>
-    </dgm:pt>
-    <dgm:pt modelId="{E6883D81-E5AC-49A3-80DE-34B1618E2409}" type="pres">
-      <dgm:prSet presAssocID="{78B18D16-3A2E-4AE6-B6F3-8CE6EB214DDC}" presName="ChildText" presStyleLbl="revTx" presStyleIdx="2" presStyleCnt="6" custScaleX="496499" custScaleY="110622" custLinFactNeighborX="56350" custLinFactNeighborY="-7846">
-        <dgm:presLayoutVars>
-          <dgm:chMax val="0"/>
-          <dgm:chPref val="0"/>
-          <dgm:bulletEnabled val="1"/>
-        </dgm:presLayoutVars>
-      </dgm:prSet>
-      <dgm:spPr/>
-    </dgm:pt>
-    <dgm:pt modelId="{83C6D9D9-89ED-44A2-A771-B452599E73C9}" type="pres">
-      <dgm:prSet presAssocID="{9539DAE4-AF97-4D00-8C53-407EE216A019}" presName="sibTrans" presStyleCnt="0"/>
-      <dgm:spPr/>
-    </dgm:pt>
-    <dgm:pt modelId="{AD6B6DB2-7FF8-4377-A212-8C65349A8679}" type="pres">
-      <dgm:prSet presAssocID="{0718477B-D6C9-4A44-A21C-3DE5DD1E16CC}" presName="composite" presStyleCnt="0"/>
-      <dgm:spPr/>
-    </dgm:pt>
-    <dgm:pt modelId="{7042EC87-4394-4C37-8120-978B5116721B}" type="pres">
-      <dgm:prSet presAssocID="{0718477B-D6C9-4A44-A21C-3DE5DD1E16CC}" presName="bentUpArrow1" presStyleLbl="alignImgPlace1" presStyleIdx="3" presStyleCnt="5" custAng="10800000" custScaleX="68566" custScaleY="83150" custLinFactNeighborX="-97016" custLinFactNeighborY="50369">
-        <dgm:style>
-          <a:lnRef idx="1">
-            <a:schemeClr val="accent1"/>
-          </a:lnRef>
-          <a:fillRef idx="2">
-            <a:schemeClr val="accent1"/>
-          </a:fillRef>
-          <a:effectRef idx="1">
-            <a:schemeClr val="accent1"/>
-          </a:effectRef>
-          <a:fontRef idx="minor">
-            <a:schemeClr val="dk1"/>
-          </a:fontRef>
-        </dgm:style>
-      </dgm:prSet>
-      <dgm:spPr>
-        <a:prstGeom prst="bentArrow">
-          <a:avLst/>
-        </a:prstGeom>
-        <a:ln w="63500">
-          <a:prstDash val="sysDot"/>
-        </a:ln>
-      </dgm:spPr>
-    </dgm:pt>
-    <dgm:pt modelId="{8EB5C8B5-5711-465B-885B-32E4699FED05}" type="pres">
-      <dgm:prSet presAssocID="{0718477B-D6C9-4A44-A21C-3DE5DD1E16CC}" presName="ParentText" presStyleLbl="node1" presStyleIdx="3" presStyleCnt="6" custLinFactX="-2866" custLinFactNeighborX="-100000" custLinFactNeighborY="43221">
-        <dgm:presLayoutVars>
-          <dgm:chMax val="1"/>
-          <dgm:chPref val="1"/>
-          <dgm:bulletEnabled val="1"/>
-        </dgm:presLayoutVars>
-      </dgm:prSet>
-      <dgm:spPr/>
-    </dgm:pt>
-    <dgm:pt modelId="{13EF527D-C07A-4BE6-A34E-6FB1F899CFE2}" type="pres">
-      <dgm:prSet presAssocID="{0718477B-D6C9-4A44-A21C-3DE5DD1E16CC}" presName="ChildText" presStyleLbl="revTx" presStyleIdx="3" presStyleCnt="6" custScaleX="424329" custScaleY="49444" custLinFactNeighborX="21295" custLinFactNeighborY="19873">
-        <dgm:presLayoutVars>
-          <dgm:chMax val="0"/>
-          <dgm:chPref val="0"/>
-          <dgm:bulletEnabled val="1"/>
-        </dgm:presLayoutVars>
-      </dgm:prSet>
-      <dgm:spPr/>
-    </dgm:pt>
-    <dgm:pt modelId="{B1BF4880-1DE9-4453-B025-ECB0D7D93872}" type="pres">
-      <dgm:prSet presAssocID="{890236D2-0945-4051-9BAD-172FC8B40038}" presName="sibTrans" presStyleCnt="0"/>
-      <dgm:spPr/>
-    </dgm:pt>
-    <dgm:pt modelId="{AF1F4277-3F3C-4969-92A8-0AF5A4C16404}" type="pres">
-      <dgm:prSet presAssocID="{F9F36496-33BF-40D7-8F50-12C3BBEAFF78}" presName="composite" presStyleCnt="0"/>
-      <dgm:spPr/>
-    </dgm:pt>
-    <dgm:pt modelId="{0209E210-FFA7-4F73-BF30-737C08FBDD87}" type="pres">
-      <dgm:prSet presAssocID="{F9F36496-33BF-40D7-8F50-12C3BBEAFF78}" presName="bentUpArrow1" presStyleLbl="alignImgPlace1" presStyleIdx="4" presStyleCnt="5" custAng="10800000" custScaleX="64781" custScaleY="74063" custLinFactX="-970" custLinFactNeighborX="-100000" custLinFactNeighborY="70905">
-        <dgm:style>
-          <a:lnRef idx="1">
-            <a:schemeClr val="accent1"/>
-          </a:lnRef>
-          <a:fillRef idx="2">
-            <a:schemeClr val="accent1"/>
-          </a:fillRef>
-          <a:effectRef idx="1">
-            <a:schemeClr val="accent1"/>
-          </a:effectRef>
-          <a:fontRef idx="minor">
-            <a:schemeClr val="dk1"/>
-          </a:fontRef>
-        </dgm:style>
-      </dgm:prSet>
-      <dgm:spPr>
-        <a:prstGeom prst="bentArrow">
-          <a:avLst/>
-        </a:prstGeom>
-        <a:ln w="63500">
-          <a:prstDash val="sysDot"/>
-        </a:ln>
-      </dgm:spPr>
-    </dgm:pt>
-    <dgm:pt modelId="{950AB483-82FF-4CDB-B96C-C9FD47741538}" type="pres">
-      <dgm:prSet presAssocID="{F9F36496-33BF-40D7-8F50-12C3BBEAFF78}" presName="ParentText" presStyleLbl="node1" presStyleIdx="4" presStyleCnt="6" custLinFactNeighborX="-95494" custLinFactNeighborY="64311">
-        <dgm:presLayoutVars>
-          <dgm:chMax val="1"/>
-          <dgm:chPref val="1"/>
-          <dgm:bulletEnabled val="1"/>
-        </dgm:presLayoutVars>
-      </dgm:prSet>
-      <dgm:spPr/>
-    </dgm:pt>
-    <dgm:pt modelId="{B0B75164-5581-4F36-BD0A-36090BA1123B}" type="pres">
-      <dgm:prSet presAssocID="{F9F36496-33BF-40D7-8F50-12C3BBEAFF78}" presName="ChildText" presStyleLbl="revTx" presStyleIdx="4" presStyleCnt="6" custScaleX="204537" custLinFactNeighborX="-72212" custLinFactNeighborY="40387">
-        <dgm:presLayoutVars>
-          <dgm:chMax val="0"/>
-          <dgm:chPref val="0"/>
-          <dgm:bulletEnabled val="1"/>
-        </dgm:presLayoutVars>
-      </dgm:prSet>
-      <dgm:spPr/>
-    </dgm:pt>
-    <dgm:pt modelId="{35BF8AA9-BECA-4C17-955A-D0AD2905B914}" type="pres">
-      <dgm:prSet presAssocID="{8BC9826F-09C6-496B-AF48-DBF14D630794}" presName="sibTrans" presStyleCnt="0"/>
-      <dgm:spPr/>
-    </dgm:pt>
-    <dgm:pt modelId="{EA42E01C-0F7C-4537-B2E3-A09096200403}" type="pres">
-      <dgm:prSet presAssocID="{A93E93C3-EC61-41F9-8B8F-E1B0A7FD42BC}" presName="composite" presStyleCnt="0"/>
-      <dgm:spPr/>
-    </dgm:pt>
-    <dgm:pt modelId="{B0FFBA87-1276-4D3C-8B6A-92996668CFE2}" type="pres">
-      <dgm:prSet presAssocID="{A93E93C3-EC61-41F9-8B8F-E1B0A7FD42BC}" presName="ParentText" presStyleLbl="node1" presStyleIdx="5" presStyleCnt="6" custLinFactX="-19856" custLinFactNeighborX="-100000" custLinFactNeighborY="66179">
-        <dgm:presLayoutVars>
-          <dgm:chMax val="1"/>
-          <dgm:chPref val="1"/>
-          <dgm:bulletEnabled val="1"/>
-        </dgm:presLayoutVars>
-      </dgm:prSet>
-      <dgm:spPr/>
-    </dgm:pt>
-    <dgm:pt modelId="{DA62BC45-236E-44F2-A764-9AB6D2D523B4}" type="pres">
-      <dgm:prSet presAssocID="{A93E93C3-EC61-41F9-8B8F-E1B0A7FD42BC}" presName="FinalChildText" presStyleLbl="revTx" presStyleIdx="5" presStyleCnt="6" custLinFactX="-60743" custLinFactNeighborX="-100000" custLinFactNeighborY="83534">
-        <dgm:presLayoutVars>
-          <dgm:chMax val="0"/>
-          <dgm:chPref val="0"/>
-          <dgm:bulletEnabled val="1"/>
-        </dgm:presLayoutVars>
-      </dgm:prSet>
-      <dgm:spPr/>
-    </dgm:pt>
-  </dgm:ptLst>
-  <dgm:cxnLst>
-    <dgm:cxn modelId="{0D90230D-C85D-4429-8184-CFE4EFD2B905}" type="presOf" srcId="{78B18D16-3A2E-4AE6-B6F3-8CE6EB214DDC}" destId="{3F9C7A30-1374-408B-B7D7-EFDE05C907F8}" srcOrd="0" destOrd="0" presId="urn:microsoft.com/office/officeart/2005/8/layout/StepDownProcess"/>
-    <dgm:cxn modelId="{182DE21B-CD56-4AD2-9591-F6A4C54E39FA}" srcId="{EBF94A37-F342-4A01-AC18-A1F90ACA8AF6}" destId="{81D97F86-B536-4127-B40B-F459F5826291}" srcOrd="0" destOrd="0" parTransId="{281E8CB4-29D3-4B6D-886F-61193C0B7B8B}" sibTransId="{75DD5D0F-0330-44FB-BDDD-6467C06B8D9A}"/>
-    <dgm:cxn modelId="{13BFBE1F-12E8-4FD7-8421-9737B15197FE}" srcId="{78B18D16-3A2E-4AE6-B6F3-8CE6EB214DDC}" destId="{E6C1DD3A-29EA-475A-A0D0-A5A44F0150F2}" srcOrd="0" destOrd="0" parTransId="{B7549C19-728F-4E29-9FC5-18D46F0FE363}" sibTransId="{0BCCA904-B299-4335-B01C-2D5DE217FBA7}"/>
-    <dgm:cxn modelId="{0B487120-D435-4B5F-A092-257B5A538259}" type="presOf" srcId="{E6C1DD3A-29EA-475A-A0D0-A5A44F0150F2}" destId="{E6883D81-E5AC-49A3-80DE-34B1618E2409}" srcOrd="0" destOrd="0" presId="urn:microsoft.com/office/officeart/2005/8/layout/StepDownProcess"/>
-    <dgm:cxn modelId="{DE9E8633-1303-4896-BFD0-F90FDAE263D8}" srcId="{EBF94A37-F342-4A01-AC18-A1F90ACA8AF6}" destId="{368AA15D-544F-4835-847A-8288D0488622}" srcOrd="1" destOrd="0" parTransId="{6154EBB6-692E-4F10-A199-A838E93AF6FC}" sibTransId="{FBF05040-18ED-4BFC-8D61-0CEC3D1D791C}"/>
-    <dgm:cxn modelId="{D10EB03C-BD60-456F-9743-7EF0D49BCF82}" srcId="{0718477B-D6C9-4A44-A21C-3DE5DD1E16CC}" destId="{D6C59050-3A9B-4A9A-AE49-035D705D7720}" srcOrd="0" destOrd="0" parTransId="{54144B57-2C02-44FD-8BD3-D8E25FB02CAF}" sibTransId="{818D3E93-EDD6-4C43-815F-20612995D236}"/>
-    <dgm:cxn modelId="{FFB6A63F-4FC0-4257-BCA9-D4C0FAA7FD69}" srcId="{EBF94A37-F342-4A01-AC18-A1F90ACA8AF6}" destId="{F9F36496-33BF-40D7-8F50-12C3BBEAFF78}" srcOrd="4" destOrd="0" parTransId="{DB8AFAA2-228F-4B70-8CF2-8539D386F638}" sibTransId="{8BC9826F-09C6-496B-AF48-DBF14D630794}"/>
-    <dgm:cxn modelId="{C974654E-E34F-43B7-9537-9EDD8EDBC44C}" type="presOf" srcId="{F4D0C9D9-10EC-4C67-BCEF-69392E7C2E24}" destId="{DA62BC45-236E-44F2-A764-9AB6D2D523B4}" srcOrd="0" destOrd="0" presId="urn:microsoft.com/office/officeart/2005/8/layout/StepDownProcess"/>
-    <dgm:cxn modelId="{0AAD0052-82C5-4482-9870-47A82056B7B9}" srcId="{368AA15D-544F-4835-847A-8288D0488622}" destId="{40E0CAE9-53E7-4BB3-8928-4CA1DAB8B89F}" srcOrd="0" destOrd="0" parTransId="{0B34C894-F6D6-49D3-8E74-EA5809CAFE39}" sibTransId="{8F8DB8A9-0F02-406D-AF58-033A0ABBBCAE}"/>
-    <dgm:cxn modelId="{3766DA56-F0A5-462E-850D-3ACB21F764F8}" type="presOf" srcId="{A93E93C3-EC61-41F9-8B8F-E1B0A7FD42BC}" destId="{B0FFBA87-1276-4D3C-8B6A-92996668CFE2}" srcOrd="0" destOrd="0" presId="urn:microsoft.com/office/officeart/2005/8/layout/StepDownProcess"/>
-    <dgm:cxn modelId="{FB885C65-F812-44BD-AA3D-761EE2F768A0}" type="presOf" srcId="{81D97F86-B536-4127-B40B-F459F5826291}" destId="{B09FB7E4-7B81-4114-874C-36517DFEDB08}" srcOrd="0" destOrd="0" presId="urn:microsoft.com/office/officeart/2005/8/layout/StepDownProcess"/>
-    <dgm:cxn modelId="{54D9BC69-DD4E-4BBD-B601-03478F875F36}" type="presOf" srcId="{EBF94A37-F342-4A01-AC18-A1F90ACA8AF6}" destId="{69999EC8-5F05-4F2E-9A52-5EB896DC6ED1}" srcOrd="0" destOrd="0" presId="urn:microsoft.com/office/officeart/2005/8/layout/StepDownProcess"/>
-    <dgm:cxn modelId="{3BD75A71-AC57-4343-B11E-894055C53D65}" srcId="{A93E93C3-EC61-41F9-8B8F-E1B0A7FD42BC}" destId="{F4D0C9D9-10EC-4C67-BCEF-69392E7C2E24}" srcOrd="0" destOrd="0" parTransId="{CCDA8A00-84EC-4805-981D-CE79FFA8B9CB}" sibTransId="{87140227-9886-4BBC-8652-2988BA654417}"/>
-    <dgm:cxn modelId="{499D1B7A-74D1-405A-A0EC-D079D324BBD2}" srcId="{EBF94A37-F342-4A01-AC18-A1F90ACA8AF6}" destId="{A93E93C3-EC61-41F9-8B8F-E1B0A7FD42BC}" srcOrd="5" destOrd="0" parTransId="{B615FC5A-DF32-4168-8C9A-09BE3C5A8958}" sibTransId="{2A6A4A50-83B6-4CC6-ACF2-4CD664963283}"/>
-    <dgm:cxn modelId="{7AABD582-EA5A-43B8-9ADD-AF7EE0EDF177}" type="presOf" srcId="{0718477B-D6C9-4A44-A21C-3DE5DD1E16CC}" destId="{8EB5C8B5-5711-465B-885B-32E4699FED05}" srcOrd="0" destOrd="0" presId="urn:microsoft.com/office/officeart/2005/8/layout/StepDownProcess"/>
-    <dgm:cxn modelId="{6F374F86-08F1-49B9-99C0-7458B93EEE82}" type="presOf" srcId="{88149A17-F429-4886-A44B-44FA35F5E98E}" destId="{06BB116B-F1D5-45C6-A5A2-387143C8DFAC}" srcOrd="0" destOrd="0" presId="urn:microsoft.com/office/officeart/2005/8/layout/StepDownProcess"/>
-    <dgm:cxn modelId="{2849849D-43C2-4060-8353-4531F69326F7}" type="presOf" srcId="{D6C59050-3A9B-4A9A-AE49-035D705D7720}" destId="{13EF527D-C07A-4BE6-A34E-6FB1F899CFE2}" srcOrd="0" destOrd="0" presId="urn:microsoft.com/office/officeart/2005/8/layout/StepDownProcess"/>
-    <dgm:cxn modelId="{47D65CA1-6BFB-4081-8A60-E21E786D81C7}" type="presOf" srcId="{40E0CAE9-53E7-4BB3-8928-4CA1DAB8B89F}" destId="{1E313D99-A76E-46DB-90B0-F5C92136ACE8}" srcOrd="0" destOrd="0" presId="urn:microsoft.com/office/officeart/2005/8/layout/StepDownProcess"/>
-    <dgm:cxn modelId="{92CC75B3-27A7-4841-9A8A-1FFEB7781A6D}" type="presOf" srcId="{368AA15D-544F-4835-847A-8288D0488622}" destId="{73A06A56-85C6-4BB0-82DD-3A80E7A910D9}" srcOrd="0" destOrd="0" presId="urn:microsoft.com/office/officeart/2005/8/layout/StepDownProcess"/>
-    <dgm:cxn modelId="{D3E0FEB8-0454-495C-B323-9E9C7B5BA51D}" type="presOf" srcId="{F9F36496-33BF-40D7-8F50-12C3BBEAFF78}" destId="{950AB483-82FF-4CDB-B96C-C9FD47741538}" srcOrd="0" destOrd="0" presId="urn:microsoft.com/office/officeart/2005/8/layout/StepDownProcess"/>
-    <dgm:cxn modelId="{6C6F86CE-BAE6-4D01-8FC7-10B58CBB6418}" srcId="{81D97F86-B536-4127-B40B-F459F5826291}" destId="{88149A17-F429-4886-A44B-44FA35F5E98E}" srcOrd="0" destOrd="0" parTransId="{10B89210-78D0-4162-9153-A6EE6BF3EA30}" sibTransId="{78E0A0F3-8A70-41BF-9435-A7FA36EFB0B3}"/>
-    <dgm:cxn modelId="{2E4E9AD4-A4D6-4EE5-ABC6-305C50874C16}" type="presOf" srcId="{0E0131C5-A05C-475A-B432-76A0DF9584F1}" destId="{B0B75164-5581-4F36-BD0A-36090BA1123B}" srcOrd="0" destOrd="0" presId="urn:microsoft.com/office/officeart/2005/8/layout/StepDownProcess"/>
-    <dgm:cxn modelId="{54FE95ED-0014-4A29-A47A-A71A140E5440}" srcId="{EBF94A37-F342-4A01-AC18-A1F90ACA8AF6}" destId="{78B18D16-3A2E-4AE6-B6F3-8CE6EB214DDC}" srcOrd="2" destOrd="0" parTransId="{8A66FE2C-45DF-4796-9E2D-D89D77F350F2}" sibTransId="{9539DAE4-AF97-4D00-8C53-407EE216A019}"/>
-    <dgm:cxn modelId="{5F6482EE-2137-43A7-954C-DA21CE43CAA0}" srcId="{F9F36496-33BF-40D7-8F50-12C3BBEAFF78}" destId="{0E0131C5-A05C-475A-B432-76A0DF9584F1}" srcOrd="0" destOrd="0" parTransId="{737FC22B-0CE9-4EF6-B860-8C7F10361420}" sibTransId="{B34A610E-9285-419A-856E-8AA614B8BE4F}"/>
-    <dgm:cxn modelId="{98B2E1FC-A018-46E4-AA2D-77A4E3CBFE88}" srcId="{EBF94A37-F342-4A01-AC18-A1F90ACA8AF6}" destId="{0718477B-D6C9-4A44-A21C-3DE5DD1E16CC}" srcOrd="3" destOrd="0" parTransId="{2A465936-278F-4094-9D04-576B39A7FAFB}" sibTransId="{890236D2-0945-4051-9BAD-172FC8B40038}"/>
-    <dgm:cxn modelId="{FFAECBB4-BF4C-45AE-9C51-14824963004B}" type="presParOf" srcId="{69999EC8-5F05-4F2E-9A52-5EB896DC6ED1}" destId="{96723B32-86A3-492E-BA4B-980063303920}" srcOrd="0" destOrd="0" presId="urn:microsoft.com/office/officeart/2005/8/layout/StepDownProcess"/>
-    <dgm:cxn modelId="{A73EB901-8A94-4934-9B56-7E29731BD30C}" type="presParOf" srcId="{96723B32-86A3-492E-BA4B-980063303920}" destId="{B637C903-9F04-4E19-824D-E6F52D9524B4}" srcOrd="0" destOrd="0" presId="urn:microsoft.com/office/officeart/2005/8/layout/StepDownProcess"/>
-    <dgm:cxn modelId="{5F9B5982-AD7D-4F4E-90FB-778315C1E29C}" type="presParOf" srcId="{96723B32-86A3-492E-BA4B-980063303920}" destId="{B09FB7E4-7B81-4114-874C-36517DFEDB08}" srcOrd="1" destOrd="0" presId="urn:microsoft.com/office/officeart/2005/8/layout/StepDownProcess"/>
-    <dgm:cxn modelId="{D8B461D7-4EB5-4B5C-9B8B-29BA24A81CC1}" type="presParOf" srcId="{96723B32-86A3-492E-BA4B-980063303920}" destId="{06BB116B-F1D5-45C6-A5A2-387143C8DFAC}" srcOrd="2" destOrd="0" presId="urn:microsoft.com/office/officeart/2005/8/layout/StepDownProcess"/>
-    <dgm:cxn modelId="{38D4CEE3-1FFC-4E58-A916-A6F5F8CE97E4}" type="presParOf" srcId="{69999EC8-5F05-4F2E-9A52-5EB896DC6ED1}" destId="{2986EAB0-0954-4E71-85FF-D5A6086E0084}" srcOrd="1" destOrd="0" presId="urn:microsoft.com/office/officeart/2005/8/layout/StepDownProcess"/>
-    <dgm:cxn modelId="{0429004C-D489-43FA-A32E-84B65D566927}" type="presParOf" srcId="{69999EC8-5F05-4F2E-9A52-5EB896DC6ED1}" destId="{E9A93A7C-4914-45AB-9889-82EE94DF671E}" srcOrd="2" destOrd="0" presId="urn:microsoft.com/office/officeart/2005/8/layout/StepDownProcess"/>
-    <dgm:cxn modelId="{3C74BF66-29C4-4FE3-BA27-25777DAB6E28}" type="presParOf" srcId="{E9A93A7C-4914-45AB-9889-82EE94DF671E}" destId="{301C0A1B-17A6-495D-BEE5-A23648B132E5}" srcOrd="0" destOrd="0" presId="urn:microsoft.com/office/officeart/2005/8/layout/StepDownProcess"/>
-    <dgm:cxn modelId="{E6E4DF75-B63F-41BD-BDC1-EA4C1DC0527E}" type="presParOf" srcId="{E9A93A7C-4914-45AB-9889-82EE94DF671E}" destId="{73A06A56-85C6-4BB0-82DD-3A80E7A910D9}" srcOrd="1" destOrd="0" presId="urn:microsoft.com/office/officeart/2005/8/layout/StepDownProcess"/>
-    <dgm:cxn modelId="{A344A7A9-8EB4-44BB-9CF5-BA70C80E0B2E}" type="presParOf" srcId="{E9A93A7C-4914-45AB-9889-82EE94DF671E}" destId="{1E313D99-A76E-46DB-90B0-F5C92136ACE8}" srcOrd="2" destOrd="0" presId="urn:microsoft.com/office/officeart/2005/8/layout/StepDownProcess"/>
-    <dgm:cxn modelId="{B2CA45DA-0214-4CF4-91B6-5856FB599F7C}" type="presParOf" srcId="{69999EC8-5F05-4F2E-9A52-5EB896DC6ED1}" destId="{663426B4-F7CF-4B1A-BDE9-BECD804EB0FF}" srcOrd="3" destOrd="0" presId="urn:microsoft.com/office/officeart/2005/8/layout/StepDownProcess"/>
-    <dgm:cxn modelId="{07AE6618-52CB-45D3-B038-F29477651405}" type="presParOf" srcId="{69999EC8-5F05-4F2E-9A52-5EB896DC6ED1}" destId="{AE67AA57-6840-4A14-A621-0E3A7F98FF90}" srcOrd="4" destOrd="0" presId="urn:microsoft.com/office/officeart/2005/8/layout/StepDownProcess"/>
-    <dgm:cxn modelId="{80A5F90E-4387-4139-B037-D4B04F90035B}" type="presParOf" srcId="{AE67AA57-6840-4A14-A621-0E3A7F98FF90}" destId="{5F060744-799A-45FB-9DAA-192EAD369DE9}" srcOrd="0" destOrd="0" presId="urn:microsoft.com/office/officeart/2005/8/layout/StepDownProcess"/>
-    <dgm:cxn modelId="{C63568C3-9D46-49B8-A105-1A17B47B013B}" type="presParOf" srcId="{AE67AA57-6840-4A14-A621-0E3A7F98FF90}" destId="{3F9C7A30-1374-408B-B7D7-EFDE05C907F8}" srcOrd="1" destOrd="0" presId="urn:microsoft.com/office/officeart/2005/8/layout/StepDownProcess"/>
-    <dgm:cxn modelId="{8FDBF6C1-1265-455F-8383-AE1A24AE549A}" type="presParOf" srcId="{AE67AA57-6840-4A14-A621-0E3A7F98FF90}" destId="{E6883D81-E5AC-49A3-80DE-34B1618E2409}" srcOrd="2" destOrd="0" presId="urn:microsoft.com/office/officeart/2005/8/layout/StepDownProcess"/>
-    <dgm:cxn modelId="{F0A3312D-6416-477C-AD10-D1629E031849}" type="presParOf" srcId="{69999EC8-5F05-4F2E-9A52-5EB896DC6ED1}" destId="{83C6D9D9-89ED-44A2-A771-B452599E73C9}" srcOrd="5" destOrd="0" presId="urn:microsoft.com/office/officeart/2005/8/layout/StepDownProcess"/>
-    <dgm:cxn modelId="{7285D1C3-725B-4620-B2BD-00D3A31C67DE}" type="presParOf" srcId="{69999EC8-5F05-4F2E-9A52-5EB896DC6ED1}" destId="{AD6B6DB2-7FF8-4377-A212-8C65349A8679}" srcOrd="6" destOrd="0" presId="urn:microsoft.com/office/officeart/2005/8/layout/StepDownProcess"/>
-    <dgm:cxn modelId="{57FAC9DD-2729-4E78-B1AD-35B509D89B59}" type="presParOf" srcId="{AD6B6DB2-7FF8-4377-A212-8C65349A8679}" destId="{7042EC87-4394-4C37-8120-978B5116721B}" srcOrd="0" destOrd="0" presId="urn:microsoft.com/office/officeart/2005/8/layout/StepDownProcess"/>
-    <dgm:cxn modelId="{F423EAF8-1A02-457E-A3CC-2E48E18974B9}" type="presParOf" srcId="{AD6B6DB2-7FF8-4377-A212-8C65349A8679}" destId="{8EB5C8B5-5711-465B-885B-32E4699FED05}" srcOrd="1" destOrd="0" presId="urn:microsoft.com/office/officeart/2005/8/layout/StepDownProcess"/>
-    <dgm:cxn modelId="{E43CC5DB-6D24-4A74-A317-3C1BF1567DFE}" type="presParOf" srcId="{AD6B6DB2-7FF8-4377-A212-8C65349A8679}" destId="{13EF527D-C07A-4BE6-A34E-6FB1F899CFE2}" srcOrd="2" destOrd="0" presId="urn:microsoft.com/office/officeart/2005/8/layout/StepDownProcess"/>
-    <dgm:cxn modelId="{856010E6-CAD1-4499-81C9-55B0E33520B5}" type="presParOf" srcId="{69999EC8-5F05-4F2E-9A52-5EB896DC6ED1}" destId="{B1BF4880-1DE9-4453-B025-ECB0D7D93872}" srcOrd="7" destOrd="0" presId="urn:microsoft.com/office/officeart/2005/8/layout/StepDownProcess"/>
-    <dgm:cxn modelId="{27880E5E-71F2-4EB9-A2DE-80D12A1B6C52}" type="presParOf" srcId="{69999EC8-5F05-4F2E-9A52-5EB896DC6ED1}" destId="{AF1F4277-3F3C-4969-92A8-0AF5A4C16404}" srcOrd="8" destOrd="0" presId="urn:microsoft.com/office/officeart/2005/8/layout/StepDownProcess"/>
-    <dgm:cxn modelId="{6272D4B7-0752-45A8-B146-FB3545F8348D}" type="presParOf" srcId="{AF1F4277-3F3C-4969-92A8-0AF5A4C16404}" destId="{0209E210-FFA7-4F73-BF30-737C08FBDD87}" srcOrd="0" destOrd="0" presId="urn:microsoft.com/office/officeart/2005/8/layout/StepDownProcess"/>
-    <dgm:cxn modelId="{4288319C-72A1-4D2D-BF77-9B3BD393BCA7}" type="presParOf" srcId="{AF1F4277-3F3C-4969-92A8-0AF5A4C16404}" destId="{950AB483-82FF-4CDB-B96C-C9FD47741538}" srcOrd="1" destOrd="0" presId="urn:microsoft.com/office/officeart/2005/8/layout/StepDownProcess"/>
-    <dgm:cxn modelId="{49052D23-8099-43F0-BFBD-C0FA210F7A91}" type="presParOf" srcId="{AF1F4277-3F3C-4969-92A8-0AF5A4C16404}" destId="{B0B75164-5581-4F36-BD0A-36090BA1123B}" srcOrd="2" destOrd="0" presId="urn:microsoft.com/office/officeart/2005/8/layout/StepDownProcess"/>
-    <dgm:cxn modelId="{A699DA00-8C40-4E7A-8223-FF1BA2D4E471}" type="presParOf" srcId="{69999EC8-5F05-4F2E-9A52-5EB896DC6ED1}" destId="{35BF8AA9-BECA-4C17-955A-D0AD2905B914}" srcOrd="9" destOrd="0" presId="urn:microsoft.com/office/officeart/2005/8/layout/StepDownProcess"/>
-    <dgm:cxn modelId="{7EE16C34-FAF0-4FB2-9C16-764CA8AA4725}" type="presParOf" srcId="{69999EC8-5F05-4F2E-9A52-5EB896DC6ED1}" destId="{EA42E01C-0F7C-4537-B2E3-A09096200403}" srcOrd="10" destOrd="0" presId="urn:microsoft.com/office/officeart/2005/8/layout/StepDownProcess"/>
-    <dgm:cxn modelId="{C8B89F16-B668-4ECD-BA46-A81285519D8B}" type="presParOf" srcId="{EA42E01C-0F7C-4537-B2E3-A09096200403}" destId="{B0FFBA87-1276-4D3C-8B6A-92996668CFE2}" srcOrd="0" destOrd="0" presId="urn:microsoft.com/office/officeart/2005/8/layout/StepDownProcess"/>
-    <dgm:cxn modelId="{3F394FB2-2C4F-4D6A-9430-93A6B2D592A3}" type="presParOf" srcId="{EA42E01C-0F7C-4537-B2E3-A09096200403}" destId="{DA62BC45-236E-44F2-A764-9AB6D2D523B4}" srcOrd="1" destOrd="0" presId="urn:microsoft.com/office/officeart/2005/8/layout/StepDownProcess"/>
-  </dgm:cxnLst>
-  <dgm:bg/>
-  <dgm:whole/>
-  <dgm:extLst>
-    <a:ext uri="http://schemas.microsoft.com/office/drawing/2008/diagram">
-      <dsp:dataModelExt xmlns:dsp="http://schemas.microsoft.com/office/drawing/2008/diagram" relId="rId8" minVer="http://schemas.openxmlformats.org/drawingml/2006/diagram"/>
-    </a:ext>
-  </dgm:extLst>
-</dgm:dataModel>
-</file>
-
-<file path=ppt/diagrams/drawing1.xml><?xml version="1.0" encoding="utf-8"?>
-<dsp:drawing xmlns:dgm="http://schemas.openxmlformats.org/drawingml/2006/diagram" xmlns:dsp="http://schemas.microsoft.com/office/drawing/2008/diagram" xmlns:a="http://schemas.openxmlformats.org/drawingml/2006/main">
-  <dsp:spTree>
-    <dsp:nvGrpSpPr>
-      <dsp:cNvPr id="0" name=""/>
-      <dsp:cNvGrpSpPr/>
-    </dsp:nvGrpSpPr>
-    <dsp:grpSpPr/>
-    <dsp:sp modelId="{B637C903-9F04-4E19-824D-E6F52D9524B4}">
-      <dsp:nvSpPr>
-        <dsp:cNvPr id="0" name=""/>
-        <dsp:cNvSpPr/>
-      </dsp:nvSpPr>
-      <dsp:spPr>
-        <a:xfrm rot="16200000">
-          <a:off x="882809" y="9626112"/>
-          <a:ext cx="1215240" cy="1206998"/>
-        </a:xfrm>
-        <a:prstGeom prst="bentArrow">
-          <a:avLst/>
-        </a:prstGeom>
-        <a:gradFill rotWithShape="1">
-          <a:gsLst>
-            <a:gs pos="0">
-              <a:schemeClr val="accent1">
-                <a:tint val="50000"/>
-                <a:satMod val="300000"/>
-              </a:schemeClr>
-            </a:gs>
-            <a:gs pos="35000">
-              <a:schemeClr val="accent1">
-                <a:tint val="37000"/>
-                <a:satMod val="300000"/>
-              </a:schemeClr>
-            </a:gs>
-            <a:gs pos="100000">
-              <a:schemeClr val="accent1">
-                <a:tint val="15000"/>
-                <a:satMod val="350000"/>
-              </a:schemeClr>
-            </a:gs>
-          </a:gsLst>
-          <a:lin ang="16200000" scaled="1"/>
-        </a:gradFill>
-        <a:ln w="63500" cap="flat" cmpd="sng" algn="ctr">
-          <a:solidFill>
-            <a:schemeClr val="accent1">
-              <a:shade val="95000"/>
-              <a:satMod val="105000"/>
-            </a:schemeClr>
-          </a:solidFill>
-          <a:prstDash val="sysDot"/>
-        </a:ln>
-        <a:effectLst>
-          <a:outerShdw blurRad="40000" dist="20000" dir="5400000" rotWithShape="0">
-            <a:srgbClr val="000000">
-              <a:alpha val="38000"/>
-            </a:srgbClr>
-          </a:outerShdw>
-        </a:effectLst>
-      </dsp:spPr>
-      <dsp:style>
-        <a:lnRef idx="1">
-          <a:schemeClr val="accent1"/>
-        </a:lnRef>
-        <a:fillRef idx="2">
-          <a:schemeClr val="accent1"/>
-        </a:fillRef>
-        <a:effectRef idx="1">
-          <a:schemeClr val="accent1"/>
-        </a:effectRef>
-        <a:fontRef idx="minor">
-          <a:schemeClr val="dk1"/>
-        </a:fontRef>
-      </dsp:style>
-    </dsp:sp>
-    <dsp:sp modelId="{B09FB7E4-7B81-4114-874C-36517DFEDB08}">
-      <dsp:nvSpPr>
-        <dsp:cNvPr id="0" name=""/>
-        <dsp:cNvSpPr/>
-      </dsp:nvSpPr>
-      <dsp:spPr>
-        <a:xfrm>
-          <a:off x="7891" y="7703665"/>
-          <a:ext cx="2549570" cy="1784616"/>
-        </a:xfrm>
-        <a:prstGeom prst="roundRect">
-          <a:avLst>
-            <a:gd name="adj" fmla="val 16670"/>
-          </a:avLst>
-        </a:prstGeom>
-        <a:solidFill>
-          <a:schemeClr val="accent1">
-            <a:hueOff val="0"/>
-            <a:satOff val="0"/>
-            <a:lumOff val="0"/>
-            <a:alphaOff val="0"/>
-          </a:schemeClr>
-        </a:solidFill>
-        <a:ln w="25400" cap="flat" cmpd="sng" algn="ctr">
-          <a:solidFill>
-            <a:schemeClr val="lt1">
-              <a:hueOff val="0"/>
-              <a:satOff val="0"/>
-              <a:lumOff val="0"/>
-              <a:alphaOff val="0"/>
-            </a:schemeClr>
-          </a:solidFill>
-          <a:prstDash val="solid"/>
-        </a:ln>
-        <a:effectLst/>
-      </dsp:spPr>
-      <dsp:style>
-        <a:lnRef idx="2">
-          <a:scrgbClr r="0" g="0" b="0"/>
-        </a:lnRef>
-        <a:fillRef idx="1">
-          <a:scrgbClr r="0" g="0" b="0"/>
-        </a:fillRef>
-        <a:effectRef idx="0">
-          <a:scrgbClr r="0" g="0" b="0"/>
-        </a:effectRef>
-        <a:fontRef idx="minor">
-          <a:schemeClr val="lt1"/>
-        </a:fontRef>
-      </dsp:style>
-      <dsp:txBody>
-        <a:bodyPr spcFirstLastPara="0" vert="horz" wrap="square" lIns="91440" tIns="91440" rIns="91440" bIns="91440" numCol="1" spcCol="1270" anchor="ctr" anchorCtr="0">
-          <a:noAutofit/>
-        </a:bodyPr>
-        <a:lstStyle/>
-        <a:p>
-          <a:pPr marL="0" lvl="0" indent="0" algn="ctr" defTabSz="1066800">
-            <a:lnSpc>
-              <a:spcPct val="90000"/>
-            </a:lnSpc>
-            <a:spcBef>
-              <a:spcPct val="0"/>
-            </a:spcBef>
-            <a:spcAft>
-              <a:spcPct val="35000"/>
-            </a:spcAft>
-            <a:buNone/>
-          </a:pPr>
-          <a:r>
-            <a:rPr lang="de-DE" sz="2400" kern="1200" dirty="0"/>
-            <a:t>Anforderungen</a:t>
-          </a:r>
-        </a:p>
-      </dsp:txBody>
-      <dsp:txXfrm>
-        <a:off x="95024" y="7790798"/>
-        <a:ext cx="2375304" cy="1610350"/>
-      </dsp:txXfrm>
-    </dsp:sp>
-    <dsp:sp modelId="{06BB116B-F1D5-45C6-A5A2-387143C8DFAC}">
-      <dsp:nvSpPr>
-        <dsp:cNvPr id="0" name=""/>
-        <dsp:cNvSpPr/>
-      </dsp:nvSpPr>
-      <dsp:spPr>
-        <a:xfrm>
-          <a:off x="2610968" y="7338830"/>
-          <a:ext cx="6225360" cy="1550254"/>
-        </a:xfrm>
-        <a:prstGeom prst="rect">
-          <a:avLst/>
-        </a:prstGeom>
-        <a:noFill/>
-        <a:ln>
-          <a:noFill/>
-        </a:ln>
-        <a:effectLst/>
-      </dsp:spPr>
-      <dsp:style>
-        <a:lnRef idx="0">
-          <a:scrgbClr r="0" g="0" b="0"/>
-        </a:lnRef>
-        <a:fillRef idx="0">
-          <a:scrgbClr r="0" g="0" b="0"/>
-        </a:fillRef>
-        <a:effectRef idx="0">
-          <a:scrgbClr r="0" g="0" b="0"/>
-        </a:effectRef>
-        <a:fontRef idx="minor"/>
-      </dsp:style>
-      <dsp:txBody>
-        <a:bodyPr spcFirstLastPara="0" vert="horz" wrap="square" lIns="91440" tIns="91440" rIns="91440" bIns="91440" numCol="1" spcCol="1270" anchor="ctr" anchorCtr="0">
-          <a:noAutofit/>
-        </a:bodyPr>
-        <a:lstStyle/>
-        <a:p>
-          <a:pPr marL="171450" lvl="1" indent="-171450" algn="l" defTabSz="844550">
-            <a:lnSpc>
-              <a:spcPct val="90000"/>
-            </a:lnSpc>
-            <a:spcBef>
-              <a:spcPct val="0"/>
-            </a:spcBef>
-            <a:spcAft>
-              <a:spcPct val="15000"/>
-            </a:spcAft>
-            <a:buChar char="•"/>
-          </a:pPr>
-          <a:r>
-            <a:rPr lang="de-DE" sz="1900" kern="1200" dirty="0"/>
-            <a:t>Erhebung der Anforderungen (Interview, Workshop)</a:t>
-          </a:r>
-        </a:p>
-      </dsp:txBody>
-      <dsp:txXfrm>
-        <a:off x="2610968" y="7338830"/>
-        <a:ext cx="6225360" cy="1550254"/>
-      </dsp:txXfrm>
-    </dsp:sp>
-    <dsp:sp modelId="{301C0A1B-17A6-495D-BEE5-A23648B132E5}">
-      <dsp:nvSpPr>
-        <dsp:cNvPr id="0" name=""/>
-        <dsp:cNvSpPr/>
-      </dsp:nvSpPr>
-      <dsp:spPr>
-        <a:xfrm rot="16200000">
-          <a:off x="3424374" y="11733918"/>
-          <a:ext cx="1254254" cy="1108269"/>
-        </a:xfrm>
-        <a:prstGeom prst="bentArrow">
-          <a:avLst/>
-        </a:prstGeom>
-        <a:gradFill rotWithShape="1">
-          <a:gsLst>
-            <a:gs pos="0">
-              <a:schemeClr val="accent1">
-                <a:tint val="50000"/>
-                <a:satMod val="300000"/>
-              </a:schemeClr>
-            </a:gs>
-            <a:gs pos="35000">
-              <a:schemeClr val="accent1">
-                <a:tint val="37000"/>
-                <a:satMod val="300000"/>
-              </a:schemeClr>
-            </a:gs>
-            <a:gs pos="100000">
-              <a:schemeClr val="accent1">
-                <a:tint val="15000"/>
-                <a:satMod val="350000"/>
-              </a:schemeClr>
-            </a:gs>
-          </a:gsLst>
-          <a:lin ang="16200000" scaled="1"/>
-        </a:gradFill>
-        <a:ln w="63500" cap="flat" cmpd="sng" algn="ctr">
-          <a:solidFill>
-            <a:schemeClr val="accent1">
-              <a:shade val="95000"/>
-              <a:satMod val="105000"/>
-            </a:schemeClr>
-          </a:solidFill>
-          <a:prstDash val="sysDot"/>
-        </a:ln>
-        <a:effectLst>
-          <a:outerShdw blurRad="40000" dist="20000" dir="5400000" rotWithShape="0">
-            <a:srgbClr val="000000">
-              <a:alpha val="38000"/>
-            </a:srgbClr>
-          </a:outerShdw>
-        </a:effectLst>
-      </dsp:spPr>
-      <dsp:style>
-        <a:lnRef idx="1">
-          <a:schemeClr val="accent1"/>
-        </a:lnRef>
-        <a:fillRef idx="2">
-          <a:schemeClr val="accent1"/>
-        </a:fillRef>
-        <a:effectRef idx="1">
-          <a:schemeClr val="accent1"/>
-        </a:effectRef>
-        <a:fontRef idx="minor">
-          <a:schemeClr val="dk1"/>
-        </a:fontRef>
-      </dsp:style>
-    </dsp:sp>
-    <dsp:sp modelId="{73A06A56-85C6-4BB0-82DD-3A80E7A910D9}">
-      <dsp:nvSpPr>
-        <dsp:cNvPr id="0" name=""/>
-        <dsp:cNvSpPr/>
-      </dsp:nvSpPr>
-      <dsp:spPr>
-        <a:xfrm>
-          <a:off x="2268310" y="9774996"/>
-          <a:ext cx="2549570" cy="1784616"/>
-        </a:xfrm>
-        <a:prstGeom prst="roundRect">
-          <a:avLst>
-            <a:gd name="adj" fmla="val 16670"/>
-          </a:avLst>
-        </a:prstGeom>
-        <a:solidFill>
-          <a:schemeClr val="accent1">
-            <a:hueOff val="0"/>
-            <a:satOff val="0"/>
-            <a:lumOff val="0"/>
-            <a:alphaOff val="0"/>
-          </a:schemeClr>
-        </a:solidFill>
-        <a:ln w="25400" cap="flat" cmpd="sng" algn="ctr">
-          <a:solidFill>
-            <a:schemeClr val="lt1">
-              <a:hueOff val="0"/>
-              <a:satOff val="0"/>
-              <a:lumOff val="0"/>
-              <a:alphaOff val="0"/>
-            </a:schemeClr>
-          </a:solidFill>
-          <a:prstDash val="solid"/>
-        </a:ln>
-        <a:effectLst/>
-      </dsp:spPr>
-      <dsp:style>
-        <a:lnRef idx="2">
-          <a:scrgbClr r="0" g="0" b="0"/>
-        </a:lnRef>
-        <a:fillRef idx="1">
-          <a:scrgbClr r="0" g="0" b="0"/>
-        </a:fillRef>
-        <a:effectRef idx="0">
-          <a:scrgbClr r="0" g="0" b="0"/>
-        </a:effectRef>
-        <a:fontRef idx="minor">
-          <a:schemeClr val="lt1"/>
-        </a:fontRef>
-      </dsp:style>
-      <dsp:txBody>
-        <a:bodyPr spcFirstLastPara="0" vert="horz" wrap="square" lIns="91440" tIns="91440" rIns="91440" bIns="91440" numCol="1" spcCol="1270" anchor="ctr" anchorCtr="0">
-          <a:noAutofit/>
-        </a:bodyPr>
-        <a:lstStyle/>
-        <a:p>
-          <a:pPr marL="0" lvl="0" indent="0" algn="ctr" defTabSz="1066800">
-            <a:lnSpc>
-              <a:spcPct val="90000"/>
-            </a:lnSpc>
-            <a:spcBef>
-              <a:spcPct val="0"/>
-            </a:spcBef>
-            <a:spcAft>
-              <a:spcPct val="35000"/>
-            </a:spcAft>
-            <a:buNone/>
-          </a:pPr>
-          <a:r>
-            <a:rPr lang="de-DE" sz="2400" kern="1200" dirty="0"/>
-            <a:t>Entwurf</a:t>
-          </a:r>
-        </a:p>
-      </dsp:txBody>
-      <dsp:txXfrm>
-        <a:off x="2355443" y="9862129"/>
-        <a:ext cx="2375304" cy="1610350"/>
-      </dsp:txXfrm>
-    </dsp:sp>
-    <dsp:sp modelId="{1E313D99-A76E-46DB-90B0-F5C92136ACE8}">
-      <dsp:nvSpPr>
-        <dsp:cNvPr id="0" name=""/>
-        <dsp:cNvSpPr/>
-      </dsp:nvSpPr>
-      <dsp:spPr>
-        <a:xfrm>
-          <a:off x="4855803" y="9367588"/>
-          <a:ext cx="6794023" cy="1442405"/>
-        </a:xfrm>
-        <a:prstGeom prst="rect">
-          <a:avLst/>
-        </a:prstGeom>
-        <a:noFill/>
-        <a:ln>
-          <a:noFill/>
-        </a:ln>
-        <a:effectLst/>
-      </dsp:spPr>
-      <dsp:style>
-        <a:lnRef idx="0">
-          <a:scrgbClr r="0" g="0" b="0"/>
-        </a:lnRef>
-        <a:fillRef idx="0">
-          <a:scrgbClr r="0" g="0" b="0"/>
-        </a:fillRef>
-        <a:effectRef idx="0">
-          <a:scrgbClr r="0" g="0" b="0"/>
-        </a:effectRef>
-        <a:fontRef idx="minor"/>
-      </dsp:style>
-      <dsp:txBody>
-        <a:bodyPr spcFirstLastPara="0" vert="horz" wrap="square" lIns="91440" tIns="91440" rIns="91440" bIns="91440" numCol="1" spcCol="1270" anchor="ctr" anchorCtr="0">
-          <a:noAutofit/>
-        </a:bodyPr>
-        <a:lstStyle/>
-        <a:p>
-          <a:pPr marL="171450" lvl="1" indent="-171450" algn="l" defTabSz="844550">
-            <a:lnSpc>
-              <a:spcPct val="90000"/>
-            </a:lnSpc>
-            <a:spcBef>
-              <a:spcPct val="0"/>
-            </a:spcBef>
-            <a:spcAft>
-              <a:spcPct val="15000"/>
-            </a:spcAft>
-            <a:buChar char="•"/>
-          </a:pPr>
-          <a:r>
-            <a:rPr lang="de-DE" sz="1900" kern="1200" dirty="0"/>
-            <a:t>Planung der Umsetzung (Auswahl der CRM-Lösung)</a:t>
-          </a:r>
-        </a:p>
-      </dsp:txBody>
-      <dsp:txXfrm>
-        <a:off x="4855803" y="9367588"/>
-        <a:ext cx="6794023" cy="1442405"/>
-      </dsp:txXfrm>
-    </dsp:sp>
-    <dsp:sp modelId="{5F060744-799A-45FB-9DAA-192EAD369DE9}">
-      <dsp:nvSpPr>
-        <dsp:cNvPr id="0" name=""/>
-        <dsp:cNvSpPr/>
-      </dsp:nvSpPr>
-      <dsp:spPr>
-        <a:xfrm rot="16200000">
-          <a:off x="5857820" y="13726857"/>
-          <a:ext cx="1313912" cy="1197532"/>
-        </a:xfrm>
-        <a:prstGeom prst="bentArrow">
-          <a:avLst/>
-        </a:prstGeom>
-        <a:gradFill rotWithShape="1">
-          <a:gsLst>
-            <a:gs pos="0">
-              <a:schemeClr val="accent1">
-                <a:tint val="50000"/>
-                <a:satMod val="300000"/>
-              </a:schemeClr>
-            </a:gs>
-            <a:gs pos="35000">
-              <a:schemeClr val="accent1">
-                <a:tint val="37000"/>
-                <a:satMod val="300000"/>
-              </a:schemeClr>
-            </a:gs>
-            <a:gs pos="100000">
-              <a:schemeClr val="accent1">
-                <a:tint val="15000"/>
-                <a:satMod val="350000"/>
-              </a:schemeClr>
-            </a:gs>
-          </a:gsLst>
-          <a:lin ang="16200000" scaled="1"/>
-        </a:gradFill>
-        <a:ln w="63500" cap="flat" cmpd="sng" algn="ctr">
-          <a:solidFill>
-            <a:schemeClr val="accent1">
-              <a:shade val="95000"/>
-              <a:satMod val="105000"/>
-            </a:schemeClr>
-          </a:solidFill>
-          <a:prstDash val="sysDot"/>
-        </a:ln>
-        <a:effectLst>
-          <a:outerShdw blurRad="40000" dist="20000" dir="5400000" rotWithShape="0">
-            <a:srgbClr val="000000">
-              <a:alpha val="38000"/>
-            </a:srgbClr>
-          </a:outerShdw>
-        </a:effectLst>
-      </dsp:spPr>
-      <dsp:style>
-        <a:lnRef idx="1">
-          <a:schemeClr val="accent1"/>
-        </a:lnRef>
-        <a:fillRef idx="2">
-          <a:schemeClr val="accent1"/>
-        </a:fillRef>
-        <a:effectRef idx="1">
-          <a:schemeClr val="accent1"/>
-        </a:effectRef>
-        <a:fontRef idx="minor">
-          <a:schemeClr val="dk1"/>
-        </a:fontRef>
-      </dsp:style>
-    </dsp:sp>
-    <dsp:sp modelId="{3F9C7A30-1374-408B-B7D7-EFDE05C907F8}">
-      <dsp:nvSpPr>
-        <dsp:cNvPr id="0" name=""/>
-        <dsp:cNvSpPr/>
-      </dsp:nvSpPr>
-      <dsp:spPr>
-        <a:xfrm>
-          <a:off x="4791125" y="11780297"/>
-          <a:ext cx="2549570" cy="1784616"/>
-        </a:xfrm>
-        <a:prstGeom prst="roundRect">
-          <a:avLst>
-            <a:gd name="adj" fmla="val 16670"/>
-          </a:avLst>
-        </a:prstGeom>
-        <a:solidFill>
-          <a:schemeClr val="accent1">
-            <a:hueOff val="0"/>
-            <a:satOff val="0"/>
-            <a:lumOff val="0"/>
-            <a:alphaOff val="0"/>
-          </a:schemeClr>
-        </a:solidFill>
-        <a:ln w="25400" cap="flat" cmpd="sng" algn="ctr">
-          <a:solidFill>
-            <a:schemeClr val="lt1">
-              <a:hueOff val="0"/>
-              <a:satOff val="0"/>
-              <a:lumOff val="0"/>
-              <a:alphaOff val="0"/>
-            </a:schemeClr>
-          </a:solidFill>
-          <a:prstDash val="solid"/>
-        </a:ln>
-        <a:effectLst/>
-      </dsp:spPr>
-      <dsp:style>
-        <a:lnRef idx="2">
-          <a:scrgbClr r="0" g="0" b="0"/>
-        </a:lnRef>
-        <a:fillRef idx="1">
-          <a:scrgbClr r="0" g="0" b="0"/>
-        </a:fillRef>
-        <a:effectRef idx="0">
-          <a:scrgbClr r="0" g="0" b="0"/>
-        </a:effectRef>
-        <a:fontRef idx="minor">
-          <a:schemeClr val="lt1"/>
-        </a:fontRef>
-      </dsp:style>
-      <dsp:txBody>
-        <a:bodyPr spcFirstLastPara="0" vert="horz" wrap="square" lIns="91440" tIns="91440" rIns="91440" bIns="91440" numCol="1" spcCol="1270" anchor="ctr" anchorCtr="0">
-          <a:noAutofit/>
-        </a:bodyPr>
-        <a:lstStyle/>
-        <a:p>
-          <a:pPr marL="0" lvl="0" indent="0" algn="ctr" defTabSz="1066800">
-            <a:lnSpc>
-              <a:spcPct val="90000"/>
-            </a:lnSpc>
-            <a:spcBef>
-              <a:spcPct val="0"/>
-            </a:spcBef>
-            <a:spcAft>
-              <a:spcPct val="35000"/>
-            </a:spcAft>
-            <a:buNone/>
-          </a:pPr>
-          <a:r>
-            <a:rPr lang="de-DE" sz="2400" kern="1200" dirty="0"/>
-            <a:t>Implementierung</a:t>
-          </a:r>
-        </a:p>
-      </dsp:txBody>
-      <dsp:txXfrm>
-        <a:off x="4878258" y="11867430"/>
-        <a:ext cx="2375304" cy="1610350"/>
-      </dsp:txXfrm>
-    </dsp:sp>
-    <dsp:sp modelId="{E6883D81-E5AC-49A3-80DE-34B1618E2409}">
-      <dsp:nvSpPr>
-        <dsp:cNvPr id="0" name=""/>
-        <dsp:cNvSpPr/>
-      </dsp:nvSpPr>
-      <dsp:spPr>
-        <a:xfrm>
-          <a:off x="7378629" y="11413740"/>
-          <a:ext cx="9206653" cy="1595618"/>
-        </a:xfrm>
-        <a:prstGeom prst="rect">
-          <a:avLst/>
-        </a:prstGeom>
-        <a:noFill/>
-        <a:ln>
-          <a:noFill/>
-        </a:ln>
-        <a:effectLst/>
-      </dsp:spPr>
-      <dsp:style>
-        <a:lnRef idx="0">
-          <a:scrgbClr r="0" g="0" b="0"/>
-        </a:lnRef>
-        <a:fillRef idx="0">
-          <a:scrgbClr r="0" g="0" b="0"/>
-        </a:fillRef>
-        <a:effectRef idx="0">
-          <a:scrgbClr r="0" g="0" b="0"/>
-        </a:effectRef>
-        <a:fontRef idx="minor"/>
-      </dsp:style>
-      <dsp:txBody>
-        <a:bodyPr spcFirstLastPara="0" vert="horz" wrap="square" lIns="91440" tIns="91440" rIns="91440" bIns="91440" numCol="1" spcCol="1270" anchor="ctr" anchorCtr="0">
-          <a:noAutofit/>
-        </a:bodyPr>
-        <a:lstStyle/>
-        <a:p>
-          <a:pPr marL="171450" lvl="1" indent="-171450" algn="l" defTabSz="844550">
-            <a:lnSpc>
-              <a:spcPct val="90000"/>
-            </a:lnSpc>
-            <a:spcBef>
-              <a:spcPct val="0"/>
-            </a:spcBef>
-            <a:spcAft>
-              <a:spcPct val="15000"/>
-            </a:spcAft>
-            <a:buChar char="•"/>
-          </a:pPr>
-          <a:r>
-            <a:rPr lang="de-DE" sz="1900" kern="1200" dirty="0"/>
-            <a:t>Umsetzung (Installation der CRM-Lösung, Datenexport/Datenimport, Konfiguration anhand der Anforderungen usw.)</a:t>
-          </a:r>
-        </a:p>
-      </dsp:txBody>
-      <dsp:txXfrm>
-        <a:off x="7378629" y="11413740"/>
-        <a:ext cx="9206653" cy="1595618"/>
-      </dsp:txXfrm>
-    </dsp:sp>
-    <dsp:sp modelId="{7042EC87-4394-4C37-8120-978B5116721B}">
-      <dsp:nvSpPr>
-        <dsp:cNvPr id="0" name=""/>
-        <dsp:cNvSpPr/>
-      </dsp:nvSpPr>
-      <dsp:spPr>
-        <a:xfrm rot="16200000">
-          <a:off x="8810181" y="16050453"/>
-          <a:ext cx="1259328" cy="1182238"/>
-        </a:xfrm>
-        <a:prstGeom prst="bentArrow">
-          <a:avLst/>
-        </a:prstGeom>
-        <a:gradFill rotWithShape="1">
-          <a:gsLst>
-            <a:gs pos="0">
-              <a:schemeClr val="accent1">
-                <a:tint val="50000"/>
-                <a:satMod val="300000"/>
-              </a:schemeClr>
-            </a:gs>
-            <a:gs pos="35000">
-              <a:schemeClr val="accent1">
-                <a:tint val="37000"/>
-                <a:satMod val="300000"/>
-              </a:schemeClr>
-            </a:gs>
-            <a:gs pos="100000">
-              <a:schemeClr val="accent1">
-                <a:tint val="15000"/>
-                <a:satMod val="350000"/>
-              </a:schemeClr>
-            </a:gs>
-          </a:gsLst>
-          <a:lin ang="16200000" scaled="1"/>
-        </a:gradFill>
-        <a:ln w="63500" cap="flat" cmpd="sng" algn="ctr">
-          <a:solidFill>
-            <a:schemeClr val="accent1">
-              <a:shade val="95000"/>
-              <a:satMod val="105000"/>
-            </a:schemeClr>
-          </a:solidFill>
-          <a:prstDash val="sysDot"/>
-        </a:ln>
-        <a:effectLst>
-          <a:outerShdw blurRad="40000" dist="20000" dir="5400000" rotWithShape="0">
-            <a:srgbClr val="000000">
-              <a:alpha val="38000"/>
-            </a:srgbClr>
-          </a:outerShdw>
-        </a:effectLst>
-      </dsp:spPr>
-      <dsp:style>
-        <a:lnRef idx="1">
-          <a:schemeClr val="accent1"/>
-        </a:lnRef>
-        <a:fillRef idx="2">
-          <a:schemeClr val="accent1"/>
-        </a:fillRef>
-        <a:effectRef idx="1">
-          <a:schemeClr val="accent1"/>
-        </a:effectRef>
-        <a:fontRef idx="minor">
-          <a:schemeClr val="dk1"/>
-        </a:fontRef>
-      </dsp:style>
-    </dsp:sp>
-    <dsp:sp modelId="{8EB5C8B5-5711-465B-885B-32E4699FED05}">
-      <dsp:nvSpPr>
-        <dsp:cNvPr id="0" name=""/>
-        <dsp:cNvSpPr/>
-      </dsp:nvSpPr>
-      <dsp:spPr>
-        <a:xfrm>
-          <a:off x="7331467" y="14109049"/>
-          <a:ext cx="2549570" cy="1784616"/>
-        </a:xfrm>
-        <a:prstGeom prst="roundRect">
-          <a:avLst>
-            <a:gd name="adj" fmla="val 16670"/>
-          </a:avLst>
-        </a:prstGeom>
-        <a:solidFill>
-          <a:schemeClr val="accent1">
-            <a:hueOff val="0"/>
-            <a:satOff val="0"/>
-            <a:lumOff val="0"/>
-            <a:alphaOff val="0"/>
-          </a:schemeClr>
-        </a:solidFill>
-        <a:ln w="25400" cap="flat" cmpd="sng" algn="ctr">
-          <a:solidFill>
-            <a:schemeClr val="lt1">
-              <a:hueOff val="0"/>
-              <a:satOff val="0"/>
-              <a:lumOff val="0"/>
-              <a:alphaOff val="0"/>
-            </a:schemeClr>
-          </a:solidFill>
-          <a:prstDash val="solid"/>
-        </a:ln>
-        <a:effectLst/>
-      </dsp:spPr>
-      <dsp:style>
-        <a:lnRef idx="2">
-          <a:scrgbClr r="0" g="0" b="0"/>
-        </a:lnRef>
-        <a:fillRef idx="1">
-          <a:scrgbClr r="0" g="0" b="0"/>
-        </a:fillRef>
-        <a:effectRef idx="0">
-          <a:scrgbClr r="0" g="0" b="0"/>
-        </a:effectRef>
-        <a:fontRef idx="minor">
-          <a:schemeClr val="lt1"/>
-        </a:fontRef>
-      </dsp:style>
-      <dsp:txBody>
-        <a:bodyPr spcFirstLastPara="0" vert="horz" wrap="square" lIns="91440" tIns="91440" rIns="91440" bIns="91440" numCol="1" spcCol="1270" anchor="ctr" anchorCtr="0">
-          <a:noAutofit/>
-        </a:bodyPr>
-        <a:lstStyle/>
-        <a:p>
-          <a:pPr marL="0" lvl="0" indent="0" algn="ctr" defTabSz="1066800">
-            <a:lnSpc>
-              <a:spcPct val="90000"/>
-            </a:lnSpc>
-            <a:spcBef>
-              <a:spcPct val="0"/>
-            </a:spcBef>
-            <a:spcAft>
-              <a:spcPct val="35000"/>
-            </a:spcAft>
-            <a:buNone/>
-          </a:pPr>
-          <a:r>
-            <a:rPr lang="de-DE" sz="2400" kern="1200" dirty="0"/>
-            <a:t>Überprüfung</a:t>
-          </a:r>
-        </a:p>
-      </dsp:txBody>
-      <dsp:txXfrm>
-        <a:off x="7418600" y="14196182"/>
-        <a:ext cx="2375304" cy="1610350"/>
-      </dsp:txXfrm>
-    </dsp:sp>
-    <dsp:sp modelId="{13EF527D-C07A-4BE6-A34E-6FB1F899CFE2}">
-      <dsp:nvSpPr>
-        <dsp:cNvPr id="0" name=""/>
-        <dsp:cNvSpPr/>
-      </dsp:nvSpPr>
-      <dsp:spPr>
-        <a:xfrm>
-          <a:off x="9891515" y="14159185"/>
-          <a:ext cx="7868395" cy="713183"/>
-        </a:xfrm>
-        <a:prstGeom prst="rect">
-          <a:avLst/>
-        </a:prstGeom>
-        <a:noFill/>
-        <a:ln>
-          <a:noFill/>
-        </a:ln>
-        <a:effectLst/>
-      </dsp:spPr>
-      <dsp:style>
-        <a:lnRef idx="0">
-          <a:scrgbClr r="0" g="0" b="0"/>
-        </a:lnRef>
-        <a:fillRef idx="0">
-          <a:scrgbClr r="0" g="0" b="0"/>
-        </a:fillRef>
-        <a:effectRef idx="0">
-          <a:scrgbClr r="0" g="0" b="0"/>
-        </a:effectRef>
-        <a:fontRef idx="minor"/>
-      </dsp:style>
-      <dsp:txBody>
-        <a:bodyPr spcFirstLastPara="0" vert="horz" wrap="square" lIns="91440" tIns="91440" rIns="91440" bIns="91440" numCol="1" spcCol="1270" anchor="ctr" anchorCtr="0">
-          <a:noAutofit/>
-        </a:bodyPr>
-        <a:lstStyle/>
-        <a:p>
-          <a:pPr marL="171450" lvl="1" indent="-171450" algn="l" defTabSz="844550">
-            <a:lnSpc>
-              <a:spcPct val="90000"/>
-            </a:lnSpc>
-            <a:spcBef>
-              <a:spcPct val="0"/>
-            </a:spcBef>
-            <a:spcAft>
-              <a:spcPct val="15000"/>
-            </a:spcAft>
-            <a:buChar char="•"/>
-          </a:pPr>
-          <a:r>
-            <a:rPr lang="de-DE" sz="1900" kern="1200" dirty="0"/>
-            <a:t>Abgleich der gewünschten Anforderungen, Test- &amp; </a:t>
-          </a:r>
-          <a:r>
-            <a:rPr lang="de-DE" sz="1900" kern="1200" dirty="0" err="1"/>
-            <a:t>Reviewphase</a:t>
-          </a:r>
-          <a:endParaRPr lang="de-DE" sz="1900" kern="1200" dirty="0"/>
-        </a:p>
-      </dsp:txBody>
-      <dsp:txXfrm>
-        <a:off x="9891515" y="14159185"/>
-        <a:ext cx="7868395" cy="713183"/>
-      </dsp:txXfrm>
-    </dsp:sp>
-    <dsp:sp modelId="{0209E210-FFA7-4F73-BF30-737C08FBDD87}">
-      <dsp:nvSpPr>
-        <dsp:cNvPr id="0" name=""/>
-        <dsp:cNvSpPr/>
-      </dsp:nvSpPr>
-      <dsp:spPr>
-        <a:xfrm rot="16200000">
-          <a:off x="11516264" y="18271221"/>
-          <a:ext cx="1121703" cy="1116976"/>
-        </a:xfrm>
-        <a:prstGeom prst="bentArrow">
-          <a:avLst/>
-        </a:prstGeom>
-        <a:gradFill rotWithShape="1">
-          <a:gsLst>
-            <a:gs pos="0">
-              <a:schemeClr val="accent1">
-                <a:tint val="50000"/>
-                <a:satMod val="300000"/>
-              </a:schemeClr>
-            </a:gs>
-            <a:gs pos="35000">
-              <a:schemeClr val="accent1">
-                <a:tint val="37000"/>
-                <a:satMod val="300000"/>
-              </a:schemeClr>
-            </a:gs>
-            <a:gs pos="100000">
-              <a:schemeClr val="accent1">
-                <a:tint val="15000"/>
-                <a:satMod val="350000"/>
-              </a:schemeClr>
-            </a:gs>
-          </a:gsLst>
-          <a:lin ang="16200000" scaled="1"/>
-        </a:gradFill>
-        <a:ln w="63500" cap="flat" cmpd="sng" algn="ctr">
-          <a:solidFill>
-            <a:schemeClr val="accent1">
-              <a:shade val="95000"/>
-              <a:satMod val="105000"/>
-            </a:schemeClr>
-          </a:solidFill>
-          <a:prstDash val="sysDot"/>
-        </a:ln>
-        <a:effectLst>
-          <a:outerShdw blurRad="40000" dist="20000" dir="5400000" rotWithShape="0">
-            <a:srgbClr val="000000">
-              <a:alpha val="38000"/>
-            </a:srgbClr>
-          </a:outerShdw>
-        </a:effectLst>
-      </dsp:spPr>
-      <dsp:style>
-        <a:lnRef idx="1">
-          <a:schemeClr val="accent1"/>
-        </a:lnRef>
-        <a:fillRef idx="2">
-          <a:schemeClr val="accent1"/>
-        </a:fillRef>
-        <a:effectRef idx="1">
-          <a:schemeClr val="accent1"/>
-        </a:effectRef>
-        <a:fontRef idx="minor">
-          <a:schemeClr val="dk1"/>
-        </a:fontRef>
-      </dsp:style>
-    </dsp:sp>
-    <dsp:sp modelId="{950AB483-82FF-4CDB-B96C-C9FD47741538}">
-      <dsp:nvSpPr>
-        <dsp:cNvPr id="0" name=""/>
-        <dsp:cNvSpPr/>
-      </dsp:nvSpPr>
-      <dsp:spPr>
-        <a:xfrm>
-          <a:off x="10224868" y="16362540"/>
-          <a:ext cx="2549570" cy="1784616"/>
-        </a:xfrm>
-        <a:prstGeom prst="roundRect">
-          <a:avLst>
-            <a:gd name="adj" fmla="val 16670"/>
-          </a:avLst>
-        </a:prstGeom>
-        <a:solidFill>
-          <a:schemeClr val="accent1">
-            <a:hueOff val="0"/>
-            <a:satOff val="0"/>
-            <a:lumOff val="0"/>
-            <a:alphaOff val="0"/>
-          </a:schemeClr>
-        </a:solidFill>
-        <a:ln w="25400" cap="flat" cmpd="sng" algn="ctr">
-          <a:solidFill>
-            <a:schemeClr val="lt1">
-              <a:hueOff val="0"/>
-              <a:satOff val="0"/>
-              <a:lumOff val="0"/>
-              <a:alphaOff val="0"/>
-            </a:schemeClr>
-          </a:solidFill>
-          <a:prstDash val="solid"/>
-        </a:ln>
-        <a:effectLst/>
-      </dsp:spPr>
-      <dsp:style>
-        <a:lnRef idx="2">
-          <a:scrgbClr r="0" g="0" b="0"/>
-        </a:lnRef>
-        <a:fillRef idx="1">
-          <a:scrgbClr r="0" g="0" b="0"/>
-        </a:fillRef>
-        <a:effectRef idx="0">
-          <a:scrgbClr r="0" g="0" b="0"/>
-        </a:effectRef>
-        <a:fontRef idx="minor">
-          <a:schemeClr val="lt1"/>
-        </a:fontRef>
-      </dsp:style>
-      <dsp:txBody>
-        <a:bodyPr spcFirstLastPara="0" vert="horz" wrap="square" lIns="91440" tIns="91440" rIns="91440" bIns="91440" numCol="1" spcCol="1270" anchor="ctr" anchorCtr="0">
-          <a:noAutofit/>
-        </a:bodyPr>
-        <a:lstStyle/>
-        <a:p>
-          <a:pPr marL="0" lvl="0" indent="0" algn="ctr" defTabSz="1066800">
-            <a:lnSpc>
-              <a:spcPct val="90000"/>
-            </a:lnSpc>
-            <a:spcBef>
-              <a:spcPct val="0"/>
-            </a:spcBef>
-            <a:spcAft>
-              <a:spcPct val="35000"/>
-            </a:spcAft>
-            <a:buNone/>
-          </a:pPr>
-          <a:r>
-            <a:rPr lang="de-DE" sz="2400" kern="1200" dirty="0"/>
-            <a:t>Einschulung</a:t>
-          </a:r>
-        </a:p>
-      </dsp:txBody>
-      <dsp:txXfrm>
-        <a:off x="10312001" y="16449673"/>
-        <a:ext cx="2375304" cy="1610350"/>
-      </dsp:txXfrm>
-    </dsp:sp>
-    <dsp:sp modelId="{B0B75164-5581-4F36-BD0A-36090BA1123B}">
-      <dsp:nvSpPr>
-        <dsp:cNvPr id="0" name=""/>
-        <dsp:cNvSpPr/>
-      </dsp:nvSpPr>
-      <dsp:spPr>
-        <a:xfrm>
-          <a:off x="12900865" y="15967583"/>
-          <a:ext cx="3792759" cy="1442405"/>
-        </a:xfrm>
-        <a:prstGeom prst="rect">
-          <a:avLst/>
-        </a:prstGeom>
-        <a:noFill/>
-        <a:ln>
-          <a:noFill/>
-        </a:ln>
-        <a:effectLst/>
-      </dsp:spPr>
-      <dsp:style>
-        <a:lnRef idx="0">
-          <a:scrgbClr r="0" g="0" b="0"/>
-        </a:lnRef>
-        <a:fillRef idx="0">
-          <a:scrgbClr r="0" g="0" b="0"/>
-        </a:fillRef>
-        <a:effectRef idx="0">
-          <a:scrgbClr r="0" g="0" b="0"/>
-        </a:effectRef>
-        <a:fontRef idx="minor"/>
-      </dsp:style>
-      <dsp:txBody>
-        <a:bodyPr spcFirstLastPara="0" vert="horz" wrap="square" lIns="91440" tIns="91440" rIns="91440" bIns="91440" numCol="1" spcCol="1270" anchor="ctr" anchorCtr="0">
-          <a:noAutofit/>
-        </a:bodyPr>
-        <a:lstStyle/>
-        <a:p>
-          <a:pPr marL="171450" lvl="1" indent="-171450" algn="l" defTabSz="844550">
-            <a:lnSpc>
-              <a:spcPct val="90000"/>
-            </a:lnSpc>
-            <a:spcBef>
-              <a:spcPct val="0"/>
-            </a:spcBef>
-            <a:spcAft>
-              <a:spcPct val="15000"/>
-            </a:spcAft>
-            <a:buChar char="•"/>
-          </a:pPr>
-          <a:r>
-            <a:rPr lang="de-DE" sz="1900" kern="1200" dirty="0"/>
-            <a:t>Einschulung der Stakeholder</a:t>
-          </a:r>
-        </a:p>
-      </dsp:txBody>
-      <dsp:txXfrm>
-        <a:off x="12900865" y="15967583"/>
-        <a:ext cx="3792759" cy="1442405"/>
-      </dsp:txXfrm>
-    </dsp:sp>
-    <dsp:sp modelId="{B0FFBA87-1276-4D3C-8B6A-92996668CFE2}">
-      <dsp:nvSpPr>
-        <dsp:cNvPr id="0" name=""/>
-        <dsp:cNvSpPr/>
-      </dsp:nvSpPr>
-      <dsp:spPr>
-        <a:xfrm>
-          <a:off x="12766658" y="18204178"/>
-          <a:ext cx="2549570" cy="1784616"/>
-        </a:xfrm>
-        <a:prstGeom prst="roundRect">
-          <a:avLst>
-            <a:gd name="adj" fmla="val 16670"/>
-          </a:avLst>
-        </a:prstGeom>
-        <a:solidFill>
-          <a:schemeClr val="accent1">
-            <a:hueOff val="0"/>
-            <a:satOff val="0"/>
-            <a:lumOff val="0"/>
-            <a:alphaOff val="0"/>
-          </a:schemeClr>
-        </a:solidFill>
-        <a:ln w="25400" cap="flat" cmpd="sng" algn="ctr">
-          <a:solidFill>
-            <a:schemeClr val="lt1">
-              <a:hueOff val="0"/>
-              <a:satOff val="0"/>
-              <a:lumOff val="0"/>
-              <a:alphaOff val="0"/>
-            </a:schemeClr>
-          </a:solidFill>
-          <a:prstDash val="solid"/>
-        </a:ln>
-        <a:effectLst/>
-      </dsp:spPr>
-      <dsp:style>
-        <a:lnRef idx="2">
-          <a:scrgbClr r="0" g="0" b="0"/>
-        </a:lnRef>
-        <a:fillRef idx="1">
-          <a:scrgbClr r="0" g="0" b="0"/>
-        </a:fillRef>
-        <a:effectRef idx="0">
-          <a:scrgbClr r="0" g="0" b="0"/>
-        </a:effectRef>
-        <a:fontRef idx="minor">
-          <a:schemeClr val="lt1"/>
-        </a:fontRef>
-      </dsp:style>
-      <dsp:txBody>
-        <a:bodyPr spcFirstLastPara="0" vert="horz" wrap="square" lIns="91440" tIns="91440" rIns="91440" bIns="91440" numCol="1" spcCol="1270" anchor="ctr" anchorCtr="0">
-          <a:noAutofit/>
-        </a:bodyPr>
-        <a:lstStyle/>
-        <a:p>
-          <a:pPr marL="0" lvl="0" indent="0" algn="ctr" defTabSz="1066800">
-            <a:lnSpc>
-              <a:spcPct val="90000"/>
-            </a:lnSpc>
-            <a:spcBef>
-              <a:spcPct val="0"/>
-            </a:spcBef>
-            <a:spcAft>
-              <a:spcPct val="35000"/>
-            </a:spcAft>
-            <a:buNone/>
-          </a:pPr>
-          <a:r>
-            <a:rPr lang="de-DE" sz="2400" kern="1200" dirty="0"/>
-            <a:t>Finale Konfiguration</a:t>
-          </a:r>
-        </a:p>
-      </dsp:txBody>
-      <dsp:txXfrm>
-        <a:off x="12853791" y="18291311"/>
-        <a:ext cx="2375304" cy="1610350"/>
-      </dsp:txXfrm>
-    </dsp:sp>
-    <dsp:sp modelId="{DA62BC45-236E-44F2-A764-9AB6D2D523B4}">
-      <dsp:nvSpPr>
-        <dsp:cNvPr id="0" name=""/>
-        <dsp:cNvSpPr/>
-      </dsp:nvSpPr>
-      <dsp:spPr>
-        <a:xfrm>
-          <a:off x="15391360" y="18398240"/>
-          <a:ext cx="1854314" cy="1442405"/>
-        </a:xfrm>
-        <a:prstGeom prst="rect">
-          <a:avLst/>
-        </a:prstGeom>
-        <a:noFill/>
-        <a:ln>
-          <a:noFill/>
-        </a:ln>
-        <a:effectLst/>
-      </dsp:spPr>
-      <dsp:style>
-        <a:lnRef idx="0">
-          <a:scrgbClr r="0" g="0" b="0"/>
-        </a:lnRef>
-        <a:fillRef idx="0">
-          <a:scrgbClr r="0" g="0" b="0"/>
-        </a:fillRef>
-        <a:effectRef idx="0">
-          <a:scrgbClr r="0" g="0" b="0"/>
-        </a:effectRef>
-        <a:fontRef idx="minor"/>
-      </dsp:style>
-      <dsp:txBody>
-        <a:bodyPr spcFirstLastPara="0" vert="horz" wrap="square" lIns="87630" tIns="87630" rIns="87630" bIns="87630" numCol="1" spcCol="1270" anchor="ctr" anchorCtr="0">
-          <a:noAutofit/>
-        </a:bodyPr>
-        <a:lstStyle/>
-        <a:p>
-          <a:pPr marL="171450" lvl="1" indent="-171450" algn="l" defTabSz="800100">
-            <a:lnSpc>
-              <a:spcPct val="90000"/>
-            </a:lnSpc>
-            <a:spcBef>
-              <a:spcPct val="0"/>
-            </a:spcBef>
-            <a:spcAft>
-              <a:spcPct val="15000"/>
-            </a:spcAft>
-            <a:buFont typeface="Arial" panose="020B0604020202020204" pitchFamily="34" charset="0"/>
-            <a:buChar char="•"/>
-          </a:pPr>
-          <a:r>
-            <a:rPr lang="de-DE" sz="1800" kern="1200" dirty="0"/>
-            <a:t>Finale Datenmigration</a:t>
-          </a:r>
-        </a:p>
-      </dsp:txBody>
-      <dsp:txXfrm>
-        <a:off x="15391360" y="18398240"/>
-        <a:ext cx="1854314" cy="1442405"/>
-      </dsp:txXfrm>
-    </dsp:sp>
-  </dsp:spTree>
-</dsp:drawing>
-</file>
-
-<file path=ppt/diagrams/layout1.xml><?xml version="1.0" encoding="utf-8"?>
-<dgm:layoutDef xmlns:dgm="http://schemas.openxmlformats.org/drawingml/2006/diagram" xmlns:a="http://schemas.openxmlformats.org/drawingml/2006/main" uniqueId="urn:microsoft.com/office/officeart/2005/8/layout/StepDownProcess">
-  <dgm:title val=""/>
-  <dgm:desc val=""/>
-  <dgm:catLst>
-    <dgm:cat type="process" pri="1600"/>
-  </dgm:catLst>
-  <dgm:sampData>
-    <dgm:dataModel>
-      <dgm:ptLst>
-        <dgm:pt modelId="0" type="doc"/>
-        <dgm:pt modelId="10">
-          <dgm:prSet phldr="1"/>
-        </dgm:pt>
-        <dgm:pt modelId="11">
-          <dgm:prSet phldr="1"/>
-        </dgm:pt>
-        <dgm:pt modelId="20">
-          <dgm:prSet phldr="1"/>
-        </dgm:pt>
-        <dgm:pt modelId="21">
-          <dgm:prSet phldr="1"/>
-        </dgm:pt>
-        <dgm:pt modelId="30">
-          <dgm:prSet phldr="1"/>
-        </dgm:pt>
-        <dgm:pt modelId="31">
-          <dgm:prSet phldr="1"/>
-        </dgm:pt>
-      </dgm:ptLst>
-      <dgm:cxnLst>
-        <dgm:cxn modelId="60" srcId="0" destId="10" srcOrd="0" destOrd="0"/>
-        <dgm:cxn modelId="12" srcId="10" destId="11" srcOrd="0" destOrd="0"/>
-        <dgm:cxn modelId="70" srcId="0" destId="20" srcOrd="1" destOrd="0"/>
-        <dgm:cxn modelId="22" srcId="20" destId="21" srcOrd="0" destOrd="0"/>
-        <dgm:cxn modelId="80" srcId="0" destId="30" srcOrd="2" destOrd="0"/>
-        <dgm:cxn modelId="32" srcId="30" destId="31" srcOrd="0" destOrd="0"/>
-      </dgm:cxnLst>
-      <dgm:bg/>
-      <dgm:whole/>
-    </dgm:dataModel>
-  </dgm:sampData>
-  <dgm:styleData>
-    <dgm:dataModel>
-      <dgm:ptLst>
-        <dgm:pt modelId="0" type="doc"/>
-        <dgm:pt modelId="10">
-          <dgm:prSet phldr="1"/>
-        </dgm:pt>
-        <dgm:pt modelId="20">
-          <dgm:prSet phldr="1"/>
-        </dgm:pt>
-      </dgm:ptLst>
-      <dgm:cxnLst>
-        <dgm:cxn modelId="60" srcId="0" destId="10" srcOrd="0" destOrd="0"/>
-        <dgm:cxn modelId="70" srcId="0" destId="20" srcOrd="1" destOrd="0"/>
-      </dgm:cxnLst>
-      <dgm:bg/>
-      <dgm:whole/>
-    </dgm:dataModel>
-  </dgm:styleData>
-  <dgm:clrData>
-    <dgm:dataModel>
-      <dgm:ptLst>
-        <dgm:pt modelId="0" type="doc"/>
-        <dgm:pt modelId="10">
-          <dgm:prSet phldr="1"/>
-        </dgm:pt>
-        <dgm:pt modelId="20">
-          <dgm:prSet phldr="1"/>
-        </dgm:pt>
-        <dgm:pt modelId="30">
-          <dgm:prSet phldr="1"/>
-        </dgm:pt>
-        <dgm:pt modelId="40">
-          <dgm:prSet phldr="1"/>
-        </dgm:pt>
-      </dgm:ptLst>
-      <dgm:cxnLst>
-        <dgm:cxn modelId="60" srcId="0" destId="10" srcOrd="0" destOrd="0"/>
-        <dgm:cxn modelId="70" srcId="0" destId="20" srcOrd="1" destOrd="0"/>
-        <dgm:cxn modelId="80" srcId="0" destId="30" srcOrd="2" destOrd="0"/>
-        <dgm:cxn modelId="90" srcId="0" destId="40" srcOrd="3" destOrd="0"/>
-      </dgm:cxnLst>
-      <dgm:bg/>
-      <dgm:whole/>
-    </dgm:dataModel>
-  </dgm:clrData>
-  <dgm:layoutNode name="rootnode">
-    <dgm:varLst>
-      <dgm:chMax/>
-      <dgm:chPref/>
-      <dgm:dir/>
-      <dgm:animLvl val="lvl"/>
-    </dgm:varLst>
-    <dgm:choose name="Name0">
-      <dgm:if name="Name1" func="var" arg="dir" op="equ" val="norm">
-        <dgm:alg type="snake">
-          <dgm:param type="grDir" val="tL"/>
-          <dgm:param type="flowDir" val="row"/>
-          <dgm:param type="off" val="off"/>
-          <dgm:param type="bkpt" val="fixed"/>
-          <dgm:param type="bkPtFixedVal" val="1"/>
-        </dgm:alg>
-      </dgm:if>
-      <dgm:else name="Name2">
-        <dgm:alg type="snake">
-          <dgm:param type="grDir" val="tR"/>
-          <dgm:param type="flowDir" val="row"/>
-          <dgm:param type="off" val="off"/>
-          <dgm:param type="bkpt" val="fixed"/>
-          <dgm:param type="bkPtFixedVal" val="1"/>
-        </dgm:alg>
-      </dgm:else>
-    </dgm:choose>
-    <dgm:shape xmlns:r="http://schemas.openxmlformats.org/officeDocument/2006/relationships" r:blip="">
-      <dgm:adjLst/>
-    </dgm:shape>
-    <dgm:choose name="Name3">
-      <dgm:if name="Name4" func="var" arg="dir" op="equ" val="norm">
-        <dgm:constrLst>
-          <dgm:constr type="alignOff" forName="rootnode" val="0.48"/>
-          <dgm:constr type="primFontSz" for="des" forName="ParentText" val="65"/>
-          <dgm:constr type="primFontSz" for="des" forName="ChildText" refType="primFontSz" refFor="des" refForName="ParentText" op="lte"/>
-          <dgm:constr type="w" for="ch" forName="composite" refType="w"/>
-          <dgm:constr type="h" for="ch" forName="composite" refType="h"/>
-          <dgm:constr type="sp" refType="h" refFor="ch" refForName="composite" op="equ" fact="-0.38"/>
-        </dgm:constrLst>
-      </dgm:if>
-      <dgm:else name="Name5">
-        <dgm:constrLst>
-          <dgm:constr type="alignOff" forName="rootnode" val="0.48"/>
-          <dgm:constr type="primFontSz" for="des" forName="ParentText" val="65"/>
-          <dgm:constr type="primFontSz" for="des" forName="ChildText" refType="primFontSz" refFor="des" refForName="ParentText" op="lte"/>
-          <dgm:constr type="w" for="ch" forName="composite" refType="w"/>
-          <dgm:constr type="h" for="ch" forName="composite" refType="h"/>
-          <dgm:constr type="sp" refType="h" refFor="ch" refForName="composite" op="equ" fact="-0.38"/>
-        </dgm:constrLst>
-      </dgm:else>
-    </dgm:choose>
-    <dgm:forEach name="nodesForEach" axis="ch" ptType="node">
-      <dgm:layoutNode name="composite">
-        <dgm:alg type="composite">
-          <dgm:param type="ar" val="1.2439"/>
-        </dgm:alg>
-        <dgm:shape xmlns:r="http://schemas.openxmlformats.org/officeDocument/2006/relationships" r:blip="">
-          <dgm:adjLst/>
-        </dgm:shape>
-        <dgm:choose name="Name6">
-          <dgm:if name="Name7" func="var" arg="dir" op="equ" val="norm">
-            <dgm:constrLst>
-              <dgm:constr type="l" for="ch" forName="bentUpArrow1" refType="w" fact="0.07"/>
-              <dgm:constr type="t" for="ch" forName="bentUpArrow1" refType="h" fact="0.524"/>
-              <dgm:constr type="w" for="ch" forName="bentUpArrow1" refType="w" fact="0.3844"/>
-              <dgm:constr type="h" for="ch" forName="bentUpArrow1" refType="h" fact="0.42"/>
-              <dgm:constr type="l" for="ch" forName="ParentText" refType="w" fact="0"/>
-              <dgm:constr type="t" for="ch" forName="ParentText" refType="h" fact="0"/>
-              <dgm:constr type="w" for="ch" forName="ParentText" refType="w" fact="0.5684"/>
-              <dgm:constr type="h" for="ch" forName="ParentText" refType="h" fact="0.4949"/>
-              <dgm:constr type="l" for="ch" forName="ChildText" refType="w" refFor="ch" refForName="ParentText"/>
-              <dgm:constr type="t" for="ch" forName="ChildText" refType="h" fact="0.05"/>
-              <dgm:constr type="w" for="ch" forName="ChildText" refType="w" fact="0.4134"/>
-              <dgm:constr type="h" for="ch" forName="ChildText" refType="h" fact="0.4"/>
-              <dgm:constr type="l" for="ch" forName="FinalChildText" refType="w" refFor="ch" refForName="ParentText"/>
-              <dgm:constr type="t" for="ch" forName="FinalChildText" refType="h" fact="0.05"/>
-              <dgm:constr type="w" for="ch" forName="FinalChildText" refType="w" fact="0.4134"/>
-              <dgm:constr type="h" for="ch" forName="FinalChildText" refType="h" fact="0.4"/>
-            </dgm:constrLst>
-          </dgm:if>
-          <dgm:else name="Name8">
-            <dgm:constrLst>
-              <dgm:constr type="r" for="ch" forName="bentUpArrow1" refType="w" fact="0.97"/>
-              <dgm:constr type="t" for="ch" forName="bentUpArrow1" refType="h" fact="0.524"/>
-              <dgm:constr type="w" for="ch" forName="bentUpArrow1" refType="w" fact="0.3844"/>
-              <dgm:constr type="h" for="ch" forName="bentUpArrow1" refType="h" fact="0.42"/>
-              <dgm:constr type="l" for="ch" forName="ParentText" refType="w" fact="0.4316"/>
-              <dgm:constr type="t" for="ch" forName="ParentText" refType="h" fact="0"/>
-              <dgm:constr type="w" for="ch" forName="ParentText" refType="w" fact="0.5684"/>
-              <dgm:constr type="h" for="ch" forName="ParentText" refType="h" fact="0.4949"/>
-              <dgm:constr type="l" for="ch" forName="ChildText" refType="w" fact="0"/>
-              <dgm:constr type="t" for="ch" forName="ChildText" refType="h" fact="0.05"/>
-              <dgm:constr type="w" for="ch" forName="ChildText" refType="w" fact="0.4134"/>
-              <dgm:constr type="h" for="ch" forName="ChildText" refType="h" fact="0.4"/>
-              <dgm:constr type="l" for="ch" forName="FinalChildText" refType="w" fact="0"/>
-              <dgm:constr type="t" for="ch" forName="FinalChildText" refType="h" fact="0.05"/>
-              <dgm:constr type="w" for="ch" forName="FinalChildText" refType="w" fact="0.4134"/>
-              <dgm:constr type="h" for="ch" forName="FinalChildText" refType="h" fact="0.4"/>
-            </dgm:constrLst>
-          </dgm:else>
-        </dgm:choose>
-        <dgm:choose name="Name9">
-          <dgm:if name="Name10" axis="followSib" ptType="node" func="cnt" op="gte" val="1">
-            <dgm:layoutNode name="bentUpArrow1" styleLbl="alignImgPlace1">
-              <dgm:alg type="sp"/>
-              <dgm:choose name="Name11">
-                <dgm:if name="Name12" func="var" arg="dir" op="equ" val="norm">
-                  <dgm:shape xmlns:r="http://schemas.openxmlformats.org/officeDocument/2006/relationships" rot="90" type="bentUpArrow" r:blip="">
-                    <dgm:adjLst>
-                      <dgm:adj idx="1" val="0.3284"/>
-                      <dgm:adj idx="2" val="0.25"/>
-                      <dgm:adj idx="3" val="0.3578"/>
-                    </dgm:adjLst>
-                  </dgm:shape>
-                </dgm:if>
-                <dgm:else name="Name13">
-                  <dgm:shape xmlns:r="http://schemas.openxmlformats.org/officeDocument/2006/relationships" rot="180" type="bentArrow" r:blip="">
-                    <dgm:adjLst>
-                      <dgm:adj idx="1" val="0.3284"/>
-                      <dgm:adj idx="2" val="0.25"/>
-                      <dgm:adj idx="3" val="0.3578"/>
-                      <dgm:adj idx="4" val="0"/>
-                    </dgm:adjLst>
-                  </dgm:shape>
-                </dgm:else>
-              </dgm:choose>
-              <dgm:presOf/>
-            </dgm:layoutNode>
-          </dgm:if>
-          <dgm:else name="Name14"/>
-        </dgm:choose>
-        <dgm:layoutNode name="ParentText" styleLbl="node1">
-          <dgm:varLst>
-            <dgm:chMax val="1"/>
-            <dgm:chPref val="1"/>
-            <dgm:bulletEnabled val="1"/>
-          </dgm:varLst>
-          <dgm:alg type="tx"/>
-          <dgm:shape xmlns:r="http://schemas.openxmlformats.org/officeDocument/2006/relationships" type="roundRect" r:blip="">
-            <dgm:adjLst>
-              <dgm:adj idx="1" val="0.1667"/>
-            </dgm:adjLst>
-          </dgm:shape>
-          <dgm:presOf axis="self" ptType="node"/>
-          <dgm:constrLst>
-            <dgm:constr type="lMarg" refType="primFontSz" fact="0.3"/>
-            <dgm:constr type="rMarg" refType="primFontSz" fact="0.3"/>
-            <dgm:constr type="tMarg" refType="primFontSz" fact="0.3"/>
-            <dgm:constr type="bMarg" refType="primFontSz" fact="0.3"/>
-          </dgm:constrLst>
-          <dgm:ruleLst>
-            <dgm:rule type="primFontSz" val="5" fact="NaN" max="NaN"/>
-          </dgm:ruleLst>
-        </dgm:layoutNode>
-        <dgm:choose name="Name15">
-          <dgm:if name="Name16" axis="followSib" ptType="node" func="cnt" op="equ" val="0">
-            <dgm:choose name="Name17">
-              <dgm:if name="Name18" axis="ch" ptType="node" func="cnt" op="gte" val="1">
-                <dgm:layoutNode name="FinalChildText" styleLbl="revTx">
-                  <dgm:varLst>
-                    <dgm:chMax val="0"/>
-                    <dgm:chPref val="0"/>
-                    <dgm:bulletEnabled val="1"/>
-                  </dgm:varLst>
-                  <dgm:alg type="tx">
-                    <dgm:param type="stBulletLvl" val="1"/>
-                    <dgm:param type="txAnchorVertCh" val="mid"/>
-                    <dgm:param type="parTxLTRAlign" val="l"/>
-                  </dgm:alg>
-                  <dgm:shape xmlns:r="http://schemas.openxmlformats.org/officeDocument/2006/relationships" type="rect" r:blip="">
-                    <dgm:adjLst/>
-                  </dgm:shape>
-                  <dgm:presOf axis="des" ptType="node"/>
-                  <dgm:constrLst>
-                    <dgm:constr type="lMarg" refType="primFontSz" fact="0.3"/>
-                    <dgm:constr type="rMarg" refType="primFontSz" fact="0.3"/>
-                    <dgm:constr type="tMarg" refType="primFontSz" fact="0.3"/>
-                    <dgm:constr type="bMarg" refType="primFontSz" fact="0.3"/>
-                  </dgm:constrLst>
-                  <dgm:ruleLst>
-                    <dgm:rule type="primFontSz" val="5" fact="NaN" max="NaN"/>
-                  </dgm:ruleLst>
-                </dgm:layoutNode>
-              </dgm:if>
-              <dgm:else name="Name19"/>
-            </dgm:choose>
-          </dgm:if>
-          <dgm:else name="Name20">
-            <dgm:layoutNode name="ChildText" styleLbl="revTx">
-              <dgm:varLst>
-                <dgm:chMax val="0"/>
-                <dgm:chPref val="0"/>
-                <dgm:bulletEnabled val="1"/>
-              </dgm:varLst>
-              <dgm:alg type="tx">
-                <dgm:param type="stBulletLvl" val="1"/>
-                <dgm:param type="txAnchorVertCh" val="mid"/>
-                <dgm:param type="parTxLTRAlign" val="l"/>
-              </dgm:alg>
-              <dgm:shape xmlns:r="http://schemas.openxmlformats.org/officeDocument/2006/relationships" type="rect" r:blip="">
-                <dgm:adjLst/>
-              </dgm:shape>
-              <dgm:presOf axis="des" ptType="node"/>
-              <dgm:constrLst>
-                <dgm:constr type="lMarg" refType="primFontSz" fact="0.3"/>
-                <dgm:constr type="rMarg" refType="primFontSz" fact="0.3"/>
-                <dgm:constr type="tMarg" refType="primFontSz" fact="0.3"/>
-                <dgm:constr type="bMarg" refType="primFontSz" fact="0.3"/>
-              </dgm:constrLst>
-              <dgm:ruleLst>
-                <dgm:rule type="primFontSz" val="5" fact="NaN" max="NaN"/>
-              </dgm:ruleLst>
-            </dgm:layoutNode>
-          </dgm:else>
-        </dgm:choose>
-      </dgm:layoutNode>
-      <dgm:forEach name="sibTransForEach" axis="followSib" ptType="sibTrans" cnt="1">
-        <dgm:layoutNode name="sibTrans">
-          <dgm:alg type="sp"/>
-          <dgm:shape xmlns:r="http://schemas.openxmlformats.org/officeDocument/2006/relationships" r:blip="">
-            <dgm:adjLst/>
-          </dgm:shape>
-        </dgm:layoutNode>
-      </dgm:forEach>
-    </dgm:forEach>
-  </dgm:layoutNode>
-</dgm:layoutDef>
-</file>
-
-<file path=ppt/diagrams/quickStyle1.xml><?xml version="1.0" encoding="utf-8"?>
-<dgm:styleDef xmlns:dgm="http://schemas.openxmlformats.org/drawingml/2006/diagram" xmlns:a="http://schemas.openxmlformats.org/drawingml/2006/main" uniqueId="urn:microsoft.com/office/officeart/2005/8/quickstyle/simple1">
-  <dgm:title val=""/>
-  <dgm:desc val=""/>
-  <dgm:catLst>
-    <dgm:cat type="simple" pri="10100"/>
-  </dgm:catLst>
-  <dgm:scene3d>
-    <a:camera prst="orthographicFront"/>
-    <a:lightRig rig="threePt" dir="t"/>
-  </dgm:scene3d>
-  <dgm:styleLbl name="node0">
-    <dgm:scene3d>
-      <a:camera prst="orthographicFront"/>
-      <a:lightRig rig="threePt" dir="t"/>
-    </dgm:scene3d>
-    <dgm:sp3d/>
-    <dgm:txPr/>
-    <dgm:style>
-      <a:lnRef idx="2">
-        <a:scrgbClr r="0" g="0" b="0"/>
-      </a:lnRef>
-      <a:fillRef idx="1">
-        <a:scrgbClr r="0" g="0" b="0"/>
-      </a:fillRef>
-      <a:effectRef idx="0">
-        <a:scrgbClr r="0" g="0" b="0"/>
-      </a:effectRef>
-      <a:fontRef idx="minor">
-        <a:schemeClr val="lt1"/>
-      </a:fontRef>
-    </dgm:style>
-  </dgm:styleLbl>
-  <dgm:styleLbl name="lnNode1">
-    <dgm:scene3d>
-      <a:camera prst="orthographicFront"/>
-      <a:lightRig rig="threePt" dir="t"/>
-    </dgm:scene3d>
-    <dgm:sp3d/>
-    <dgm:txPr/>
-    <dgm:style>
-      <a:lnRef idx="2">
-        <a:scrgbClr r="0" g="0" b="0"/>
-      </a:lnRef>
-      <a:fillRef idx="1">
-        <a:scrgbClr r="0" g="0" b="0"/>
-      </a:fillRef>
-      <a:effectRef idx="0">
-        <a:scrgbClr r="0" g="0" b="0"/>
-      </a:effectRef>
-      <a:fontRef idx="minor">
-        <a:schemeClr val="lt1"/>
-      </a:fontRef>
-    </dgm:style>
-  </dgm:styleLbl>
-  <dgm:styleLbl name="vennNode1">
-    <dgm:scene3d>
-      <a:camera prst="orthographicFront"/>
-      <a:lightRig rig="threePt" dir="t"/>
-    </dgm:scene3d>
-    <dgm:sp3d/>
-    <dgm:txPr/>
-    <dgm:style>
-      <a:lnRef idx="2">
-        <a:scrgbClr r="0" g="0" b="0"/>
-      </a:lnRef>
-      <a:fillRef idx="1">
-        <a:scrgbClr r="0" g="0" b="0"/>
-      </a:fillRef>
-      <a:effectRef idx="0">
-        <a:scrgbClr r="0" g="0" b="0"/>
-      </a:effectRef>
-      <a:fontRef idx="minor">
-        <a:schemeClr val="tx1"/>
-      </a:fontRef>
-    </dgm:style>
-  </dgm:styleLbl>
-  <dgm:styleLbl name="alignNode1">
-    <dgm:scene3d>
-      <a:camera prst="orthographicFront"/>
-      <a:lightRig rig="threePt" dir="t"/>
-    </dgm:scene3d>
-    <dgm:sp3d/>
-    <dgm:txPr/>
-    <dgm:style>
-      <a:lnRef idx="2">
-        <a:scrgbClr r="0" g="0" b="0"/>
-      </a:lnRef>
-      <a:fillRef idx="1">
-        <a:scrgbClr r="0" g="0" b="0"/>
-      </a:fillRef>
-      <a:effectRef idx="0">
-        <a:scrgbClr r="0" g="0" b="0"/>
-      </a:effectRef>
-      <a:fontRef idx="minor">
-        <a:schemeClr val="lt1"/>
-      </a:fontRef>
-    </dgm:style>
-  </dgm:styleLbl>
-  <dgm:styleLbl name="node1">
-    <dgm:scene3d>
-      <a:camera prst="orthographicFront"/>
-      <a:lightRig rig="threePt" dir="t"/>
-    </dgm:scene3d>
-    <dgm:sp3d/>
-    <dgm:txPr/>
-    <dgm:style>
-      <a:lnRef idx="2">
-        <a:scrgbClr r="0" g="0" b="0"/>
-      </a:lnRef>
-      <a:fillRef idx="1">
-        <a:scrgbClr r="0" g="0" b="0"/>
-      </a:fillRef>
-      <a:effectRef idx="0">
-        <a:scrgbClr r="0" g="0" b="0"/>
-      </a:effectRef>
-      <a:fontRef idx="minor">
-        <a:schemeClr val="lt1"/>
-      </a:fontRef>
-    </dgm:style>
-  </dgm:styleLbl>
-  <dgm:styleLbl name="node2">
-    <dgm:scene3d>
-      <a:camera prst="orthographicFront"/>
-      <a:lightRig rig="threePt" dir="t"/>
-    </dgm:scene3d>
-    <dgm:sp3d/>
-    <dgm:txPr/>
-    <dgm:style>
-      <a:lnRef idx="2">
-        <a:scrgbClr r="0" g="0" b="0"/>
-      </a:lnRef>
-      <a:fillRef idx="1">
-        <a:scrgbClr r="0" g="0" b="0"/>
-      </a:fillRef>
-      <a:effectRef idx="0">
-        <a:scrgbClr r="0" g="0" b="0"/>
-      </a:effectRef>
-      <a:fontRef idx="minor">
-        <a:schemeClr val="lt1"/>
-      </a:fontRef>
-    </dgm:style>
-  </dgm:styleLbl>
-  <dgm:styleLbl name="node3">
-    <dgm:scene3d>
-      <a:camera prst="orthographicFront"/>
-      <a:lightRig rig="threePt" dir="t"/>
-    </dgm:scene3d>
-    <dgm:sp3d/>
-    <dgm:txPr/>
-    <dgm:style>
-      <a:lnRef idx="2">
-        <a:scrgbClr r="0" g="0" b="0"/>
-      </a:lnRef>
-      <a:fillRef idx="1">
-        <a:scrgbClr r="0" g="0" b="0"/>
-      </a:fillRef>
-      <a:effectRef idx="0">
-        <a:scrgbClr r="0" g="0" b="0"/>
-      </a:effectRef>
-      <a:fontRef idx="minor">
-        <a:schemeClr val="lt1"/>
-      </a:fontRef>
-    </dgm:style>
-  </dgm:styleLbl>
-  <dgm:styleLbl name="node4">
-    <dgm:scene3d>
-      <a:camera prst="orthographicFront"/>
-      <a:lightRig rig="threePt" dir="t"/>
-    </dgm:scene3d>
-    <dgm:sp3d/>
-    <dgm:txPr/>
-    <dgm:style>
-      <a:lnRef idx="2">
-        <a:scrgbClr r="0" g="0" b="0"/>
-      </a:lnRef>
-      <a:fillRef idx="1">
-        <a:scrgbClr r="0" g="0" b="0"/>
-      </a:fillRef>
-      <a:effectRef idx="0">
-        <a:scrgbClr r="0" g="0" b="0"/>
-      </a:effectRef>
-      <a:fontRef idx="minor">
-        <a:schemeClr val="lt1"/>
-      </a:fontRef>
-    </dgm:style>
-  </dgm:styleLbl>
-  <dgm:styleLbl name="fgImgPlace1">
-    <dgm:scene3d>
-      <a:camera prst="orthographicFront"/>
-      <a:lightRig rig="threePt" dir="t"/>
-    </dgm:scene3d>
-    <dgm:sp3d/>
-    <dgm:txPr/>
-    <dgm:style>
-      <a:lnRef idx="2">
-        <a:scrgbClr r="0" g="0" b="0"/>
-      </a:lnRef>
-      <a:fillRef idx="1">
-        <a:scrgbClr r="0" g="0" b="0"/>
-      </a:fillRef>
-      <a:effectRef idx="0">
-        <a:scrgbClr r="0" g="0" b="0"/>
-      </a:effectRef>
-      <a:fontRef idx="minor"/>
-    </dgm:style>
-  </dgm:styleLbl>
-  <dgm:styleLbl name="alignImgPlace1">
-    <dgm:scene3d>
-      <a:camera prst="orthographicFront"/>
-      <a:lightRig rig="threePt" dir="t"/>
-    </dgm:scene3d>
-    <dgm:sp3d/>
-    <dgm:txPr/>
-    <dgm:style>
-      <a:lnRef idx="2">
-        <a:scrgbClr r="0" g="0" b="0"/>
-      </a:lnRef>
-      <a:fillRef idx="1">
-        <a:scrgbClr r="0" g="0" b="0"/>
-      </a:fillRef>
-      <a:effectRef idx="0">
-        <a:scrgbClr r="0" g="0" b="0"/>
-      </a:effectRef>
-      <a:fontRef idx="minor"/>
-    </dgm:style>
-  </dgm:styleLbl>
-  <dgm:styleLbl name="bgImgPlace1">
-    <dgm:scene3d>
-      <a:camera prst="orthographicFront"/>
-      <a:lightRig rig="threePt" dir="t"/>
-    </dgm:scene3d>
-    <dgm:sp3d/>
-    <dgm:txPr/>
-    <dgm:style>
-      <a:lnRef idx="2">
-        <a:scrgbClr r="0" g="0" b="0"/>
-      </a:lnRef>
-      <a:fillRef idx="1">
-        <a:scrgbClr r="0" g="0" b="0"/>
-      </a:fillRef>
-      <a:effectRef idx="0">
-        <a:scrgbClr r="0" g="0" b="0"/>
-      </a:effectRef>
-      <a:fontRef idx="minor"/>
-    </dgm:style>
-  </dgm:styleLbl>
-  <dgm:styleLbl name="sibTrans2D1">
-    <dgm:scene3d>
-      <a:camera prst="orthographicFront"/>
-      <a:lightRig rig="threePt" dir="t"/>
-    </dgm:scene3d>
-    <dgm:sp3d/>
-    <dgm:txPr/>
-    <dgm:style>
-      <a:lnRef idx="0">
-        <a:scrgbClr r="0" g="0" b="0"/>
-      </a:lnRef>
-      <a:fillRef idx="1">
-        <a:scrgbClr r="0" g="0" b="0"/>
-      </a:fillRef>
-      <a:effectRef idx="0">
-        <a:scrgbClr r="0" g="0" b="0"/>
-      </a:effectRef>
-      <a:fontRef idx="minor">
-        <a:schemeClr val="lt1"/>
-      </a:fontRef>
-    </dgm:style>
-  </dgm:styleLbl>
-  <dgm:styleLbl name="fgSibTrans2D1">
-    <dgm:scene3d>
-      <a:camera prst="orthographicFront"/>
-      <a:lightRig rig="threePt" dir="t"/>
-    </dgm:scene3d>
-    <dgm:sp3d/>
-    <dgm:txPr/>
-    <dgm:style>
-      <a:lnRef idx="0">
-        <a:scrgbClr r="0" g="0" b="0"/>
-      </a:lnRef>
-      <a:fillRef idx="1">
-        <a:scrgbClr r="0" g="0" b="0"/>
-      </a:fillRef>
-      <a:effectRef idx="0">
-        <a:scrgbClr r="0" g="0" b="0"/>
-      </a:effectRef>
-      <a:fontRef idx="minor">
-        <a:schemeClr val="lt1"/>
-      </a:fontRef>
-    </dgm:style>
-  </dgm:styleLbl>
-  <dgm:styleLbl name="bgSibTrans2D1">
-    <dgm:scene3d>
-      <a:camera prst="orthographicFront"/>
-      <a:lightRig rig="threePt" dir="t"/>
-    </dgm:scene3d>
-    <dgm:sp3d/>
-    <dgm:txPr/>
-    <dgm:style>
-      <a:lnRef idx="0">
-        <a:scrgbClr r="0" g="0" b="0"/>
-      </a:lnRef>
-      <a:fillRef idx="1">
-        <a:scrgbClr r="0" g="0" b="0"/>
-      </a:fillRef>
-      <a:effectRef idx="0">
-        <a:scrgbClr r="0" g="0" b="0"/>
-      </a:effectRef>
-      <a:fontRef idx="minor">
-        <a:schemeClr val="lt1"/>
-      </a:fontRef>
-    </dgm:style>
-  </dgm:styleLbl>
-  <dgm:styleLbl name="sibTrans1D1">
-    <dgm:scene3d>
-      <a:camera prst="orthographicFront"/>
-      <a:lightRig rig="threePt" dir="t"/>
-    </dgm:scene3d>
-    <dgm:sp3d/>
-    <dgm:txPr/>
-    <dgm:style>
-      <a:lnRef idx="1">
-        <a:scrgbClr r="0" g="0" b="0"/>
-      </a:lnRef>
-      <a:fillRef idx="0">
-        <a:scrgbClr r="0" g="0" b="0"/>
-      </a:fillRef>
-      <a:effectRef idx="0">
-        <a:scrgbClr r="0" g="0" b="0"/>
-      </a:effectRef>
-      <a:fontRef idx="minor"/>
-    </dgm:style>
-  </dgm:styleLbl>
-  <dgm:styleLbl name="callout">
-    <dgm:scene3d>
-      <a:camera prst="orthographicFront"/>
-      <a:lightRig rig="threePt" dir="t"/>
-    </dgm:scene3d>
-    <dgm:sp3d/>
-    <dgm:txPr/>
-    <dgm:style>
-      <a:lnRef idx="2">
-        <a:scrgbClr r="0" g="0" b="0"/>
-      </a:lnRef>
-      <a:fillRef idx="1">
-        <a:scrgbClr r="0" g="0" b="0"/>
-      </a:fillRef>
-      <a:effectRef idx="0">
-        <a:scrgbClr r="0" g="0" b="0"/>
-      </a:effectRef>
-      <a:fontRef idx="minor"/>
-    </dgm:style>
-  </dgm:styleLbl>
-  <dgm:styleLbl name="asst0">
-    <dgm:scene3d>
-      <a:camera prst="orthographicFront"/>
-      <a:lightRig rig="threePt" dir="t"/>
-    </dgm:scene3d>
-    <dgm:sp3d/>
-    <dgm:txPr/>
-    <dgm:style>
-      <a:lnRef idx="2">
-        <a:scrgbClr r="0" g="0" b="0"/>
-      </a:lnRef>
-      <a:fillRef idx="1">
-        <a:scrgbClr r="0" g="0" b="0"/>
-      </a:fillRef>
-      <a:effectRef idx="0">
-        <a:scrgbClr r="0" g="0" b="0"/>
-      </a:effectRef>
-      <a:fontRef idx="minor">
-        <a:schemeClr val="lt1"/>
-      </a:fontRef>
-    </dgm:style>
-  </dgm:styleLbl>
-  <dgm:styleLbl name="asst1">
-    <dgm:scene3d>
-      <a:camera prst="orthographicFront"/>
-      <a:lightRig rig="threePt" dir="t"/>
-    </dgm:scene3d>
-    <dgm:sp3d/>
-    <dgm:txPr/>
-    <dgm:style>
-      <a:lnRef idx="2">
-        <a:scrgbClr r="0" g="0" b="0"/>
-      </a:lnRef>
-      <a:fillRef idx="1">
-        <a:scrgbClr r="0" g="0" b="0"/>
-      </a:fillRef>
-      <a:effectRef idx="0">
-        <a:scrgbClr r="0" g="0" b="0"/>
-      </a:effectRef>
-      <a:fontRef idx="minor">
-        <a:schemeClr val="lt1"/>
-      </a:fontRef>
-    </dgm:style>
-  </dgm:styleLbl>
-  <dgm:styleLbl name="asst2">
-    <dgm:scene3d>
-      <a:camera prst="orthographicFront"/>
-      <a:lightRig rig="threePt" dir="t"/>
-    </dgm:scene3d>
-    <dgm:sp3d/>
-    <dgm:txPr/>
-    <dgm:style>
-      <a:lnRef idx="2">
-        <a:scrgbClr r="0" g="0" b="0"/>
-      </a:lnRef>
-      <a:fillRef idx="1">
-        <a:scrgbClr r="0" g="0" b="0"/>
-      </a:fillRef>
-      <a:effectRef idx="0">
-        <a:scrgbClr r="0" g="0" b="0"/>
-      </a:effectRef>
-      <a:fontRef idx="minor">
-        <a:schemeClr val="lt1"/>
-      </a:fontRef>
-    </dgm:style>
-  </dgm:styleLbl>
-  <dgm:styleLbl name="asst3">
-    <dgm:scene3d>
-      <a:camera prst="orthographicFront"/>
-      <a:lightRig rig="threePt" dir="t"/>
-    </dgm:scene3d>
-    <dgm:sp3d/>
-    <dgm:txPr/>
-    <dgm:style>
-      <a:lnRef idx="2">
-        <a:scrgbClr r="0" g="0" b="0"/>
-      </a:lnRef>
-      <a:fillRef idx="1">
-        <a:scrgbClr r="0" g="0" b="0"/>
-      </a:fillRef>
-      <a:effectRef idx="0">
-        <a:scrgbClr r="0" g="0" b="0"/>
-      </a:effectRef>
-      <a:fontRef idx="minor">
-        <a:schemeClr val="lt1"/>
-      </a:fontRef>
-    </dgm:style>
-  </dgm:styleLbl>
-  <dgm:styleLbl name="asst4">
-    <dgm:scene3d>
-      <a:camera prst="orthographicFront"/>
-      <a:lightRig rig="threePt" dir="t"/>
-    </dgm:scene3d>
-    <dgm:sp3d/>
-    <dgm:txPr/>
-    <dgm:style>
-      <a:lnRef idx="2">
-        <a:scrgbClr r="0" g="0" b="0"/>
-      </a:lnRef>
-      <a:fillRef idx="1">
-        <a:scrgbClr r="0" g="0" b="0"/>
-      </a:fillRef>
-      <a:effectRef idx="0">
-        <a:scrgbClr r="0" g="0" b="0"/>
-      </a:effectRef>
-      <a:fontRef idx="minor">
-        <a:schemeClr val="lt1"/>
-      </a:fontRef>
-    </dgm:style>
-  </dgm:styleLbl>
-  <dgm:styleLbl name="parChTrans2D1">
-    <dgm:scene3d>
-      <a:camera prst="orthographicFront"/>
-      <a:lightRig rig="threePt" dir="t"/>
-    </dgm:scene3d>
-    <dgm:sp3d/>
-    <dgm:txPr/>
-    <dgm:style>
-      <a:lnRef idx="2">
-        <a:scrgbClr r="0" g="0" b="0"/>
-      </a:lnRef>
-      <a:fillRef idx="1">
-        <a:scrgbClr r="0" g="0" b="0"/>
-      </a:fillRef>
-      <a:effectRef idx="0">
-        <a:scrgbClr r="0" g="0" b="0"/>
-      </a:effectRef>
-      <a:fontRef idx="minor">
-        <a:schemeClr val="lt1"/>
-      </a:fontRef>
-    </dgm:style>
-  </dgm:styleLbl>
-  <dgm:styleLbl name="parChTrans2D2">
-    <dgm:scene3d>
-      <a:camera prst="orthographicFront"/>
-      <a:lightRig rig="threePt" dir="t"/>
-    </dgm:scene3d>
-    <dgm:sp3d/>
-    <dgm:txPr/>
-    <dgm:style>
-      <a:lnRef idx="2">
-        <a:scrgbClr r="0" g="0" b="0"/>
-      </a:lnRef>
-      <a:fillRef idx="1">
-        <a:scrgbClr r="0" g="0" b="0"/>
-      </a:fillRef>
-      <a:effectRef idx="0">
-        <a:scrgbClr r="0" g="0" b="0"/>
-      </a:effectRef>
-      <a:fontRef idx="minor">
-        <a:schemeClr val="lt1"/>
-      </a:fontRef>
-    </dgm:style>
-  </dgm:styleLbl>
-  <dgm:styleLbl name="parChTrans2D3">
-    <dgm:scene3d>
-      <a:camera prst="orthographicFront"/>
-      <a:lightRig rig="threePt" dir="t"/>
-    </dgm:scene3d>
-    <dgm:sp3d/>
-    <dgm:txPr/>
-    <dgm:style>
-      <a:lnRef idx="2">
-        <a:scrgbClr r="0" g="0" b="0"/>
-      </a:lnRef>
-      <a:fillRef idx="1">
-        <a:scrgbClr r="0" g="0" b="0"/>
-      </a:fillRef>
-      <a:effectRef idx="0">
-        <a:scrgbClr r="0" g="0" b="0"/>
-      </a:effectRef>
-      <a:fontRef idx="minor">
-        <a:schemeClr val="lt1"/>
-      </a:fontRef>
-    </dgm:style>
-  </dgm:styleLbl>
-  <dgm:styleLbl name="parChTrans2D4">
-    <dgm:scene3d>
-      <a:camera prst="orthographicFront"/>
-      <a:lightRig rig="threePt" dir="t"/>
-    </dgm:scene3d>
-    <dgm:sp3d/>
-    <dgm:txPr/>
-    <dgm:style>
-      <a:lnRef idx="2">
-        <a:scrgbClr r="0" g="0" b="0"/>
-      </a:lnRef>
-      <a:fillRef idx="1">
-        <a:scrgbClr r="0" g="0" b="0"/>
-      </a:fillRef>
-      <a:effectRef idx="0">
-        <a:scrgbClr r="0" g="0" b="0"/>
-      </a:effectRef>
-      <a:fontRef idx="minor">
-        <a:schemeClr val="lt1"/>
-      </a:fontRef>
-    </dgm:style>
-  </dgm:styleLbl>
-  <dgm:styleLbl name="parChTrans1D1">
-    <dgm:scene3d>
-      <a:camera prst="orthographicFront"/>
-      <a:lightRig rig="threePt" dir="t"/>
-    </dgm:scene3d>
-    <dgm:sp3d/>
-    <dgm:txPr/>
-    <dgm:style>
-      <a:lnRef idx="2">
-        <a:scrgbClr r="0" g="0" b="0"/>
-      </a:lnRef>
-      <a:fillRef idx="0">
-        <a:scrgbClr r="0" g="0" b="0"/>
-      </a:fillRef>
-      <a:effectRef idx="0">
-        <a:scrgbClr r="0" g="0" b="0"/>
-      </a:effectRef>
-      <a:fontRef idx="minor"/>
-    </dgm:style>
-  </dgm:styleLbl>
-  <dgm:styleLbl name="parChTrans1D2">
-    <dgm:scene3d>
-      <a:camera prst="orthographicFront"/>
-      <a:lightRig rig="threePt" dir="t"/>
-    </dgm:scene3d>
-    <dgm:sp3d/>
-    <dgm:txPr/>
-    <dgm:style>
-      <a:lnRef idx="2">
-        <a:scrgbClr r="0" g="0" b="0"/>
-      </a:lnRef>
-      <a:fillRef idx="0">
-        <a:scrgbClr r="0" g="0" b="0"/>
-      </a:fillRef>
-      <a:effectRef idx="0">
-        <a:scrgbClr r="0" g="0" b="0"/>
-      </a:effectRef>
-      <a:fontRef idx="minor"/>
-    </dgm:style>
-  </dgm:styleLbl>
-  <dgm:styleLbl name="parChTrans1D3">
-    <dgm:scene3d>
-      <a:camera prst="orthographicFront"/>
-      <a:lightRig rig="threePt" dir="t"/>
-    </dgm:scene3d>
-    <dgm:sp3d/>
-    <dgm:txPr/>
-    <dgm:style>
-      <a:lnRef idx="2">
-        <a:scrgbClr r="0" g="0" b="0"/>
-      </a:lnRef>
-      <a:fillRef idx="0">
-        <a:scrgbClr r="0" g="0" b="0"/>
-      </a:fillRef>
-      <a:effectRef idx="0">
-        <a:scrgbClr r="0" g="0" b="0"/>
-      </a:effectRef>
-      <a:fontRef idx="minor"/>
-    </dgm:style>
-  </dgm:styleLbl>
-  <dgm:styleLbl name="parChTrans1D4">
-    <dgm:scene3d>
-      <a:camera prst="orthographicFront"/>
-      <a:lightRig rig="threePt" dir="t"/>
-    </dgm:scene3d>
-    <dgm:sp3d/>
-    <dgm:txPr/>
-    <dgm:style>
-      <a:lnRef idx="2">
-        <a:scrgbClr r="0" g="0" b="0"/>
-      </a:lnRef>
-      <a:fillRef idx="0">
-        <a:scrgbClr r="0" g="0" b="0"/>
-      </a:fillRef>
-      <a:effectRef idx="0">
-        <a:scrgbClr r="0" g="0" b="0"/>
-      </a:effectRef>
-      <a:fontRef idx="minor"/>
-    </dgm:style>
-  </dgm:styleLbl>
-  <dgm:styleLbl name="fgAcc1">
-    <dgm:scene3d>
-      <a:camera prst="orthographicFront"/>
-      <a:lightRig rig="threePt" dir="t"/>
-    </dgm:scene3d>
-    <dgm:sp3d/>
-    <dgm:txPr/>
-    <dgm:style>
-      <a:lnRef idx="2">
-        <a:scrgbClr r="0" g="0" b="0"/>
-      </a:lnRef>
-      <a:fillRef idx="1">
-        <a:scrgbClr r="0" g="0" b="0"/>
-      </a:fillRef>
-      <a:effectRef idx="0">
-        <a:scrgbClr r="0" g="0" b="0"/>
-      </a:effectRef>
-      <a:fontRef idx="minor"/>
-    </dgm:style>
-  </dgm:styleLbl>
-  <dgm:styleLbl name="conFgAcc1">
-    <dgm:scene3d>
-      <a:camera prst="orthographicFront"/>
-      <a:lightRig rig="threePt" dir="t"/>
-    </dgm:scene3d>
-    <dgm:sp3d/>
-    <dgm:txPr/>
-    <dgm:style>
-      <a:lnRef idx="2">
-        <a:scrgbClr r="0" g="0" b="0"/>
-      </a:lnRef>
-      <a:fillRef idx="1">
-        <a:scrgbClr r="0" g="0" b="0"/>
-      </a:fillRef>
-      <a:effectRef idx="0">
-        <a:scrgbClr r="0" g="0" b="0"/>
-      </a:effectRef>
-      <a:fontRef idx="minor"/>
-    </dgm:style>
-  </dgm:styleLbl>
-  <dgm:styleLbl name="alignAcc1">
-    <dgm:scene3d>
-      <a:camera prst="orthographicFront"/>
-      <a:lightRig rig="threePt" dir="t"/>
-    </dgm:scene3d>
-    <dgm:sp3d/>
-    <dgm:txPr/>
-    <dgm:style>
-      <a:lnRef idx="2">
-        <a:scrgbClr r="0" g="0" b="0"/>
-      </a:lnRef>
-      <a:fillRef idx="1">
-        <a:scrgbClr r="0" g="0" b="0"/>
-      </a:fillRef>
-      <a:effectRef idx="0">
-        <a:scrgbClr r="0" g="0" b="0"/>
-      </a:effectRef>
-      <a:fontRef idx="minor"/>
-    </dgm:style>
-  </dgm:styleLbl>
-  <dgm:styleLbl name="trAlignAcc1">
-    <dgm:scene3d>
-      <a:camera prst="orthographicFront"/>
-      <a:lightRig rig="threePt" dir="t"/>
-    </dgm:scene3d>
-    <dgm:sp3d/>
-    <dgm:txPr/>
-    <dgm:style>
-      <a:lnRef idx="1">
-        <a:scrgbClr r="0" g="0" b="0"/>
-      </a:lnRef>
-      <a:fillRef idx="1">
-        <a:scrgbClr r="0" g="0" b="0"/>
-      </a:fillRef>
-      <a:effectRef idx="0">
-        <a:scrgbClr r="0" g="0" b="0"/>
-      </a:effectRef>
-      <a:fontRef idx="minor"/>
-    </dgm:style>
-  </dgm:styleLbl>
-  <dgm:styleLbl name="bgAcc1">
-    <dgm:scene3d>
-      <a:camera prst="orthographicFront"/>
-      <a:lightRig rig="threePt" dir="t"/>
-    </dgm:scene3d>
-    <dgm:sp3d/>
-    <dgm:txPr/>
-    <dgm:style>
-      <a:lnRef idx="2">
-        <a:scrgbClr r="0" g="0" b="0"/>
-      </a:lnRef>
-      <a:fillRef idx="1">
-        <a:scrgbClr r="0" g="0" b="0"/>
-      </a:fillRef>
-      <a:effectRef idx="0">
-        <a:scrgbClr r="0" g="0" b="0"/>
-      </a:effectRef>
-      <a:fontRef idx="minor"/>
-    </dgm:style>
-  </dgm:styleLbl>
-  <dgm:styleLbl name="solidFgAcc1">
-    <dgm:scene3d>
-      <a:camera prst="orthographicFront"/>
-      <a:lightRig rig="threePt" dir="t"/>
-    </dgm:scene3d>
-    <dgm:sp3d/>
-    <dgm:txPr/>
-    <dgm:style>
-      <a:lnRef idx="2">
-        <a:scrgbClr r="0" g="0" b="0"/>
-      </a:lnRef>
-      <a:fillRef idx="1">
-        <a:scrgbClr r="0" g="0" b="0"/>
-      </a:fillRef>
-      <a:effectRef idx="0">
-        <a:scrgbClr r="0" g="0" b="0"/>
-      </a:effectRef>
-      <a:fontRef idx="minor"/>
-    </dgm:style>
-  </dgm:styleLbl>
-  <dgm:styleLbl name="solidAlignAcc1">
-    <dgm:scene3d>
-      <a:camera prst="orthographicFront"/>
-      <a:lightRig rig="threePt" dir="t"/>
-    </dgm:scene3d>
-    <dgm:sp3d/>
-    <dgm:txPr/>
-    <dgm:style>
-      <a:lnRef idx="2">
-        <a:scrgbClr r="0" g="0" b="0"/>
-      </a:lnRef>
-      <a:fillRef idx="1">
-        <a:scrgbClr r="0" g="0" b="0"/>
-      </a:fillRef>
-      <a:effectRef idx="0">
-        <a:scrgbClr r="0" g="0" b="0"/>
-      </a:effectRef>
-      <a:fontRef idx="minor"/>
-    </dgm:style>
-  </dgm:styleLbl>
-  <dgm:styleLbl name="solidBgAcc1">
-    <dgm:scene3d>
-      <a:camera prst="orthographicFront"/>
-      <a:lightRig rig="threePt" dir="t"/>
-    </dgm:scene3d>
-    <dgm:sp3d/>
-    <dgm:txPr/>
-    <dgm:style>
-      <a:lnRef idx="2">
-        <a:scrgbClr r="0" g="0" b="0"/>
-      </a:lnRef>
-      <a:fillRef idx="1">
-        <a:scrgbClr r="0" g="0" b="0"/>
-      </a:fillRef>
-      <a:effectRef idx="0">
-        <a:scrgbClr r="0" g="0" b="0"/>
-      </a:effectRef>
-      <a:fontRef idx="minor"/>
-    </dgm:style>
-  </dgm:styleLbl>
-  <dgm:styleLbl name="fgAccFollowNode1">
-    <dgm:scene3d>
-      <a:camera prst="orthographicFront"/>
-      <a:lightRig rig="threePt" dir="t"/>
-    </dgm:scene3d>
-    <dgm:sp3d/>
-    <dgm:txPr/>
-    <dgm:style>
-      <a:lnRef idx="2">
-        <a:scrgbClr r="0" g="0" b="0"/>
-      </a:lnRef>
-      <a:fillRef idx="1">
-        <a:scrgbClr r="0" g="0" b="0"/>
-      </a:fillRef>
-      <a:effectRef idx="0">
-        <a:scrgbClr r="0" g="0" b="0"/>
-      </a:effectRef>
-      <a:fontRef idx="minor"/>
-    </dgm:style>
-  </dgm:styleLbl>
-  <dgm:styleLbl name="alignAccFollowNode1">
-    <dgm:scene3d>
-      <a:camera prst="orthographicFront"/>
-      <a:lightRig rig="threePt" dir="t"/>
-    </dgm:scene3d>
-    <dgm:sp3d/>
-    <dgm:txPr/>
-    <dgm:style>
-      <a:lnRef idx="2">
-        <a:scrgbClr r="0" g="0" b="0"/>
-      </a:lnRef>
-      <a:fillRef idx="1">
-        <a:scrgbClr r="0" g="0" b="0"/>
-      </a:fillRef>
-      <a:effectRef idx="0">
-        <a:scrgbClr r="0" g="0" b="0"/>
-      </a:effectRef>
-      <a:fontRef idx="minor"/>
-    </dgm:style>
-  </dgm:styleLbl>
-  <dgm:styleLbl name="bgAccFollowNode1">
-    <dgm:scene3d>
-      <a:camera prst="orthographicFront"/>
-      <a:lightRig rig="threePt" dir="t"/>
-    </dgm:scene3d>
-    <dgm:sp3d/>
-    <dgm:txPr/>
-    <dgm:style>
-      <a:lnRef idx="2">
-        <a:scrgbClr r="0" g="0" b="0"/>
-      </a:lnRef>
-      <a:fillRef idx="1">
-        <a:scrgbClr r="0" g="0" b="0"/>
-      </a:fillRef>
-      <a:effectRef idx="0">
-        <a:scrgbClr r="0" g="0" b="0"/>
-      </a:effectRef>
-      <a:fontRef idx="minor"/>
-    </dgm:style>
-  </dgm:styleLbl>
-  <dgm:styleLbl name="fgAcc0">
-    <dgm:scene3d>
-      <a:camera prst="orthographicFront"/>
-      <a:lightRig rig="threePt" dir="t"/>
-    </dgm:scene3d>
-    <dgm:sp3d/>
-    <dgm:txPr/>
-    <dgm:style>
-      <a:lnRef idx="2">
-        <a:scrgbClr r="0" g="0" b="0"/>
-      </a:lnRef>
-      <a:fillRef idx="1">
-        <a:scrgbClr r="0" g="0" b="0"/>
-      </a:fillRef>
-      <a:effectRef idx="0">
-        <a:scrgbClr r="0" g="0" b="0"/>
-      </a:effectRef>
-      <a:fontRef idx="minor"/>
-    </dgm:style>
-  </dgm:styleLbl>
-  <dgm:styleLbl name="fgAcc2">
-    <dgm:scene3d>
-      <a:camera prst="orthographicFront"/>
-      <a:lightRig rig="threePt" dir="t"/>
-    </dgm:scene3d>
-    <dgm:sp3d/>
-    <dgm:txPr/>
-    <dgm:style>
-      <a:lnRef idx="2">
-        <a:scrgbClr r="0" g="0" b="0"/>
-      </a:lnRef>
-      <a:fillRef idx="1">
-        <a:scrgbClr r="0" g="0" b="0"/>
-      </a:fillRef>
-      <a:effectRef idx="0">
-        <a:scrgbClr r="0" g="0" b="0"/>
-      </a:effectRef>
-      <a:fontRef idx="minor"/>
-    </dgm:style>
-  </dgm:styleLbl>
-  <dgm:styleLbl name="fgAcc3">
-    <dgm:scene3d>
-      <a:camera prst="orthographicFront"/>
-      <a:lightRig rig="threePt" dir="t"/>
-    </dgm:scene3d>
-    <dgm:sp3d/>
-    <dgm:txPr/>
-    <dgm:style>
-      <a:lnRef idx="2">
-        <a:scrgbClr r="0" g="0" b="0"/>
-      </a:lnRef>
-      <a:fillRef idx="1">
-        <a:scrgbClr r="0" g="0" b="0"/>
-      </a:fillRef>
-      <a:effectRef idx="0">
-        <a:scrgbClr r="0" g="0" b="0"/>
-      </a:effectRef>
-      <a:fontRef idx="minor"/>
-    </dgm:style>
-  </dgm:styleLbl>
-  <dgm:styleLbl name="fgAcc4">
-    <dgm:scene3d>
-      <a:camera prst="orthographicFront"/>
-      <a:lightRig rig="threePt" dir="t"/>
-    </dgm:scene3d>
-    <dgm:sp3d/>
-    <dgm:txPr/>
-    <dgm:style>
-      <a:lnRef idx="2">
-        <a:scrgbClr r="0" g="0" b="0"/>
-      </a:lnRef>
-      <a:fillRef idx="1">
-        <a:scrgbClr r="0" g="0" b="0"/>
-      </a:fillRef>
-      <a:effectRef idx="0">
-        <a:scrgbClr r="0" g="0" b="0"/>
-      </a:effectRef>
-      <a:fontRef idx="minor"/>
-    </dgm:style>
-  </dgm:styleLbl>
-  <dgm:styleLbl name="bgShp">
-    <dgm:scene3d>
-      <a:camera prst="orthographicFront"/>
-      <a:lightRig rig="threePt" dir="t"/>
-    </dgm:scene3d>
-    <dgm:sp3d/>
-    <dgm:txPr/>
-    <dgm:style>
-      <a:lnRef idx="0">
-        <a:scrgbClr r="0" g="0" b="0"/>
-      </a:lnRef>
-      <a:fillRef idx="1">
-        <a:scrgbClr r="0" g="0" b="0"/>
-      </a:fillRef>
-      <a:effectRef idx="0">
-        <a:scrgbClr r="0" g="0" b="0"/>
-      </a:effectRef>
-      <a:fontRef idx="minor"/>
-    </dgm:style>
-  </dgm:styleLbl>
-  <dgm:styleLbl name="dkBgShp">
-    <dgm:scene3d>
-      <a:camera prst="orthographicFront"/>
-      <a:lightRig rig="threePt" dir="t"/>
-    </dgm:scene3d>
-    <dgm:sp3d/>
-    <dgm:txPr/>
-    <dgm:style>
-      <a:lnRef idx="0">
-        <a:scrgbClr r="0" g="0" b="0"/>
-      </a:lnRef>
-      <a:fillRef idx="1">
-        <a:scrgbClr r="0" g="0" b="0"/>
-      </a:fillRef>
-      <a:effectRef idx="0">
-        <a:scrgbClr r="0" g="0" b="0"/>
-      </a:effectRef>
-      <a:fontRef idx="minor"/>
-    </dgm:style>
-  </dgm:styleLbl>
-  <dgm:styleLbl name="trBgShp">
-    <dgm:scene3d>
-      <a:camera prst="orthographicFront"/>
-      <a:lightRig rig="threePt" dir="t"/>
-    </dgm:scene3d>
-    <dgm:sp3d/>
-    <dgm:txPr/>
-    <dgm:style>
-      <a:lnRef idx="0">
-        <a:scrgbClr r="0" g="0" b="0"/>
-      </a:lnRef>
-      <a:fillRef idx="1">
-        <a:scrgbClr r="0" g="0" b="0"/>
-      </a:fillRef>
-      <a:effectRef idx="0">
-        <a:scrgbClr r="0" g="0" b="0"/>
-      </a:effectRef>
-      <a:fontRef idx="minor"/>
-    </dgm:style>
-  </dgm:styleLbl>
-  <dgm:styleLbl name="fgShp">
-    <dgm:scene3d>
-      <a:camera prst="orthographicFront"/>
-      <a:lightRig rig="threePt" dir="t"/>
-    </dgm:scene3d>
-    <dgm:sp3d/>
-    <dgm:txPr/>
-    <dgm:style>
-      <a:lnRef idx="2">
-        <a:scrgbClr r="0" g="0" b="0"/>
-      </a:lnRef>
-      <a:fillRef idx="1">
-        <a:scrgbClr r="0" g="0" b="0"/>
-      </a:fillRef>
-      <a:effectRef idx="0">
-        <a:scrgbClr r="0" g="0" b="0"/>
-      </a:effectRef>
-      <a:fontRef idx="minor"/>
-    </dgm:style>
-  </dgm:styleLbl>
-  <dgm:styleLbl name="revTx">
-    <dgm:scene3d>
-      <a:camera prst="orthographicFront"/>
-      <a:lightRig rig="threePt" dir="t"/>
-    </dgm:scene3d>
-    <dgm:sp3d/>
-    <dgm:txPr/>
-    <dgm:style>
-      <a:lnRef idx="0">
-        <a:scrgbClr r="0" g="0" b="0"/>
-      </a:lnRef>
-      <a:fillRef idx="0">
-        <a:scrgbClr r="0" g="0" b="0"/>
-      </a:fillRef>
-      <a:effectRef idx="0">
-        <a:scrgbClr r="0" g="0" b="0"/>
-      </a:effectRef>
-      <a:fontRef idx="minor"/>
-    </dgm:style>
-  </dgm:styleLbl>
-</dgm:styleDef>
-</file>
-
 <file path=ppt/notesMasters/notesMaster1.xml><?xml version="1.0" encoding="utf-8"?>
 <p:notesMaster xmlns:a="http://schemas.openxmlformats.org/drawingml/2006/main" xmlns:r="http://schemas.openxmlformats.org/officeDocument/2006/relationships" xmlns:p="http://schemas.openxmlformats.org/presentationml/2006/main">
   <p:cSld>
@@ -4516,14 +399,14 @@
           </a:ln>
           <a:extLst>
             <a:ext uri="{909E8E84-426E-40dd-AFC4-6F175D3DCCD1}">
-              <a14:hiddenFill xmlns="" xmlns:a14="http://schemas.microsoft.com/office/drawing/2010/main">
+              <a14:hiddenFill xmlns:a14="http://schemas.microsoft.com/office/drawing/2010/main" xmlns="">
                 <a:solidFill>
                   <a:srgbClr val="FFFFFF"/>
                 </a:solidFill>
               </a14:hiddenFill>
             </a:ext>
             <a:ext uri="{FAA26D3D-D897-4be2-8F04-BA451C77F1D7}">
-              <ma14:placeholderFlag xmlns="" xmlns:ma14="http://schemas.microsoft.com/office/mac/drawingml/2011/main" val="1"/>
+              <ma14:placeholderFlag xmlns:ma14="http://schemas.microsoft.com/office/mac/drawingml/2011/main" xmlns="" val="1"/>
             </a:ext>
           </a:extLst>
         </p:spPr>
@@ -6760,14 +2643,14 @@
           </a:ln>
           <a:extLst>
             <a:ext uri="{909E8E84-426E-40dd-AFC4-6F175D3DCCD1}">
-              <a14:hiddenFill xmlns="" xmlns:a14="http://schemas.microsoft.com/office/drawing/2010/main">
+              <a14:hiddenFill xmlns:a14="http://schemas.microsoft.com/office/drawing/2010/main" xmlns="">
                 <a:solidFill>
                   <a:srgbClr val="FFFFFF"/>
                 </a:solidFill>
               </a14:hiddenFill>
             </a:ext>
             <a:ext uri="{91240B29-F687-4f45-9708-019B960494DF}">
-              <a14:hiddenLine xmlns="" xmlns:a14="http://schemas.microsoft.com/office/drawing/2010/main" w="9525">
+              <a14:hiddenLine xmlns:a14="http://schemas.microsoft.com/office/drawing/2010/main" xmlns="" w="9525">
                 <a:solidFill>
                   <a:srgbClr val="000000"/>
                 </a:solidFill>
@@ -6777,7 +2660,7 @@
               </a14:hiddenLine>
             </a:ext>
             <a:ext uri="{FAA26D3D-D897-4be2-8F04-BA451C77F1D7}">
-              <ma14:placeholderFlag xmlns="" xmlns:ma14="http://schemas.microsoft.com/office/mac/drawingml/2011/main" val="1"/>
+              <ma14:placeholderFlag xmlns:ma14="http://schemas.microsoft.com/office/mac/drawingml/2011/main" xmlns="" val="1"/>
             </a:ext>
           </a:extLst>
         </p:spPr>
@@ -9114,14 +4997,14 @@
           </a:ln>
           <a:extLst>
             <a:ext uri="{909E8E84-426E-40dd-AFC4-6F175D3DCCD1}">
-              <a14:hiddenFill xmlns="" xmlns:a14="http://schemas.microsoft.com/office/drawing/2010/main">
+              <a14:hiddenFill xmlns:a14="http://schemas.microsoft.com/office/drawing/2010/main" xmlns="">
                 <a:solidFill>
                   <a:srgbClr val="FFFFFF"/>
                 </a:solidFill>
               </a14:hiddenFill>
             </a:ext>
             <a:ext uri="{91240B29-F687-4f45-9708-019B960494DF}">
-              <a14:hiddenLine xmlns="" xmlns:a14="http://schemas.microsoft.com/office/drawing/2010/main" w="9525">
+              <a14:hiddenLine xmlns:a14="http://schemas.microsoft.com/office/drawing/2010/main" xmlns="" w="9525">
                 <a:solidFill>
                   <a:srgbClr val="000000"/>
                 </a:solidFill>
@@ -9131,7 +5014,7 @@
               </a14:hiddenLine>
             </a:ext>
             <a:ext uri="{FAA26D3D-D897-4be2-8F04-BA451C77F1D7}">
-              <ma14:placeholderFlag xmlns="" xmlns:ma14="http://schemas.microsoft.com/office/mac/drawingml/2011/main" val="1"/>
+              <ma14:placeholderFlag xmlns:ma14="http://schemas.microsoft.com/office/mac/drawingml/2011/main" xmlns="" val="1"/>
             </a:ext>
           </a:extLst>
         </p:spPr>
@@ -9175,14 +5058,14 @@
           </a:ln>
           <a:extLst>
             <a:ext uri="{909E8E84-426E-40dd-AFC4-6F175D3DCCD1}">
-              <a14:hiddenFill xmlns="" xmlns:a14="http://schemas.microsoft.com/office/drawing/2010/main">
+              <a14:hiddenFill xmlns:a14="http://schemas.microsoft.com/office/drawing/2010/main" xmlns="">
                 <a:solidFill>
                   <a:srgbClr val="FFFFFF"/>
                 </a:solidFill>
               </a14:hiddenFill>
             </a:ext>
             <a:ext uri="{91240B29-F687-4f45-9708-019B960494DF}">
-              <a14:hiddenLine xmlns="" xmlns:a14="http://schemas.microsoft.com/office/drawing/2010/main" w="9525">
+              <a14:hiddenLine xmlns:a14="http://schemas.microsoft.com/office/drawing/2010/main" xmlns="" w="9525">
                 <a:solidFill>
                   <a:srgbClr val="000000"/>
                 </a:solidFill>
@@ -9192,7 +5075,7 @@
               </a14:hiddenLine>
             </a:ext>
             <a:ext uri="{FAA26D3D-D897-4be2-8F04-BA451C77F1D7}">
-              <ma14:placeholderFlag xmlns="" xmlns:ma14="http://schemas.microsoft.com/office/mac/drawingml/2011/main" val="1"/>
+              <ma14:placeholderFlag xmlns:ma14="http://schemas.microsoft.com/office/mac/drawingml/2011/main" xmlns="" val="1"/>
             </a:ext>
           </a:extLst>
         </p:spPr>
@@ -9792,304 +5675,6 @@
       </p:grpSpPr>
       <p:sp>
         <p:nvSpPr>
-          <p:cNvPr id="5" name="Inhaltsplatzhalter 17">
-            <a:extLst>
-              <a:ext uri="{FF2B5EF4-FFF2-40B4-BE49-F238E27FC236}">
-                <a16:creationId xmlns:a16="http://schemas.microsoft.com/office/drawing/2014/main" id="{307AC680-9B9E-41AE-8A9A-DF6C61C81BD7}"/>
-              </a:ext>
-            </a:extLst>
-          </p:cNvPr>
-          <p:cNvSpPr txBox="1">
-            <a:spLocks/>
-          </p:cNvSpPr>
-          <p:nvPr/>
-        </p:nvSpPr>
-        <p:spPr>
-          <a:xfrm>
-            <a:off x="1564070" y="3331510"/>
-            <a:ext cx="19402637" cy="20375048"/>
-          </a:xfrm>
-          <a:prstGeom prst="rect">
-            <a:avLst/>
-          </a:prstGeom>
-        </p:spPr>
-        <p:txBody>
-          <a:bodyPr/>
-          <a:lstStyle>
-            <a:lvl1pPr marL="1252652" indent="-1252652" algn="l" defTabSz="3348207" rtl="0" eaLnBrk="0" fontAlgn="base" hangingPunct="0">
-              <a:spcBef>
-                <a:spcPct val="20000"/>
-              </a:spcBef>
-              <a:spcAft>
-                <a:spcPct val="0"/>
-              </a:spcAft>
-              <a:buChar char="•"/>
-              <a:defRPr sz="11652">
-                <a:solidFill>
-                  <a:schemeClr val="tx1"/>
-                </a:solidFill>
-                <a:latin typeface="+mn-lt"/>
-                <a:ea typeface="ＭＳ Ｐゴシック" charset="0"/>
-                <a:cs typeface="+mn-cs"/>
-              </a:defRPr>
-            </a:lvl1pPr>
-            <a:lvl2pPr marL="2718370" indent="-1044266" algn="l" defTabSz="3348207" rtl="0" eaLnBrk="0" fontAlgn="base" hangingPunct="0">
-              <a:spcBef>
-                <a:spcPct val="20000"/>
-              </a:spcBef>
-              <a:spcAft>
-                <a:spcPct val="0"/>
-              </a:spcAft>
-              <a:buChar char="–"/>
-              <a:defRPr sz="10324">
-                <a:solidFill>
-                  <a:schemeClr val="tx1"/>
-                </a:solidFill>
-                <a:latin typeface="+mn-lt"/>
-                <a:ea typeface="ＭＳ Ｐゴシック" charset="0"/>
-              </a:defRPr>
-            </a:lvl2pPr>
-            <a:lvl3pPr marL="4184089" indent="-835882" algn="l" defTabSz="3348207" rtl="0" eaLnBrk="0" fontAlgn="base" hangingPunct="0">
-              <a:spcBef>
-                <a:spcPct val="20000"/>
-              </a:spcBef>
-              <a:spcAft>
-                <a:spcPct val="0"/>
-              </a:spcAft>
-              <a:buChar char="•"/>
-              <a:defRPr sz="8849">
-                <a:solidFill>
-                  <a:schemeClr val="tx1"/>
-                </a:solidFill>
-                <a:latin typeface="+mn-lt"/>
-                <a:ea typeface="ＭＳ Ｐゴシック" charset="0"/>
-              </a:defRPr>
-            </a:lvl3pPr>
-            <a:lvl4pPr marL="5862875" indent="-840565" algn="l" defTabSz="3348207" rtl="0" eaLnBrk="0" fontAlgn="base" hangingPunct="0">
-              <a:spcBef>
-                <a:spcPct val="20000"/>
-              </a:spcBef>
-              <a:spcAft>
-                <a:spcPct val="0"/>
-              </a:spcAft>
-              <a:buChar char="–"/>
-              <a:defRPr sz="7080">
-                <a:solidFill>
-                  <a:schemeClr val="tx1"/>
-                </a:solidFill>
-                <a:latin typeface="+mn-lt"/>
-                <a:ea typeface="ＭＳ Ｐゴシック" charset="0"/>
-              </a:defRPr>
-            </a:lvl4pPr>
-            <a:lvl5pPr marL="7536979" indent="-838223" algn="l" defTabSz="3348207" rtl="0" eaLnBrk="0" fontAlgn="base" hangingPunct="0">
-              <a:spcBef>
-                <a:spcPct val="20000"/>
-              </a:spcBef>
-              <a:spcAft>
-                <a:spcPct val="0"/>
-              </a:spcAft>
-              <a:buChar char="»"/>
-              <a:defRPr sz="7080">
-                <a:solidFill>
-                  <a:schemeClr val="tx1"/>
-                </a:solidFill>
-                <a:latin typeface="+mn-lt"/>
-                <a:ea typeface="ＭＳ Ｐゴシック" charset="0"/>
-              </a:defRPr>
-            </a:lvl5pPr>
-            <a:lvl6pPr marL="8211304" indent="-838223" algn="l" defTabSz="3348207" rtl="0" eaLnBrk="0" fontAlgn="base" hangingPunct="0">
-              <a:spcBef>
-                <a:spcPct val="20000"/>
-              </a:spcBef>
-              <a:spcAft>
-                <a:spcPct val="0"/>
-              </a:spcAft>
-              <a:buChar char="»"/>
-              <a:defRPr sz="7080">
-                <a:solidFill>
-                  <a:schemeClr val="tx1"/>
-                </a:solidFill>
-                <a:latin typeface="+mn-lt"/>
-              </a:defRPr>
-            </a:lvl6pPr>
-            <a:lvl7pPr marL="8885628" indent="-838223" algn="l" defTabSz="3348207" rtl="0" eaLnBrk="0" fontAlgn="base" hangingPunct="0">
-              <a:spcBef>
-                <a:spcPct val="20000"/>
-              </a:spcBef>
-              <a:spcAft>
-                <a:spcPct val="0"/>
-              </a:spcAft>
-              <a:buChar char="»"/>
-              <a:defRPr sz="7080">
-                <a:solidFill>
-                  <a:schemeClr val="tx1"/>
-                </a:solidFill>
-                <a:latin typeface="+mn-lt"/>
-              </a:defRPr>
-            </a:lvl7pPr>
-            <a:lvl8pPr marL="9559952" indent="-838223" algn="l" defTabSz="3348207" rtl="0" eaLnBrk="0" fontAlgn="base" hangingPunct="0">
-              <a:spcBef>
-                <a:spcPct val="20000"/>
-              </a:spcBef>
-              <a:spcAft>
-                <a:spcPct val="0"/>
-              </a:spcAft>
-              <a:buChar char="»"/>
-              <a:defRPr sz="7080">
-                <a:solidFill>
-                  <a:schemeClr val="tx1"/>
-                </a:solidFill>
-                <a:latin typeface="+mn-lt"/>
-              </a:defRPr>
-            </a:lvl8pPr>
-            <a:lvl9pPr marL="10234277" indent="-838223" algn="l" defTabSz="3348207" rtl="0" eaLnBrk="0" fontAlgn="base" hangingPunct="0">
-              <a:spcBef>
-                <a:spcPct val="20000"/>
-              </a:spcBef>
-              <a:spcAft>
-                <a:spcPct val="0"/>
-              </a:spcAft>
-              <a:buChar char="»"/>
-              <a:defRPr sz="7080">
-                <a:solidFill>
-                  <a:schemeClr val="tx1"/>
-                </a:solidFill>
-                <a:latin typeface="+mn-lt"/>
-              </a:defRPr>
-            </a:lvl9pPr>
-          </a:lstStyle>
-          <a:p>
-            <a:pPr marL="0" indent="0">
-              <a:buFontTx/>
-              <a:buNone/>
-            </a:pPr>
-            <a:r>
-              <a:rPr lang="de-AT" sz="4000" b="1" kern="0" dirty="0">
-                <a:effectLst/>
-              </a:rPr>
-              <a:t>Problembeschreibung</a:t>
-            </a:r>
-          </a:p>
-          <a:p>
-            <a:pPr marL="0" indent="0">
-              <a:buFontTx/>
-              <a:buNone/>
-            </a:pPr>
-            <a:endParaRPr lang="de-AT" sz="500" b="1" kern="0" dirty="0">
-              <a:effectLst/>
-            </a:endParaRPr>
-          </a:p>
-          <a:p>
-            <a:pPr>
-              <a:buFont typeface="Wingdings" panose="05000000000000000000" pitchFamily="2" charset="2"/>
-              <a:buChar char="Ø"/>
-            </a:pPr>
-            <a:r>
-              <a:rPr lang="de-AT" sz="3200" kern="0" dirty="0">
-                <a:effectLst/>
-              </a:rPr>
-              <a:t>Die derzeitige CRM-Lösung entspricht nicht den gewünschten Anforderungen</a:t>
-            </a:r>
-          </a:p>
-          <a:p>
-            <a:pPr>
-              <a:buFont typeface="Wingdings" panose="05000000000000000000" pitchFamily="2" charset="2"/>
-              <a:buChar char="Ø"/>
-            </a:pPr>
-            <a:endParaRPr lang="de-AT" sz="500" kern="0" dirty="0">
-              <a:effectLst/>
-            </a:endParaRPr>
-          </a:p>
-          <a:p>
-            <a:pPr marL="0" indent="0">
-              <a:buFontTx/>
-              <a:buNone/>
-            </a:pPr>
-            <a:r>
-              <a:rPr lang="de-AT" sz="4000" b="1" kern="0" dirty="0">
-                <a:effectLst/>
-              </a:rPr>
-              <a:t>Projektziel</a:t>
-            </a:r>
-          </a:p>
-          <a:p>
-            <a:pPr marL="0" indent="0">
-              <a:buFontTx/>
-              <a:buNone/>
-            </a:pPr>
-            <a:endParaRPr lang="de-AT" sz="500" b="1" kern="0" dirty="0">
-              <a:effectLst/>
-            </a:endParaRPr>
-          </a:p>
-          <a:p>
-            <a:pPr>
-              <a:buFont typeface="Wingdings" panose="05000000000000000000" pitchFamily="2" charset="2"/>
-              <a:buChar char="Ø"/>
-            </a:pPr>
-            <a:r>
-              <a:rPr lang="de-DE" sz="3200" kern="0" dirty="0">
-                <a:effectLst/>
-              </a:rPr>
-              <a:t>Entscheidung treffen ob die derzeitige CRM-Lösung erweitert werden sollte oder eine neu CRM-Lösung eingesetzt werden sollte</a:t>
-            </a:r>
-          </a:p>
-          <a:p>
-            <a:pPr>
-              <a:buFont typeface="Wingdings" panose="05000000000000000000" pitchFamily="2" charset="2"/>
-              <a:buChar char="Ø"/>
-            </a:pPr>
-            <a:r>
-              <a:rPr lang="de-DE" sz="3200" kern="0" dirty="0">
-                <a:effectLst/>
-              </a:rPr>
-              <a:t>Eine CRM-Lösung implementieren, die den gewünschten Anforderungen entspricht</a:t>
-            </a:r>
-            <a:endParaRPr lang="de-DE" sz="1000" kern="0" dirty="0">
-              <a:effectLst/>
-            </a:endParaRPr>
-          </a:p>
-          <a:p>
-            <a:pPr marL="0" indent="0">
-              <a:buNone/>
-            </a:pPr>
-            <a:endParaRPr lang="de-AT" sz="2000" b="1" kern="0" dirty="0">
-              <a:effectLst/>
-            </a:endParaRPr>
-          </a:p>
-          <a:p>
-            <a:pPr marL="0" indent="0">
-              <a:buFontTx/>
-              <a:buNone/>
-            </a:pPr>
-            <a:r>
-              <a:rPr lang="de-AT" sz="4000" b="1" kern="0" dirty="0">
-                <a:effectLst/>
-              </a:rPr>
-              <a:t>Vorgehensweise</a:t>
-            </a:r>
-          </a:p>
-          <a:p>
-            <a:pPr marL="0" indent="0">
-              <a:buFontTx/>
-              <a:buNone/>
-            </a:pPr>
-            <a:endParaRPr lang="de-AT" sz="500" kern="0" dirty="0">
-              <a:effectLst/>
-            </a:endParaRPr>
-          </a:p>
-          <a:p>
-            <a:pPr marL="0" indent="0">
-              <a:buFontTx/>
-              <a:buNone/>
-            </a:pPr>
-            <a:endParaRPr lang="de-AT" sz="4000" b="1" kern="0" dirty="0">
-              <a:effectLst/>
-            </a:endParaRPr>
-          </a:p>
-        </p:txBody>
-      </p:sp>
-      <p:sp>
-        <p:nvSpPr>
           <p:cNvPr id="24" name="Textfeld 23">
             <a:extLst>
               <a:ext uri="{FF2B5EF4-FFF2-40B4-BE49-F238E27FC236}">
@@ -10125,42 +5710,6 @@
           </a:p>
         </p:txBody>
       </p:sp>
-      <p:pic>
-        <p:nvPicPr>
-          <p:cNvPr id="58" name="Grafik 57">
-            <a:extLst>
-              <a:ext uri="{FF2B5EF4-FFF2-40B4-BE49-F238E27FC236}">
-                <a16:creationId xmlns:a16="http://schemas.microsoft.com/office/drawing/2014/main" id="{62277737-4AF5-43DA-840F-BE338B82939B}"/>
-              </a:ext>
-            </a:extLst>
-          </p:cNvPr>
-          <p:cNvPicPr>
-            <a:picLocks noChangeAspect="1"/>
-          </p:cNvPicPr>
-          <p:nvPr/>
-        </p:nvPicPr>
-        <p:blipFill>
-          <a:blip r:embed="rId2" cstate="email">
-            <a:extLst>
-              <a:ext uri="{28A0092B-C50C-407E-A947-70E740481C1C}">
-                <a14:useLocalDpi xmlns:a14="http://schemas.microsoft.com/office/drawing/2010/main" val="0"/>
-              </a:ext>
-            </a:extLst>
-          </a:blip>
-          <a:stretch>
-            <a:fillRect/>
-          </a:stretch>
-        </p:blipFill>
-        <p:spPr>
-          <a:xfrm>
-            <a:off x="647256" y="28488703"/>
-            <a:ext cx="2713656" cy="1296144"/>
-          </a:xfrm>
-          <a:prstGeom prst="rect">
-            <a:avLst/>
-          </a:prstGeom>
-        </p:spPr>
-      </p:pic>
       <p:sp>
         <p:nvSpPr>
           <p:cNvPr id="59" name="Textfeld 58">
@@ -10175,8 +5724,8 @@
         </p:nvSpPr>
         <p:spPr>
           <a:xfrm>
-            <a:off x="3743600" y="29395190"/>
-            <a:ext cx="9958688" cy="461665"/>
+            <a:off x="9504240" y="27967551"/>
+            <a:ext cx="14293445" cy="2246769"/>
           </a:xfrm>
           <a:prstGeom prst="rect">
             <a:avLst/>
@@ -10189,34 +5738,91 @@
           </a:bodyPr>
           <a:lstStyle/>
           <a:p>
-            <a:r>
-              <a:rPr lang="de-DE" dirty="0"/>
+            <a:endParaRPr lang="de-DE" sz="2800" dirty="0"/>
+          </a:p>
+          <a:p>
+            <a:r>
+              <a:rPr lang="de-DE" sz="2800" b="1" dirty="0">
+                <a:effectLst/>
+              </a:rPr>
+              <a:t>Projektpartner: </a:t>
+            </a:r>
+            <a:r>
+              <a:rPr lang="de-DE" sz="2800" dirty="0">
+                <a:effectLst/>
+              </a:rPr>
+              <a:t>Barbara </a:t>
+            </a:r>
+            <a:r>
+              <a:rPr lang="de-DE" sz="2800" dirty="0" err="1">
+                <a:effectLst/>
+              </a:rPr>
+              <a:t>Krumay</a:t>
+            </a:r>
+            <a:r>
+              <a:rPr lang="de-DE" sz="2800" dirty="0">
+                <a:effectLst/>
+              </a:rPr>
+              <a:t> &amp; David Christoph Rückel</a:t>
+            </a:r>
+          </a:p>
+          <a:p>
+            <a:endParaRPr lang="de-DE" sz="2800" dirty="0">
+              <a:effectLst/>
+            </a:endParaRPr>
+          </a:p>
+          <a:p>
+            <a:r>
+              <a:rPr lang="de-DE" sz="2800" b="1" dirty="0">
+                <a:effectLst/>
+              </a:rPr>
+              <a:t>Projektteam: </a:t>
+            </a:r>
+            <a:r>
+              <a:rPr lang="de-DE" sz="2800" dirty="0">
+                <a:effectLst/>
+              </a:rPr>
               <a:t>Maja </a:t>
             </a:r>
             <a:r>
-              <a:rPr lang="de-DE" dirty="0" err="1"/>
+              <a:rPr lang="de-DE" sz="2800" dirty="0" err="1">
+                <a:effectLst/>
+              </a:rPr>
               <a:t>Dusanic</a:t>
             </a:r>
             <a:r>
-              <a:rPr lang="de-DE" dirty="0"/>
-              <a:t>, Anel Ljutic, </a:t>
-            </a:r>
-            <a:r>
-              <a:rPr lang="de-DE" dirty="0" err="1"/>
-              <a:t>Merisa</a:t>
-            </a:r>
-            <a:r>
-              <a:rPr lang="de-DE" dirty="0"/>
+              <a:rPr lang="de-DE" sz="2800" dirty="0">
+                <a:effectLst/>
+              </a:rPr>
+              <a:t>, </a:t>
+            </a:r>
+            <a:r>
+              <a:rPr lang="de-DE" sz="2800" dirty="0" err="1">
+                <a:effectLst/>
+              </a:rPr>
+              <a:t>Anel</a:t>
+            </a:r>
+            <a:r>
+              <a:rPr lang="de-DE" sz="2800" dirty="0">
+                <a:effectLst/>
+              </a:rPr>
               <a:t> </a:t>
             </a:r>
             <a:r>
-              <a:rPr lang="de-DE" dirty="0" err="1"/>
-              <a:t>Pargan</a:t>
-            </a:r>
-            <a:r>
-              <a:rPr lang="de-DE" dirty="0"/>
-              <a:t>, Ivan Samardzic, Milos Tomic, </a:t>
-            </a:r>
+              <a:rPr lang="de-DE" sz="2800" dirty="0" err="1">
+                <a:effectLst/>
+              </a:rPr>
+              <a:t>Ljutic</a:t>
+            </a:r>
+            <a:r>
+              <a:rPr lang="de-DE" sz="2800" dirty="0">
+                <a:effectLst/>
+              </a:rPr>
+              <a:t>, Merisa Pargan, Ivan Samardzic, Milos Tomic</a:t>
+            </a:r>
+          </a:p>
+          <a:p>
+            <a:endParaRPr lang="de-DE" sz="2800" dirty="0"/>
           </a:p>
         </p:txBody>
       </p:sp>
@@ -10268,7 +5874,7 @@
           <p:nvPr/>
         </p:nvPicPr>
         <p:blipFill>
-          <a:blip r:embed="rId3">
+          <a:blip r:embed="rId2">
             <a:extLst>
               <a:ext uri="{28A0092B-C50C-407E-A947-70E740481C1C}">
                 <a14:useLocalDpi xmlns:a14="http://schemas.microsoft.com/office/drawing/2010/main" val="0"/>
@@ -10282,8 +5888,8 @@
         </p:blipFill>
         <p:spPr bwMode="auto">
           <a:xfrm>
-            <a:off x="37776784" y="400685"/>
-            <a:ext cx="2976456" cy="2237740"/>
+            <a:off x="37227320" y="400685"/>
+            <a:ext cx="3525920" cy="2906898"/>
           </a:xfrm>
           <a:prstGeom prst="rect">
             <a:avLst/>
@@ -10294,40 +5900,12 @@
           </a:ln>
         </p:spPr>
       </p:pic>
-      <p:graphicFrame>
-        <p:nvGraphicFramePr>
-          <p:cNvPr id="15" name="Diagramm 14">
+      <p:pic>
+        <p:nvPicPr>
+          <p:cNvPr id="3" name="Grafik 2">
             <a:extLst>
               <a:ext uri="{FF2B5EF4-FFF2-40B4-BE49-F238E27FC236}">
-                <a16:creationId xmlns:a16="http://schemas.microsoft.com/office/drawing/2014/main" id="{7A56763B-1C04-4827-AF86-9E3127B7E76C}"/>
-              </a:ext>
-            </a:extLst>
-          </p:cNvPr>
-          <p:cNvGraphicFramePr/>
-          <p:nvPr>
-            <p:extLst>
-              <p:ext uri="{D42A27DB-BD31-4B8C-83A1-F6EECF244321}">
-                <p14:modId xmlns:p14="http://schemas.microsoft.com/office/powerpoint/2010/main" val="898509411"/>
-              </p:ext>
-            </p:extLst>
-          </p:nvPr>
-        </p:nvGraphicFramePr>
-        <p:xfrm>
-          <a:off x="1007297" y="1881896"/>
-          <a:ext cx="20234248" cy="26511420"/>
-        </p:xfrm>
-        <a:graphic>
-          <a:graphicData uri="http://schemas.openxmlformats.org/drawingml/2006/diagram">
-            <dgm:relIds xmlns:dgm="http://schemas.openxmlformats.org/drawingml/2006/diagram" xmlns:r="http://schemas.openxmlformats.org/officeDocument/2006/relationships" r:dm="rId4" r:lo="rId5" r:qs="rId6" r:cs="rId7"/>
-          </a:graphicData>
-        </a:graphic>
-      </p:graphicFrame>
-      <p:pic>
-        <p:nvPicPr>
-          <p:cNvPr id="4" name="Grafik 3">
-            <a:extLst>
-              <a:ext uri="{FF2B5EF4-FFF2-40B4-BE49-F238E27FC236}">
-                <a16:creationId xmlns:a16="http://schemas.microsoft.com/office/drawing/2014/main" id="{987EBE9C-5F0F-1740-8EA6-65206ED22C52}"/>
+                <a16:creationId xmlns:a16="http://schemas.microsoft.com/office/drawing/2014/main" id="{0A4646D8-DBEF-4333-A2CC-F3581CFEECCE}"/>
               </a:ext>
             </a:extLst>
           </p:cNvPr>
@@ -10337,27 +5915,147 @@
           <p:nvPr/>
         </p:nvPicPr>
         <p:blipFill>
-          <a:blip r:embed="rId9"/>
+          <a:blip r:embed="rId3">
+            <a:extLst>
+              <a:ext uri="{28A0092B-C50C-407E-A947-70E740481C1C}">
+                <a14:useLocalDpi xmlns:a14="http://schemas.microsoft.com/office/drawing/2010/main" val="0"/>
+              </a:ext>
+            </a:extLst>
+          </a:blip>
           <a:stretch>
             <a:fillRect/>
           </a:stretch>
         </p:blipFill>
         <p:spPr>
           <a:xfrm>
-            <a:off x="20989283" y="16343753"/>
-            <a:ext cx="9066779" cy="10009112"/>
+            <a:off x="851337" y="7680619"/>
+            <a:ext cx="24826102" cy="19287011"/>
           </a:xfrm>
           <a:prstGeom prst="rect">
             <a:avLst/>
           </a:prstGeom>
         </p:spPr>
       </p:pic>
+      <p:sp>
+        <p:nvSpPr>
+          <p:cNvPr id="10" name="Textfeld 9">
+            <a:extLst>
+              <a:ext uri="{FF2B5EF4-FFF2-40B4-BE49-F238E27FC236}">
+                <a16:creationId xmlns:a16="http://schemas.microsoft.com/office/drawing/2014/main" id="{EDFBFF73-F504-CF47-8F7A-35415843973A}"/>
+              </a:ext>
+            </a:extLst>
+          </p:cNvPr>
+          <p:cNvSpPr txBox="1"/>
+          <p:nvPr/>
+        </p:nvSpPr>
+        <p:spPr>
+          <a:xfrm>
+            <a:off x="25128272" y="5581187"/>
+            <a:ext cx="16732903" cy="5509200"/>
+          </a:xfrm>
+          <a:prstGeom prst="rect">
+            <a:avLst/>
+          </a:prstGeom>
+          <a:noFill/>
+        </p:spPr>
+        <p:txBody>
+          <a:bodyPr wrap="square" rtlCol="0">
+            <a:spAutoFit/>
+          </a:bodyPr>
+          <a:lstStyle/>
+          <a:p>
+            <a:endParaRPr lang="de-DE" sz="4800" b="1" dirty="0">
+              <a:effectLst/>
+            </a:endParaRPr>
+          </a:p>
+          <a:p>
+            <a:r>
+              <a:rPr lang="de-DE" sz="4800" b="1" dirty="0">
+                <a:effectLst/>
+              </a:rPr>
+              <a:t>Voraussetzungen:</a:t>
+            </a:r>
+          </a:p>
+          <a:p>
+            <a:r>
+              <a:rPr lang="de-DE" sz="4800" dirty="0">
+                <a:effectLst/>
+              </a:rPr>
+              <a:t>Open Source Software, keine Lizenzprobleme, Zugriffsrecht von vier verschiedene Rollen, kein cloudbasiertes System </a:t>
+            </a:r>
+          </a:p>
+          <a:p>
+            <a:pPr marL="685800" indent="-685800">
+              <a:buFont typeface="Wingdings" panose="05000000000000000000" pitchFamily="2" charset="2"/>
+              <a:buChar char="v"/>
+            </a:pPr>
+            <a:endParaRPr lang="de-DE" sz="4400" dirty="0">
+              <a:effectLst/>
+            </a:endParaRPr>
+          </a:p>
+          <a:p>
+            <a:pPr marL="685800" indent="-685800">
+              <a:buFont typeface="Wingdings" panose="05000000000000000000" pitchFamily="2" charset="2"/>
+              <a:buChar char="v"/>
+            </a:pPr>
+            <a:endParaRPr lang="de-DE" sz="4400" dirty="0">
+              <a:effectLst/>
+            </a:endParaRPr>
+          </a:p>
+          <a:p>
+            <a:pPr lvl="1"/>
+            <a:endParaRPr lang="de-DE" dirty="0"/>
+          </a:p>
+          <a:p>
+            <a:pPr marL="342900" indent="-342900">
+              <a:buFont typeface="Wingdings" pitchFamily="2" charset="2"/>
+              <a:buChar char="Ø"/>
+            </a:pPr>
+            <a:endParaRPr lang="de-DE" dirty="0"/>
+          </a:p>
+          <a:p>
+            <a:pPr marL="342900" indent="-342900">
+              <a:buFont typeface="Arial" panose="020B0604020202020204" pitchFamily="34" charset="0"/>
+              <a:buChar char="•"/>
+            </a:pPr>
+            <a:endParaRPr lang="de-DE" dirty="0"/>
+          </a:p>
+        </p:txBody>
+      </p:sp>
       <p:pic>
         <p:nvPicPr>
-          <p:cNvPr id="6" name="Grafik 5">
+          <p:cNvPr id="14" name="Grafik 13">
             <a:extLst>
               <a:ext uri="{FF2B5EF4-FFF2-40B4-BE49-F238E27FC236}">
-                <a16:creationId xmlns:a16="http://schemas.microsoft.com/office/drawing/2014/main" id="{7CC213F8-B8B5-474F-8EB2-41D4333DD58C}"/>
+                <a16:creationId xmlns:a16="http://schemas.microsoft.com/office/drawing/2014/main" id="{E6A9592C-76BA-45A5-8E6D-97CF6D2FA26E}"/>
+              </a:ext>
+            </a:extLst>
+          </p:cNvPr>
+          <p:cNvPicPr/>
+          <p:nvPr/>
+        </p:nvPicPr>
+        <p:blipFill>
+          <a:blip r:embed="rId4"/>
+          <a:stretch>
+            <a:fillRect/>
+          </a:stretch>
+        </p:blipFill>
+        <p:spPr>
+          <a:xfrm>
+            <a:off x="185403" y="28467641"/>
+            <a:ext cx="8892315" cy="1246591"/>
+          </a:xfrm>
+          <a:prstGeom prst="rect">
+            <a:avLst/>
+          </a:prstGeom>
+        </p:spPr>
+      </p:pic>
+      <p:pic>
+        <p:nvPicPr>
+          <p:cNvPr id="11" name="Grafik 10">
+            <a:extLst>
+              <a:ext uri="{FF2B5EF4-FFF2-40B4-BE49-F238E27FC236}">
+                <a16:creationId xmlns:a16="http://schemas.microsoft.com/office/drawing/2014/main" id="{5BFD2AB8-6FD2-4A06-98E4-6569BC467826}"/>
               </a:ext>
             </a:extLst>
           </p:cNvPr>
@@ -10367,15 +6065,15 @@
           <p:nvPr/>
         </p:nvPicPr>
         <p:blipFill>
-          <a:blip r:embed="rId10"/>
+          <a:blip r:embed="rId5"/>
           <a:stretch>
             <a:fillRect/>
           </a:stretch>
         </p:blipFill>
         <p:spPr>
           <a:xfrm>
-            <a:off x="30818608" y="16343238"/>
-            <a:ext cx="9610117" cy="7855461"/>
+            <a:off x="25553127" y="17873910"/>
+            <a:ext cx="16929961" cy="8861944"/>
           </a:xfrm>
           <a:prstGeom prst="rect">
             <a:avLst/>
@@ -10384,10 +6082,55 @@
       </p:pic>
       <p:sp>
         <p:nvSpPr>
-          <p:cNvPr id="8" name="Textfeld 7">
+          <p:cNvPr id="12" name="Rechteck 11">
             <a:extLst>
               <a:ext uri="{FF2B5EF4-FFF2-40B4-BE49-F238E27FC236}">
-                <a16:creationId xmlns:a16="http://schemas.microsoft.com/office/drawing/2014/main" id="{2A6EA7C9-F514-D543-9D64-CA7831094039}"/>
+                <a16:creationId xmlns:a16="http://schemas.microsoft.com/office/drawing/2014/main" id="{8103EA79-D21B-4365-99E7-9DBCD09507C0}"/>
+              </a:ext>
+            </a:extLst>
+          </p:cNvPr>
+          <p:cNvSpPr/>
+          <p:nvPr/>
+        </p:nvSpPr>
+        <p:spPr>
+          <a:xfrm>
+            <a:off x="1439344" y="3307583"/>
+            <a:ext cx="26426936" cy="2308324"/>
+          </a:xfrm>
+          <a:prstGeom prst="rect">
+            <a:avLst/>
+          </a:prstGeom>
+        </p:spPr>
+        <p:txBody>
+          <a:bodyPr wrap="square">
+            <a:spAutoFit/>
+          </a:bodyPr>
+          <a:lstStyle/>
+          <a:p>
+            <a:endParaRPr lang="de-DE" sz="4800" dirty="0"/>
+          </a:p>
+          <a:p>
+            <a:r>
+              <a:rPr lang="de-DE" sz="4800" dirty="0">
+                <a:sym typeface="Wingdings" panose="05000000000000000000" pitchFamily="2" charset="2"/>
+              </a:rPr>
+              <a:t> </a:t>
+            </a:r>
+            <a:r>
+              <a:rPr lang="de-DE" sz="4800" dirty="0">
+                <a:effectLst/>
+              </a:rPr>
+              <a:t>Aufgrund fehlenden Funktionalitäten und geringer Usability muss eine Entscheidung getroffen werden, ob das derzeitige CRM-System erweitert oder eine neu CRM-Lösung eingesetzt werden sollte.</a:t>
+            </a:r>
+          </a:p>
+        </p:txBody>
+      </p:sp>
+      <p:sp>
+        <p:nvSpPr>
+          <p:cNvPr id="13" name="Textfeld 12">
+            <a:extLst>
+              <a:ext uri="{FF2B5EF4-FFF2-40B4-BE49-F238E27FC236}">
+                <a16:creationId xmlns:a16="http://schemas.microsoft.com/office/drawing/2014/main" id="{A8F9EA13-35A2-4A09-BDF7-BF3B4A4FC0AE}"/>
               </a:ext>
             </a:extLst>
           </p:cNvPr>
@@ -10396,8 +6139,8 @@
         </p:nvSpPr>
         <p:spPr>
           <a:xfrm>
-            <a:off x="31405644" y="14896688"/>
-            <a:ext cx="7125616" cy="1446550"/>
+            <a:off x="1069118" y="6440770"/>
+            <a:ext cx="10369152" cy="830997"/>
           </a:xfrm>
           <a:prstGeom prst="rect">
             <a:avLst/>
@@ -10411,22 +6154,47 @@
           <a:lstStyle/>
           <a:p>
             <a:r>
-              <a:rPr lang="de-DE" sz="8800" dirty="0" err="1"/>
-              <a:t>Odoo</a:t>
-            </a:r>
-            <a:r>
-              <a:rPr lang="de-DE" sz="8800" dirty="0"/>
-              <a:t> CRM</a:t>
-            </a:r>
-          </a:p>
-        </p:txBody>
-      </p:sp>
-      <p:sp>
-        <p:nvSpPr>
-          <p:cNvPr id="9" name="Textfeld 8">
+              <a:rPr lang="de-DE" sz="4800" b="1" dirty="0">
+                <a:effectLst/>
+              </a:rPr>
+              <a:t>Prozess</a:t>
+            </a:r>
+            <a:r>
+              <a:rPr lang="de-DE" b="1" dirty="0">
+                <a:effectLst/>
+              </a:rPr>
+              <a:t> </a:t>
+            </a:r>
+            <a:r>
+              <a:rPr lang="de-DE" sz="4800" b="1" dirty="0">
+                <a:effectLst/>
+              </a:rPr>
+              <a:t>der</a:t>
+            </a:r>
+            <a:r>
+              <a:rPr lang="de-DE" b="1" dirty="0">
+                <a:effectLst/>
+              </a:rPr>
+              <a:t> </a:t>
+            </a:r>
+            <a:r>
+              <a:rPr lang="de-DE" sz="4800" b="1" dirty="0">
+                <a:effectLst/>
+              </a:rPr>
+              <a:t>Vorgehensweise</a:t>
+            </a:r>
+            <a:endParaRPr lang="de-DE" b="1" dirty="0">
+              <a:effectLst/>
+            </a:endParaRPr>
+          </a:p>
+        </p:txBody>
+      </p:sp>
+      <p:sp>
+        <p:nvSpPr>
+          <p:cNvPr id="22" name="Textfeld 21">
             <a:extLst>
               <a:ext uri="{FF2B5EF4-FFF2-40B4-BE49-F238E27FC236}">
-                <a16:creationId xmlns:a16="http://schemas.microsoft.com/office/drawing/2014/main" id="{45792133-C09F-3B4C-B7EF-2A16DAB34524}"/>
+                <a16:creationId xmlns:a16="http://schemas.microsoft.com/office/drawing/2014/main" id="{44B95A16-F4B2-40AD-934E-CEEFAF831501}"/>
               </a:ext>
             </a:extLst>
           </p:cNvPr>
@@ -10435,8 +6203,8 @@
         </p:nvSpPr>
         <p:spPr>
           <a:xfrm>
-            <a:off x="21238056" y="14836433"/>
-            <a:ext cx="9066779" cy="1446550"/>
+            <a:off x="25128272" y="9509624"/>
+            <a:ext cx="9722785" cy="10064294"/>
           </a:xfrm>
           <a:prstGeom prst="rect">
             <a:avLst/>
@@ -10450,19 +6218,143 @@
           <a:lstStyle/>
           <a:p>
             <a:r>
-              <a:rPr lang="de-DE" sz="8800" dirty="0" err="1"/>
-              <a:t>CiviCRM</a:t>
-            </a:r>
-            <a:endParaRPr lang="de-DE" sz="8800" dirty="0"/>
-          </a:p>
-        </p:txBody>
-      </p:sp>
-      <p:sp>
-        <p:nvSpPr>
-          <p:cNvPr id="10" name="Textfeld 9">
+              <a:rPr lang="de-DE" sz="4800" b="1" dirty="0">
+                <a:effectLst/>
+              </a:rPr>
+              <a:t>Anforderungen der Stakeholder:</a:t>
+            </a:r>
+          </a:p>
+          <a:p>
+            <a:pPr marL="685800" indent="-685800">
+              <a:buFont typeface="Arial" panose="020B0604020202020204" pitchFamily="34" charset="0"/>
+              <a:buChar char="•"/>
+            </a:pPr>
+            <a:r>
+              <a:rPr lang="de-DE" sz="4800" dirty="0">
+                <a:effectLst/>
+              </a:rPr>
+              <a:t>Optimiertes Eventmanagement</a:t>
+            </a:r>
+          </a:p>
+          <a:p>
+            <a:pPr marL="685800" indent="-685800">
+              <a:buFont typeface="Arial" panose="020B0604020202020204" pitchFamily="34" charset="0"/>
+              <a:buChar char="•"/>
+            </a:pPr>
+            <a:r>
+              <a:rPr lang="de-DE" sz="4800" dirty="0">
+                <a:effectLst/>
+              </a:rPr>
+              <a:t>Einfache Kontaktverwaltung</a:t>
+            </a:r>
+          </a:p>
+          <a:p>
+            <a:pPr marL="685800" indent="-685800">
+              <a:buFont typeface="Arial" panose="020B0604020202020204" pitchFamily="34" charset="0"/>
+              <a:buChar char="•"/>
+            </a:pPr>
+            <a:r>
+              <a:rPr lang="de-DE" sz="4800" dirty="0">
+                <a:effectLst/>
+              </a:rPr>
+              <a:t>Optimierte Bearbeitung der Datensätze</a:t>
+            </a:r>
+          </a:p>
+          <a:p>
+            <a:pPr marL="685800" indent="-685800">
+              <a:buFont typeface="Arial" panose="020B0604020202020204" pitchFamily="34" charset="0"/>
+              <a:buChar char="•"/>
+            </a:pPr>
+            <a:r>
+              <a:rPr lang="de-DE" sz="4800" dirty="0">
+                <a:effectLst/>
+              </a:rPr>
+              <a:t>Bessere Benutzeroberfläche</a:t>
+            </a:r>
+          </a:p>
+          <a:p>
+            <a:pPr marL="685800" indent="-685800">
+              <a:buFont typeface="Arial" panose="020B0604020202020204" pitchFamily="34" charset="0"/>
+              <a:buChar char="•"/>
+            </a:pPr>
+            <a:r>
+              <a:rPr lang="de-DE" sz="4800" dirty="0">
+                <a:effectLst/>
+              </a:rPr>
+              <a:t>Konfiguration von E-Mail-Templates</a:t>
+            </a:r>
+          </a:p>
+          <a:p>
+            <a:pPr marL="685800" indent="-685800">
+              <a:buFont typeface="Arial" panose="020B0604020202020204" pitchFamily="34" charset="0"/>
+              <a:buChar char="•"/>
+            </a:pPr>
+            <a:r>
+              <a:rPr lang="de-DE" sz="4800" dirty="0">
+                <a:effectLst/>
+              </a:rPr>
+              <a:t>Massenemail</a:t>
+            </a:r>
+          </a:p>
+          <a:p>
+            <a:pPr marL="685800" indent="-685800">
+              <a:buFont typeface="Arial" panose="020B0604020202020204" pitchFamily="34" charset="0"/>
+              <a:buChar char="•"/>
+            </a:pPr>
+            <a:r>
+              <a:rPr lang="de-DE" sz="4800" dirty="0">
+                <a:effectLst/>
+              </a:rPr>
+              <a:t>Optimale Suchfunktion</a:t>
+            </a:r>
+          </a:p>
+          <a:p>
+            <a:pPr marL="685800" indent="-685800">
+              <a:buFont typeface="Arial" panose="020B0604020202020204" pitchFamily="34" charset="0"/>
+              <a:buChar char="•"/>
+            </a:pPr>
+            <a:r>
+              <a:rPr lang="de-DE" sz="4800" dirty="0">
+                <a:effectLst/>
+              </a:rPr>
+              <a:t>Einfacher Export von Daten</a:t>
+            </a:r>
+          </a:p>
+          <a:p>
+            <a:pPr marL="685800" indent="-685800">
+              <a:buFont typeface="Symbol" panose="05050102010706020507" pitchFamily="18" charset="2"/>
+              <a:buChar char="-"/>
+            </a:pPr>
+            <a:endParaRPr lang="de-DE" sz="4800" dirty="0">
+              <a:effectLst/>
+            </a:endParaRPr>
+          </a:p>
+          <a:p>
+            <a:pPr lvl="1"/>
+            <a:endParaRPr lang="de-DE" dirty="0"/>
+          </a:p>
+          <a:p>
+            <a:pPr marL="342900" indent="-342900">
+              <a:buFont typeface="Wingdings" pitchFamily="2" charset="2"/>
+              <a:buChar char="Ø"/>
+            </a:pPr>
+            <a:endParaRPr lang="de-DE" dirty="0"/>
+          </a:p>
+          <a:p>
+            <a:pPr marL="342900" indent="-342900">
+              <a:buFont typeface="Arial" panose="020B0604020202020204" pitchFamily="34" charset="0"/>
+              <a:buChar char="•"/>
+            </a:pPr>
+            <a:endParaRPr lang="de-DE" dirty="0"/>
+          </a:p>
+        </p:txBody>
+      </p:sp>
+      <p:sp>
+        <p:nvSpPr>
+          <p:cNvPr id="17" name="Textfeld 16">
             <a:extLst>
               <a:ext uri="{FF2B5EF4-FFF2-40B4-BE49-F238E27FC236}">
-                <a16:creationId xmlns:a16="http://schemas.microsoft.com/office/drawing/2014/main" id="{EDFBFF73-F504-CF47-8F7A-35415843973A}"/>
+                <a16:creationId xmlns:a16="http://schemas.microsoft.com/office/drawing/2014/main" id="{B2B29A9B-35E0-46CC-96BF-327672E00593}"/>
               </a:ext>
             </a:extLst>
           </p:cNvPr>
@@ -10471,8 +6363,78 @@
         </p:nvSpPr>
         <p:spPr>
           <a:xfrm>
-            <a:off x="22369098" y="4178436"/>
-            <a:ext cx="13590862" cy="9325630"/>
+            <a:off x="25707736" y="26089523"/>
+            <a:ext cx="5223590" cy="646331"/>
+          </a:xfrm>
+          <a:prstGeom prst="rect">
+            <a:avLst/>
+          </a:prstGeom>
+          <a:solidFill>
+            <a:schemeClr val="bg1"/>
+          </a:solidFill>
+        </p:spPr>
+        <p:txBody>
+          <a:bodyPr wrap="square" rtlCol="0">
+            <a:spAutoFit/>
+          </a:bodyPr>
+          <a:lstStyle/>
+          <a:p>
+            <a:r>
+              <a:rPr lang="de-DE" sz="3600" b="1" dirty="0">
+                <a:solidFill>
+                  <a:schemeClr val="tx1">
+                    <a:lumMod val="85000"/>
+                    <a:lumOff val="15000"/>
+                  </a:schemeClr>
+                </a:solidFill>
+                <a:effectLst/>
+              </a:rPr>
+              <a:t>Datenbank</a:t>
+            </a:r>
+            <a:r>
+              <a:rPr lang="de-DE" dirty="0"/>
+              <a:t> </a:t>
+            </a:r>
+            <a:r>
+              <a:rPr lang="de-DE" sz="3600" b="1" dirty="0">
+                <a:solidFill>
+                  <a:schemeClr val="tx1">
+                    <a:lumMod val="85000"/>
+                    <a:lumOff val="15000"/>
+                  </a:schemeClr>
+                </a:solidFill>
+                <a:effectLst/>
+              </a:rPr>
+              <a:t>backend</a:t>
+            </a:r>
+            <a:endParaRPr lang="de-DE" b="1" dirty="0">
+              <a:solidFill>
+                <a:schemeClr val="tx1">
+                  <a:lumMod val="85000"/>
+                  <a:lumOff val="15000"/>
+                </a:schemeClr>
+              </a:solidFill>
+              <a:effectLst/>
+            </a:endParaRPr>
+          </a:p>
+        </p:txBody>
+      </p:sp>
+      <p:sp>
+        <p:nvSpPr>
+          <p:cNvPr id="19" name="Textfeld 18">
+            <a:extLst>
+              <a:ext uri="{FF2B5EF4-FFF2-40B4-BE49-F238E27FC236}">
+                <a16:creationId xmlns:a16="http://schemas.microsoft.com/office/drawing/2014/main" id="{77677EEA-933B-4592-BC89-8EFE8B453A8B}"/>
+              </a:ext>
+            </a:extLst>
+          </p:cNvPr>
+          <p:cNvSpPr txBox="1"/>
+          <p:nvPr/>
+        </p:nvSpPr>
+        <p:spPr>
+          <a:xfrm>
+            <a:off x="34796227" y="9568223"/>
+            <a:ext cx="6835524" cy="7478970"/>
           </a:xfrm>
           <a:prstGeom prst="rect">
             <a:avLst/>
@@ -10485,142 +6447,74 @@
           </a:bodyPr>
           <a:lstStyle/>
           <a:p>
-            <a:r>
-              <a:rPr lang="de-DE" sz="4800" b="1" dirty="0"/>
-              <a:t>Anforderungen der Stakeholder:</a:t>
-            </a:r>
-          </a:p>
-          <a:p>
-            <a:endParaRPr lang="de-DE" sz="4800" b="1" dirty="0"/>
+            <a:endParaRPr lang="de-DE" sz="4800" dirty="0">
+              <a:effectLst/>
+            </a:endParaRPr>
           </a:p>
           <a:p>
             <a:pPr marL="685800" indent="-685800">
-              <a:buFont typeface="Wingdings" pitchFamily="2" charset="2"/>
-              <a:buChar char="Ø"/>
+              <a:buFont typeface="Times New Roman" panose="02020603050405020304" pitchFamily="18" charset="0"/>
+              <a:buChar char="+"/>
             </a:pPr>
             <a:r>
-              <a:rPr lang="de-DE" sz="3600" dirty="0"/>
-              <a:t>Zugriffsrechte: 4 verschiedene Rollen</a:t>
+              <a:rPr lang="de-DE" sz="4800" dirty="0">
+                <a:effectLst/>
+              </a:rPr>
+              <a:t>mobiler Zugriff</a:t>
             </a:r>
           </a:p>
           <a:p>
             <a:pPr marL="685800" indent="-685800">
-              <a:buFont typeface="Wingdings" pitchFamily="2" charset="2"/>
-              <a:buChar char="Ø"/>
+              <a:buFont typeface="Times New Roman" panose="02020603050405020304" pitchFamily="18" charset="0"/>
+              <a:buChar char="+"/>
             </a:pPr>
-            <a:endParaRPr lang="de-DE" sz="3600" dirty="0"/>
+            <a:r>
+              <a:rPr lang="de-DE" sz="4800" dirty="0">
+                <a:effectLst/>
+              </a:rPr>
+              <a:t>Zeiterfassung</a:t>
+            </a:r>
           </a:p>
           <a:p>
             <a:pPr marL="685800" indent="-685800">
-              <a:buFont typeface="Wingdings" pitchFamily="2" charset="2"/>
-              <a:buChar char="Ø"/>
+              <a:buFont typeface="Times New Roman" panose="02020603050405020304" pitchFamily="18" charset="0"/>
+              <a:buChar char="+"/>
             </a:pPr>
             <a:r>
-              <a:rPr lang="de-DE" sz="3600" dirty="0"/>
-              <a:t>Optimierte Bearbeitung der Datensätze</a:t>
+              <a:rPr lang="de-DE" sz="4800" dirty="0">
+                <a:effectLst/>
+              </a:rPr>
+              <a:t>Kalender bei der Terminverwaltung</a:t>
             </a:r>
           </a:p>
           <a:p>
             <a:pPr marL="685800" indent="-685800">
-              <a:buFont typeface="Wingdings" pitchFamily="2" charset="2"/>
-              <a:buChar char="Ø"/>
+              <a:buFont typeface="Times New Roman" panose="02020603050405020304" pitchFamily="18" charset="0"/>
+              <a:buChar char="+"/>
             </a:pPr>
-            <a:endParaRPr lang="de-DE" sz="3600" dirty="0"/>
+            <a:r>
+              <a:rPr lang="de-DE" sz="4800" dirty="0">
+                <a:effectLst/>
+              </a:rPr>
+              <a:t>Erkennung von   redundanten Daten</a:t>
+            </a:r>
           </a:p>
           <a:p>
             <a:pPr marL="685800" indent="-685800">
-              <a:buFont typeface="Wingdings" pitchFamily="2" charset="2"/>
-              <a:buChar char="Ø"/>
+              <a:buFont typeface="Times New Roman" panose="02020603050405020304" pitchFamily="18" charset="0"/>
+              <a:buChar char="+"/>
             </a:pPr>
             <a:r>
-              <a:rPr lang="de-DE" sz="3600" dirty="0"/>
-              <a:t>Optimierte Usability </a:t>
-            </a:r>
-          </a:p>
-          <a:p>
-            <a:pPr marL="685800" indent="-685800">
-              <a:buFont typeface="Wingdings" pitchFamily="2" charset="2"/>
-              <a:buChar char="Ø"/>
-            </a:pPr>
-            <a:endParaRPr lang="de-DE" sz="3600" dirty="0"/>
-          </a:p>
-          <a:p>
-            <a:pPr marL="685800" indent="-685800">
-              <a:buFont typeface="Wingdings" pitchFamily="2" charset="2"/>
-              <a:buChar char="Ø"/>
-            </a:pPr>
-            <a:r>
-              <a:rPr lang="de-DE" sz="3600" dirty="0"/>
-              <a:t>Konfiguration von E-Mail-Templates</a:t>
-            </a:r>
-          </a:p>
-          <a:p>
-            <a:pPr marL="685800" indent="-685800">
-              <a:buFont typeface="Wingdings" pitchFamily="2" charset="2"/>
-              <a:buChar char="Ø"/>
-            </a:pPr>
-            <a:endParaRPr lang="de-DE" sz="3600" dirty="0"/>
-          </a:p>
-          <a:p>
-            <a:pPr marL="685800" indent="-685800">
-              <a:buFont typeface="Wingdings" pitchFamily="2" charset="2"/>
-              <a:buChar char="Ø"/>
-            </a:pPr>
-            <a:r>
-              <a:rPr lang="de-DE" sz="3600" dirty="0"/>
-              <a:t>Optimiertes Eventmanagement</a:t>
-            </a:r>
-          </a:p>
-          <a:p>
-            <a:pPr marL="1143000" lvl="1" indent="-685800">
-              <a:buFont typeface="Wingdings" pitchFamily="2" charset="2"/>
-              <a:buChar char="Ø"/>
-            </a:pPr>
-            <a:r>
-              <a:rPr lang="de-DE" sz="3600" dirty="0"/>
-              <a:t>Event-Einladungen</a:t>
-            </a:r>
-          </a:p>
-          <a:p>
-            <a:pPr marL="1143000" lvl="1" indent="-685800">
-              <a:buFont typeface="Wingdings" pitchFamily="2" charset="2"/>
-              <a:buChar char="Ø"/>
-            </a:pPr>
-            <a:r>
-              <a:rPr lang="de-DE" sz="3600" dirty="0"/>
-              <a:t>Event-Tracking</a:t>
-            </a:r>
-          </a:p>
-          <a:p>
-            <a:pPr marL="1143000" lvl="1" indent="-685800">
-              <a:buFont typeface="Wingdings" pitchFamily="2" charset="2"/>
-              <a:buChar char="Ø"/>
-            </a:pPr>
-            <a:r>
-              <a:rPr lang="de-DE" sz="3600" dirty="0"/>
-              <a:t>Event-Reporting</a:t>
-            </a:r>
-          </a:p>
-          <a:p>
-            <a:pPr marL="800100" lvl="1" indent="-342900">
-              <a:buFont typeface="Wingdings" pitchFamily="2" charset="2"/>
-              <a:buChar char="Ø"/>
-            </a:pPr>
-            <a:endParaRPr lang="de-DE" dirty="0"/>
-          </a:p>
-          <a:p>
-            <a:pPr marL="342900" indent="-342900">
-              <a:buFont typeface="Wingdings" pitchFamily="2" charset="2"/>
-              <a:buChar char="Ø"/>
-            </a:pPr>
-            <a:endParaRPr lang="de-DE" dirty="0"/>
-          </a:p>
-          <a:p>
-            <a:pPr marL="342900" indent="-342900">
-              <a:buFont typeface="Arial" panose="020B0604020202020204" pitchFamily="34" charset="0"/>
-              <a:buChar char="•"/>
-            </a:pPr>
-            <a:endParaRPr lang="de-DE" dirty="0"/>
+              <a:rPr lang="de-DE" sz="4800" dirty="0">
+                <a:effectLst/>
+              </a:rPr>
+              <a:t>Anbindung an Soziale Netzwerke (Facebook)</a:t>
+            </a:r>
+          </a:p>
+          <a:p>
+            <a:endParaRPr lang="de-DE" sz="4800" dirty="0">
+              <a:effectLst/>
+            </a:endParaRPr>
           </a:p>
         </p:txBody>
       </p:sp>

--- a/PosterITprojekt_WINIE_CRM.pptx
+++ b/PosterITprojekt_WINIE_CRM.pptx
@@ -399,14 +399,14 @@
           </a:ln>
           <a:extLst>
             <a:ext uri="{909E8E84-426E-40dd-AFC4-6F175D3DCCD1}">
-              <a14:hiddenFill xmlns:a14="http://schemas.microsoft.com/office/drawing/2010/main" xmlns="">
+              <a14:hiddenFill xmlns="" xmlns:a14="http://schemas.microsoft.com/office/drawing/2010/main">
                 <a:solidFill>
                   <a:srgbClr val="FFFFFF"/>
                 </a:solidFill>
               </a14:hiddenFill>
             </a:ext>
             <a:ext uri="{FAA26D3D-D897-4be2-8F04-BA451C77F1D7}">
-              <ma14:placeholderFlag xmlns:ma14="http://schemas.microsoft.com/office/mac/drawingml/2011/main" xmlns="" val="1"/>
+              <ma14:placeholderFlag xmlns="" xmlns:ma14="http://schemas.microsoft.com/office/mac/drawingml/2011/main" val="1"/>
             </a:ext>
           </a:extLst>
         </p:spPr>
@@ -2643,14 +2643,14 @@
           </a:ln>
           <a:extLst>
             <a:ext uri="{909E8E84-426E-40dd-AFC4-6F175D3DCCD1}">
-              <a14:hiddenFill xmlns:a14="http://schemas.microsoft.com/office/drawing/2010/main" xmlns="">
+              <a14:hiddenFill xmlns="" xmlns:a14="http://schemas.microsoft.com/office/drawing/2010/main">
                 <a:solidFill>
                   <a:srgbClr val="FFFFFF"/>
                 </a:solidFill>
               </a14:hiddenFill>
             </a:ext>
             <a:ext uri="{91240B29-F687-4f45-9708-019B960494DF}">
-              <a14:hiddenLine xmlns:a14="http://schemas.microsoft.com/office/drawing/2010/main" xmlns="" w="9525">
+              <a14:hiddenLine xmlns="" xmlns:a14="http://schemas.microsoft.com/office/drawing/2010/main" w="9525">
                 <a:solidFill>
                   <a:srgbClr val="000000"/>
                 </a:solidFill>
@@ -2660,7 +2660,7 @@
               </a14:hiddenLine>
             </a:ext>
             <a:ext uri="{FAA26D3D-D897-4be2-8F04-BA451C77F1D7}">
-              <ma14:placeholderFlag xmlns:ma14="http://schemas.microsoft.com/office/mac/drawingml/2011/main" xmlns="" val="1"/>
+              <ma14:placeholderFlag xmlns="" xmlns:ma14="http://schemas.microsoft.com/office/mac/drawingml/2011/main" val="1"/>
             </a:ext>
           </a:extLst>
         </p:spPr>
@@ -4997,14 +4997,14 @@
           </a:ln>
           <a:extLst>
             <a:ext uri="{909E8E84-426E-40dd-AFC4-6F175D3DCCD1}">
-              <a14:hiddenFill xmlns:a14="http://schemas.microsoft.com/office/drawing/2010/main" xmlns="">
+              <a14:hiddenFill xmlns="" xmlns:a14="http://schemas.microsoft.com/office/drawing/2010/main">
                 <a:solidFill>
                   <a:srgbClr val="FFFFFF"/>
                 </a:solidFill>
               </a14:hiddenFill>
             </a:ext>
             <a:ext uri="{91240B29-F687-4f45-9708-019B960494DF}">
-              <a14:hiddenLine xmlns:a14="http://schemas.microsoft.com/office/drawing/2010/main" xmlns="" w="9525">
+              <a14:hiddenLine xmlns="" xmlns:a14="http://schemas.microsoft.com/office/drawing/2010/main" w="9525">
                 <a:solidFill>
                   <a:srgbClr val="000000"/>
                 </a:solidFill>
@@ -5014,7 +5014,7 @@
               </a14:hiddenLine>
             </a:ext>
             <a:ext uri="{FAA26D3D-D897-4be2-8F04-BA451C77F1D7}">
-              <ma14:placeholderFlag xmlns:ma14="http://schemas.microsoft.com/office/mac/drawingml/2011/main" xmlns="" val="1"/>
+              <ma14:placeholderFlag xmlns="" xmlns:ma14="http://schemas.microsoft.com/office/mac/drawingml/2011/main" val="1"/>
             </a:ext>
           </a:extLst>
         </p:spPr>
@@ -5058,14 +5058,14 @@
           </a:ln>
           <a:extLst>
             <a:ext uri="{909E8E84-426E-40dd-AFC4-6F175D3DCCD1}">
-              <a14:hiddenFill xmlns:a14="http://schemas.microsoft.com/office/drawing/2010/main" xmlns="">
+              <a14:hiddenFill xmlns="" xmlns:a14="http://schemas.microsoft.com/office/drawing/2010/main">
                 <a:solidFill>
                   <a:srgbClr val="FFFFFF"/>
                 </a:solidFill>
               </a14:hiddenFill>
             </a:ext>
             <a:ext uri="{91240B29-F687-4f45-9708-019B960494DF}">
-              <a14:hiddenLine xmlns:a14="http://schemas.microsoft.com/office/drawing/2010/main" xmlns="" w="9525">
+              <a14:hiddenLine xmlns="" xmlns:a14="http://schemas.microsoft.com/office/drawing/2010/main" w="9525">
                 <a:solidFill>
                   <a:srgbClr val="000000"/>
                 </a:solidFill>
@@ -5075,7 +5075,7 @@
               </a14:hiddenLine>
             </a:ext>
             <a:ext uri="{FAA26D3D-D897-4be2-8F04-BA451C77F1D7}">
-              <ma14:placeholderFlag xmlns:ma14="http://schemas.microsoft.com/office/mac/drawingml/2011/main" xmlns="" val="1"/>
+              <ma14:placeholderFlag xmlns="" xmlns:ma14="http://schemas.microsoft.com/office/mac/drawingml/2011/main" val="1"/>
             </a:ext>
           </a:extLst>
         </p:spPr>
@@ -5950,7 +5950,7 @@
         </p:nvSpPr>
         <p:spPr>
           <a:xfrm>
-            <a:off x="25128272" y="5581187"/>
+            <a:off x="25128272" y="5737379"/>
             <a:ext cx="16732903" cy="5509200"/>
           </a:xfrm>
           <a:prstGeom prst="rect">
@@ -5981,7 +5981,7 @@
               <a:rPr lang="de-DE" sz="4800" dirty="0">
                 <a:effectLst/>
               </a:rPr>
-              <a:t>Open Source Software, keine Lizenzprobleme, Zugriffsrecht von vier verschiedene Rollen, kein cloudbasiertes System </a:t>
+              <a:t>Open Source Software, keine Lizenzprobleme, Zugriffsrecht von vier verschiedenen Rollen, kein cloudbasiertes System </a:t>
             </a:r>
           </a:p>
           <a:p>
@@ -6050,12 +6050,380 @@
           </a:prstGeom>
         </p:spPr>
       </p:pic>
+      <p:sp>
+        <p:nvSpPr>
+          <p:cNvPr id="12" name="Rechteck 11">
+            <a:extLst>
+              <a:ext uri="{FF2B5EF4-FFF2-40B4-BE49-F238E27FC236}">
+                <a16:creationId xmlns:a16="http://schemas.microsoft.com/office/drawing/2014/main" id="{8103EA79-D21B-4365-99E7-9DBCD09507C0}"/>
+              </a:ext>
+            </a:extLst>
+          </p:cNvPr>
+          <p:cNvSpPr/>
+          <p:nvPr/>
+        </p:nvSpPr>
+        <p:spPr>
+          <a:xfrm>
+            <a:off x="1439344" y="3307583"/>
+            <a:ext cx="26426936" cy="2308324"/>
+          </a:xfrm>
+          <a:prstGeom prst="rect">
+            <a:avLst/>
+          </a:prstGeom>
+        </p:spPr>
+        <p:txBody>
+          <a:bodyPr wrap="square">
+            <a:spAutoFit/>
+          </a:bodyPr>
+          <a:lstStyle/>
+          <a:p>
+            <a:endParaRPr lang="de-DE" sz="4800" dirty="0"/>
+          </a:p>
+          <a:p>
+            <a:r>
+              <a:rPr lang="de-DE" sz="4800" dirty="0">
+                <a:sym typeface="Wingdings" panose="05000000000000000000" pitchFamily="2" charset="2"/>
+              </a:rPr>
+              <a:t> </a:t>
+            </a:r>
+            <a:r>
+              <a:rPr lang="de-DE" sz="4800" dirty="0">
+                <a:effectLst/>
+              </a:rPr>
+              <a:t>Aufgrund fehlender Funktionalitäten und geringer Usability muss eine Entscheidung getroffen werden, ob das derzeitige CRM-System erweitert oder eine neue CRM-Lösung eingesetzt werden sollte.</a:t>
+            </a:r>
+          </a:p>
+        </p:txBody>
+      </p:sp>
+      <p:sp>
+        <p:nvSpPr>
+          <p:cNvPr id="13" name="Textfeld 12">
+            <a:extLst>
+              <a:ext uri="{FF2B5EF4-FFF2-40B4-BE49-F238E27FC236}">
+                <a16:creationId xmlns:a16="http://schemas.microsoft.com/office/drawing/2014/main" id="{A8F9EA13-35A2-4A09-BDF7-BF3B4A4FC0AE}"/>
+              </a:ext>
+            </a:extLst>
+          </p:cNvPr>
+          <p:cNvSpPr txBox="1"/>
+          <p:nvPr/>
+        </p:nvSpPr>
+        <p:spPr>
+          <a:xfrm>
+            <a:off x="1069118" y="6440770"/>
+            <a:ext cx="10369152" cy="830997"/>
+          </a:xfrm>
+          <a:prstGeom prst="rect">
+            <a:avLst/>
+          </a:prstGeom>
+          <a:noFill/>
+        </p:spPr>
+        <p:txBody>
+          <a:bodyPr wrap="square" rtlCol="0">
+            <a:spAutoFit/>
+          </a:bodyPr>
+          <a:lstStyle/>
+          <a:p>
+            <a:r>
+              <a:rPr lang="de-DE" sz="4800" b="1" dirty="0">
+                <a:effectLst/>
+              </a:rPr>
+              <a:t>Prozess</a:t>
+            </a:r>
+            <a:r>
+              <a:rPr lang="de-DE" b="1" dirty="0">
+                <a:effectLst/>
+              </a:rPr>
+              <a:t> </a:t>
+            </a:r>
+            <a:r>
+              <a:rPr lang="de-DE" sz="4800" b="1" dirty="0">
+                <a:effectLst/>
+              </a:rPr>
+              <a:t>der</a:t>
+            </a:r>
+            <a:r>
+              <a:rPr lang="de-DE" b="1" dirty="0">
+                <a:effectLst/>
+              </a:rPr>
+              <a:t> </a:t>
+            </a:r>
+            <a:r>
+              <a:rPr lang="de-DE" sz="4800" b="1" dirty="0">
+                <a:effectLst/>
+              </a:rPr>
+              <a:t>Vorgehensweise</a:t>
+            </a:r>
+            <a:endParaRPr lang="de-DE" b="1" dirty="0">
+              <a:effectLst/>
+            </a:endParaRPr>
+          </a:p>
+        </p:txBody>
+      </p:sp>
+      <p:sp>
+        <p:nvSpPr>
+          <p:cNvPr id="22" name="Textfeld 21">
+            <a:extLst>
+              <a:ext uri="{FF2B5EF4-FFF2-40B4-BE49-F238E27FC236}">
+                <a16:creationId xmlns:a16="http://schemas.microsoft.com/office/drawing/2014/main" id="{44B95A16-F4B2-40AD-934E-CEEFAF831501}"/>
+              </a:ext>
+            </a:extLst>
+          </p:cNvPr>
+          <p:cNvSpPr txBox="1"/>
+          <p:nvPr/>
+        </p:nvSpPr>
+        <p:spPr>
+          <a:xfrm>
+            <a:off x="25128272" y="9456090"/>
+            <a:ext cx="9722785" cy="10064294"/>
+          </a:xfrm>
+          <a:prstGeom prst="rect">
+            <a:avLst/>
+          </a:prstGeom>
+          <a:noFill/>
+        </p:spPr>
+        <p:txBody>
+          <a:bodyPr wrap="square" rtlCol="0">
+            <a:spAutoFit/>
+          </a:bodyPr>
+          <a:lstStyle/>
+          <a:p>
+            <a:r>
+              <a:rPr lang="de-DE" sz="4800" b="1" dirty="0">
+                <a:effectLst/>
+              </a:rPr>
+              <a:t>Anforderungen der Stakeholder:</a:t>
+            </a:r>
+          </a:p>
+          <a:p>
+            <a:pPr marL="685800" indent="-685800">
+              <a:buFont typeface="Arial" panose="020B0604020202020204" pitchFamily="34" charset="0"/>
+              <a:buChar char="•"/>
+            </a:pPr>
+            <a:r>
+              <a:rPr lang="de-DE" sz="4800" dirty="0">
+                <a:effectLst/>
+              </a:rPr>
+              <a:t>Optimiertes Eventmanagement</a:t>
+            </a:r>
+          </a:p>
+          <a:p>
+            <a:pPr marL="685800" indent="-685800">
+              <a:buFont typeface="Arial" panose="020B0604020202020204" pitchFamily="34" charset="0"/>
+              <a:buChar char="•"/>
+            </a:pPr>
+            <a:r>
+              <a:rPr lang="de-DE" sz="4800" dirty="0">
+                <a:effectLst/>
+              </a:rPr>
+              <a:t>Einfache Kontaktverwaltung</a:t>
+            </a:r>
+          </a:p>
+          <a:p>
+            <a:pPr marL="685800" indent="-685800">
+              <a:buFont typeface="Arial" panose="020B0604020202020204" pitchFamily="34" charset="0"/>
+              <a:buChar char="•"/>
+            </a:pPr>
+            <a:r>
+              <a:rPr lang="de-DE" sz="4800" dirty="0">
+                <a:effectLst/>
+              </a:rPr>
+              <a:t>Optimierte Bearbeitung der Datensätze</a:t>
+            </a:r>
+          </a:p>
+          <a:p>
+            <a:pPr marL="685800" indent="-685800">
+              <a:buFont typeface="Arial" panose="020B0604020202020204" pitchFamily="34" charset="0"/>
+              <a:buChar char="•"/>
+            </a:pPr>
+            <a:r>
+              <a:rPr lang="de-DE" sz="4800" dirty="0">
+                <a:effectLst/>
+              </a:rPr>
+              <a:t>Bessere Benutzeroberfläche</a:t>
+            </a:r>
+          </a:p>
+          <a:p>
+            <a:pPr marL="685800" indent="-685800">
+              <a:buFont typeface="Arial" panose="020B0604020202020204" pitchFamily="34" charset="0"/>
+              <a:buChar char="•"/>
+            </a:pPr>
+            <a:r>
+              <a:rPr lang="de-DE" sz="4800" dirty="0">
+                <a:effectLst/>
+              </a:rPr>
+              <a:t>Konfiguration von E-Mail-Templates</a:t>
+            </a:r>
+          </a:p>
+          <a:p>
+            <a:pPr marL="685800" indent="-685800">
+              <a:buFont typeface="Arial" panose="020B0604020202020204" pitchFamily="34" charset="0"/>
+              <a:buChar char="•"/>
+            </a:pPr>
+            <a:r>
+              <a:rPr lang="de-DE" sz="4800" dirty="0">
+                <a:effectLst/>
+              </a:rPr>
+              <a:t>Massenemail</a:t>
+            </a:r>
+          </a:p>
+          <a:p>
+            <a:pPr marL="685800" indent="-685800">
+              <a:buFont typeface="Arial" panose="020B0604020202020204" pitchFamily="34" charset="0"/>
+              <a:buChar char="•"/>
+            </a:pPr>
+            <a:r>
+              <a:rPr lang="de-DE" sz="4800" dirty="0">
+                <a:effectLst/>
+              </a:rPr>
+              <a:t>Optimale Suchfunktion</a:t>
+            </a:r>
+          </a:p>
+          <a:p>
+            <a:pPr marL="685800" indent="-685800">
+              <a:buFont typeface="Arial" panose="020B0604020202020204" pitchFamily="34" charset="0"/>
+              <a:buChar char="•"/>
+            </a:pPr>
+            <a:r>
+              <a:rPr lang="de-DE" sz="4800" dirty="0">
+                <a:effectLst/>
+              </a:rPr>
+              <a:t>Einfacher Export von Daten</a:t>
+            </a:r>
+          </a:p>
+          <a:p>
+            <a:pPr marL="685800" indent="-685800">
+              <a:buFont typeface="Symbol" panose="05050102010706020507" pitchFamily="18" charset="2"/>
+              <a:buChar char="-"/>
+            </a:pPr>
+            <a:endParaRPr lang="de-DE" sz="4800" dirty="0">
+              <a:effectLst/>
+            </a:endParaRPr>
+          </a:p>
+          <a:p>
+            <a:pPr lvl="1"/>
+            <a:endParaRPr lang="de-DE" dirty="0"/>
+          </a:p>
+          <a:p>
+            <a:pPr marL="342900" indent="-342900">
+              <a:buFont typeface="Wingdings" pitchFamily="2" charset="2"/>
+              <a:buChar char="Ø"/>
+            </a:pPr>
+            <a:endParaRPr lang="de-DE" dirty="0"/>
+          </a:p>
+          <a:p>
+            <a:pPr marL="342900" indent="-342900">
+              <a:buFont typeface="Arial" panose="020B0604020202020204" pitchFamily="34" charset="0"/>
+              <a:buChar char="•"/>
+            </a:pPr>
+            <a:endParaRPr lang="de-DE" dirty="0"/>
+          </a:p>
+        </p:txBody>
+      </p:sp>
+      <p:sp>
+        <p:nvSpPr>
+          <p:cNvPr id="19" name="Textfeld 18">
+            <a:extLst>
+              <a:ext uri="{FF2B5EF4-FFF2-40B4-BE49-F238E27FC236}">
+                <a16:creationId xmlns:a16="http://schemas.microsoft.com/office/drawing/2014/main" id="{77677EEA-933B-4592-BC89-8EFE8B453A8B}"/>
+              </a:ext>
+            </a:extLst>
+          </p:cNvPr>
+          <p:cNvSpPr txBox="1"/>
+          <p:nvPr/>
+        </p:nvSpPr>
+        <p:spPr>
+          <a:xfrm>
+            <a:off x="34796227" y="9456090"/>
+            <a:ext cx="6835524" cy="7478970"/>
+          </a:xfrm>
+          <a:prstGeom prst="rect">
+            <a:avLst/>
+          </a:prstGeom>
+          <a:noFill/>
+        </p:spPr>
+        <p:txBody>
+          <a:bodyPr wrap="square" rtlCol="0">
+            <a:spAutoFit/>
+          </a:bodyPr>
+          <a:lstStyle/>
+          <a:p>
+            <a:endParaRPr lang="de-DE" sz="4800" dirty="0">
+              <a:effectLst/>
+            </a:endParaRPr>
+          </a:p>
+          <a:p>
+            <a:pPr marL="685800" indent="-685800">
+              <a:buFont typeface="Times New Roman" panose="02020603050405020304" pitchFamily="18" charset="0"/>
+              <a:buChar char="+"/>
+            </a:pPr>
+            <a:r>
+              <a:rPr lang="de-DE" sz="4800" dirty="0">
+                <a:effectLst/>
+              </a:rPr>
+              <a:t>mobiler Zugriff</a:t>
+            </a:r>
+          </a:p>
+          <a:p>
+            <a:pPr marL="685800" indent="-685800">
+              <a:buFont typeface="Times New Roman" panose="02020603050405020304" pitchFamily="18" charset="0"/>
+              <a:buChar char="+"/>
+            </a:pPr>
+            <a:r>
+              <a:rPr lang="de-DE" sz="4800" dirty="0">
+                <a:effectLst/>
+              </a:rPr>
+              <a:t>Zeiterfassung</a:t>
+            </a:r>
+          </a:p>
+          <a:p>
+            <a:pPr marL="685800" indent="-685800">
+              <a:buFont typeface="Times New Roman" panose="02020603050405020304" pitchFamily="18" charset="0"/>
+              <a:buChar char="+"/>
+            </a:pPr>
+            <a:r>
+              <a:rPr lang="de-DE" sz="4800" dirty="0">
+                <a:effectLst/>
+              </a:rPr>
+              <a:t>Kalender bei der Terminverwaltung</a:t>
+            </a:r>
+          </a:p>
+          <a:p>
+            <a:pPr marL="685800" indent="-685800">
+              <a:buFont typeface="Times New Roman" panose="02020603050405020304" pitchFamily="18" charset="0"/>
+              <a:buChar char="+"/>
+            </a:pPr>
+            <a:r>
+              <a:rPr lang="de-DE" sz="4800" dirty="0">
+                <a:effectLst/>
+              </a:rPr>
+              <a:t>Erkennung von   redundanten Daten</a:t>
+            </a:r>
+          </a:p>
+          <a:p>
+            <a:pPr marL="685800" indent="-685800">
+              <a:buFont typeface="Times New Roman" panose="02020603050405020304" pitchFamily="18" charset="0"/>
+              <a:buChar char="+"/>
+            </a:pPr>
+            <a:r>
+              <a:rPr lang="de-DE" sz="4800" dirty="0">
+                <a:effectLst/>
+              </a:rPr>
+              <a:t>Anbindung an soziale Netzwerke (Facebook)</a:t>
+            </a:r>
+          </a:p>
+          <a:p>
+            <a:endParaRPr lang="de-DE" sz="4800" dirty="0">
+              <a:effectLst/>
+            </a:endParaRPr>
+          </a:p>
+        </p:txBody>
+      </p:sp>
       <p:pic>
         <p:nvPicPr>
-          <p:cNvPr id="11" name="Grafik 10">
+          <p:cNvPr id="5" name="Grafik 4">
             <a:extLst>
               <a:ext uri="{FF2B5EF4-FFF2-40B4-BE49-F238E27FC236}">
-                <a16:creationId xmlns:a16="http://schemas.microsoft.com/office/drawing/2014/main" id="{5BFD2AB8-6FD2-4A06-98E4-6569BC467826}"/>
+                <a16:creationId xmlns:a16="http://schemas.microsoft.com/office/drawing/2014/main" id="{709876B1-A45A-47EF-93E3-FC4FE83030D5}"/>
               </a:ext>
             </a:extLst>
           </p:cNvPr>
@@ -6072,452 +6440,14 @@
         </p:blipFill>
         <p:spPr>
           <a:xfrm>
-            <a:off x="25553127" y="17873910"/>
-            <a:ext cx="16929961" cy="8861944"/>
+            <a:off x="25673841" y="17729895"/>
+            <a:ext cx="16462828" cy="8928992"/>
           </a:xfrm>
           <a:prstGeom prst="rect">
             <a:avLst/>
           </a:prstGeom>
         </p:spPr>
       </p:pic>
-      <p:sp>
-        <p:nvSpPr>
-          <p:cNvPr id="12" name="Rechteck 11">
-            <a:extLst>
-              <a:ext uri="{FF2B5EF4-FFF2-40B4-BE49-F238E27FC236}">
-                <a16:creationId xmlns:a16="http://schemas.microsoft.com/office/drawing/2014/main" id="{8103EA79-D21B-4365-99E7-9DBCD09507C0}"/>
-              </a:ext>
-            </a:extLst>
-          </p:cNvPr>
-          <p:cNvSpPr/>
-          <p:nvPr/>
-        </p:nvSpPr>
-        <p:spPr>
-          <a:xfrm>
-            <a:off x="1439344" y="3307583"/>
-            <a:ext cx="26426936" cy="2308324"/>
-          </a:xfrm>
-          <a:prstGeom prst="rect">
-            <a:avLst/>
-          </a:prstGeom>
-        </p:spPr>
-        <p:txBody>
-          <a:bodyPr wrap="square">
-            <a:spAutoFit/>
-          </a:bodyPr>
-          <a:lstStyle/>
-          <a:p>
-            <a:endParaRPr lang="de-DE" sz="4800" dirty="0"/>
-          </a:p>
-          <a:p>
-            <a:r>
-              <a:rPr lang="de-DE" sz="4800" dirty="0">
-                <a:sym typeface="Wingdings" panose="05000000000000000000" pitchFamily="2" charset="2"/>
-              </a:rPr>
-              <a:t> </a:t>
-            </a:r>
-            <a:r>
-              <a:rPr lang="de-DE" sz="4800" dirty="0">
-                <a:effectLst/>
-              </a:rPr>
-              <a:t>Aufgrund fehlenden Funktionalitäten und geringer Usability muss eine Entscheidung getroffen werden, ob das derzeitige CRM-System erweitert oder eine neu CRM-Lösung eingesetzt werden sollte.</a:t>
-            </a:r>
-          </a:p>
-        </p:txBody>
-      </p:sp>
-      <p:sp>
-        <p:nvSpPr>
-          <p:cNvPr id="13" name="Textfeld 12">
-            <a:extLst>
-              <a:ext uri="{FF2B5EF4-FFF2-40B4-BE49-F238E27FC236}">
-                <a16:creationId xmlns:a16="http://schemas.microsoft.com/office/drawing/2014/main" id="{A8F9EA13-35A2-4A09-BDF7-BF3B4A4FC0AE}"/>
-              </a:ext>
-            </a:extLst>
-          </p:cNvPr>
-          <p:cNvSpPr txBox="1"/>
-          <p:nvPr/>
-        </p:nvSpPr>
-        <p:spPr>
-          <a:xfrm>
-            <a:off x="1069118" y="6440770"/>
-            <a:ext cx="10369152" cy="830997"/>
-          </a:xfrm>
-          <a:prstGeom prst="rect">
-            <a:avLst/>
-          </a:prstGeom>
-          <a:noFill/>
-        </p:spPr>
-        <p:txBody>
-          <a:bodyPr wrap="square" rtlCol="0">
-            <a:spAutoFit/>
-          </a:bodyPr>
-          <a:lstStyle/>
-          <a:p>
-            <a:r>
-              <a:rPr lang="de-DE" sz="4800" b="1" dirty="0">
-                <a:effectLst/>
-              </a:rPr>
-              <a:t>Prozess</a:t>
-            </a:r>
-            <a:r>
-              <a:rPr lang="de-DE" b="1" dirty="0">
-                <a:effectLst/>
-              </a:rPr>
-              <a:t> </a:t>
-            </a:r>
-            <a:r>
-              <a:rPr lang="de-DE" sz="4800" b="1" dirty="0">
-                <a:effectLst/>
-              </a:rPr>
-              <a:t>der</a:t>
-            </a:r>
-            <a:r>
-              <a:rPr lang="de-DE" b="1" dirty="0">
-                <a:effectLst/>
-              </a:rPr>
-              <a:t> </a:t>
-            </a:r>
-            <a:r>
-              <a:rPr lang="de-DE" sz="4800" b="1" dirty="0">
-                <a:effectLst/>
-              </a:rPr>
-              <a:t>Vorgehensweise</a:t>
-            </a:r>
-            <a:endParaRPr lang="de-DE" b="1" dirty="0">
-              <a:effectLst/>
-            </a:endParaRPr>
-          </a:p>
-        </p:txBody>
-      </p:sp>
-      <p:sp>
-        <p:nvSpPr>
-          <p:cNvPr id="22" name="Textfeld 21">
-            <a:extLst>
-              <a:ext uri="{FF2B5EF4-FFF2-40B4-BE49-F238E27FC236}">
-                <a16:creationId xmlns:a16="http://schemas.microsoft.com/office/drawing/2014/main" id="{44B95A16-F4B2-40AD-934E-CEEFAF831501}"/>
-              </a:ext>
-            </a:extLst>
-          </p:cNvPr>
-          <p:cNvSpPr txBox="1"/>
-          <p:nvPr/>
-        </p:nvSpPr>
-        <p:spPr>
-          <a:xfrm>
-            <a:off x="25128272" y="9509624"/>
-            <a:ext cx="9722785" cy="10064294"/>
-          </a:xfrm>
-          <a:prstGeom prst="rect">
-            <a:avLst/>
-          </a:prstGeom>
-          <a:noFill/>
-        </p:spPr>
-        <p:txBody>
-          <a:bodyPr wrap="square" rtlCol="0">
-            <a:spAutoFit/>
-          </a:bodyPr>
-          <a:lstStyle/>
-          <a:p>
-            <a:r>
-              <a:rPr lang="de-DE" sz="4800" b="1" dirty="0">
-                <a:effectLst/>
-              </a:rPr>
-              <a:t>Anforderungen der Stakeholder:</a:t>
-            </a:r>
-          </a:p>
-          <a:p>
-            <a:pPr marL="685800" indent="-685800">
-              <a:buFont typeface="Arial" panose="020B0604020202020204" pitchFamily="34" charset="0"/>
-              <a:buChar char="•"/>
-            </a:pPr>
-            <a:r>
-              <a:rPr lang="de-DE" sz="4800" dirty="0">
-                <a:effectLst/>
-              </a:rPr>
-              <a:t>Optimiertes Eventmanagement</a:t>
-            </a:r>
-          </a:p>
-          <a:p>
-            <a:pPr marL="685800" indent="-685800">
-              <a:buFont typeface="Arial" panose="020B0604020202020204" pitchFamily="34" charset="0"/>
-              <a:buChar char="•"/>
-            </a:pPr>
-            <a:r>
-              <a:rPr lang="de-DE" sz="4800" dirty="0">
-                <a:effectLst/>
-              </a:rPr>
-              <a:t>Einfache Kontaktverwaltung</a:t>
-            </a:r>
-          </a:p>
-          <a:p>
-            <a:pPr marL="685800" indent="-685800">
-              <a:buFont typeface="Arial" panose="020B0604020202020204" pitchFamily="34" charset="0"/>
-              <a:buChar char="•"/>
-            </a:pPr>
-            <a:r>
-              <a:rPr lang="de-DE" sz="4800" dirty="0">
-                <a:effectLst/>
-              </a:rPr>
-              <a:t>Optimierte Bearbeitung der Datensätze</a:t>
-            </a:r>
-          </a:p>
-          <a:p>
-            <a:pPr marL="685800" indent="-685800">
-              <a:buFont typeface="Arial" panose="020B0604020202020204" pitchFamily="34" charset="0"/>
-              <a:buChar char="•"/>
-            </a:pPr>
-            <a:r>
-              <a:rPr lang="de-DE" sz="4800" dirty="0">
-                <a:effectLst/>
-              </a:rPr>
-              <a:t>Bessere Benutzeroberfläche</a:t>
-            </a:r>
-          </a:p>
-          <a:p>
-            <a:pPr marL="685800" indent="-685800">
-              <a:buFont typeface="Arial" panose="020B0604020202020204" pitchFamily="34" charset="0"/>
-              <a:buChar char="•"/>
-            </a:pPr>
-            <a:r>
-              <a:rPr lang="de-DE" sz="4800" dirty="0">
-                <a:effectLst/>
-              </a:rPr>
-              <a:t>Konfiguration von E-Mail-Templates</a:t>
-            </a:r>
-          </a:p>
-          <a:p>
-            <a:pPr marL="685800" indent="-685800">
-              <a:buFont typeface="Arial" panose="020B0604020202020204" pitchFamily="34" charset="0"/>
-              <a:buChar char="•"/>
-            </a:pPr>
-            <a:r>
-              <a:rPr lang="de-DE" sz="4800" dirty="0">
-                <a:effectLst/>
-              </a:rPr>
-              <a:t>Massenemail</a:t>
-            </a:r>
-          </a:p>
-          <a:p>
-            <a:pPr marL="685800" indent="-685800">
-              <a:buFont typeface="Arial" panose="020B0604020202020204" pitchFamily="34" charset="0"/>
-              <a:buChar char="•"/>
-            </a:pPr>
-            <a:r>
-              <a:rPr lang="de-DE" sz="4800" dirty="0">
-                <a:effectLst/>
-              </a:rPr>
-              <a:t>Optimale Suchfunktion</a:t>
-            </a:r>
-          </a:p>
-          <a:p>
-            <a:pPr marL="685800" indent="-685800">
-              <a:buFont typeface="Arial" panose="020B0604020202020204" pitchFamily="34" charset="0"/>
-              <a:buChar char="•"/>
-            </a:pPr>
-            <a:r>
-              <a:rPr lang="de-DE" sz="4800" dirty="0">
-                <a:effectLst/>
-              </a:rPr>
-              <a:t>Einfacher Export von Daten</a:t>
-            </a:r>
-          </a:p>
-          <a:p>
-            <a:pPr marL="685800" indent="-685800">
-              <a:buFont typeface="Symbol" panose="05050102010706020507" pitchFamily="18" charset="2"/>
-              <a:buChar char="-"/>
-            </a:pPr>
-            <a:endParaRPr lang="de-DE" sz="4800" dirty="0">
-              <a:effectLst/>
-            </a:endParaRPr>
-          </a:p>
-          <a:p>
-            <a:pPr lvl="1"/>
-            <a:endParaRPr lang="de-DE" dirty="0"/>
-          </a:p>
-          <a:p>
-            <a:pPr marL="342900" indent="-342900">
-              <a:buFont typeface="Wingdings" pitchFamily="2" charset="2"/>
-              <a:buChar char="Ø"/>
-            </a:pPr>
-            <a:endParaRPr lang="de-DE" dirty="0"/>
-          </a:p>
-          <a:p>
-            <a:pPr marL="342900" indent="-342900">
-              <a:buFont typeface="Arial" panose="020B0604020202020204" pitchFamily="34" charset="0"/>
-              <a:buChar char="•"/>
-            </a:pPr>
-            <a:endParaRPr lang="de-DE" dirty="0"/>
-          </a:p>
-        </p:txBody>
-      </p:sp>
-      <p:sp>
-        <p:nvSpPr>
-          <p:cNvPr id="17" name="Textfeld 16">
-            <a:extLst>
-              <a:ext uri="{FF2B5EF4-FFF2-40B4-BE49-F238E27FC236}">
-                <a16:creationId xmlns:a16="http://schemas.microsoft.com/office/drawing/2014/main" id="{B2B29A9B-35E0-46CC-96BF-327672E00593}"/>
-              </a:ext>
-            </a:extLst>
-          </p:cNvPr>
-          <p:cNvSpPr txBox="1"/>
-          <p:nvPr/>
-        </p:nvSpPr>
-        <p:spPr>
-          <a:xfrm>
-            <a:off x="25707736" y="26089523"/>
-            <a:ext cx="5223590" cy="646331"/>
-          </a:xfrm>
-          <a:prstGeom prst="rect">
-            <a:avLst/>
-          </a:prstGeom>
-          <a:solidFill>
-            <a:schemeClr val="bg1"/>
-          </a:solidFill>
-        </p:spPr>
-        <p:txBody>
-          <a:bodyPr wrap="square" rtlCol="0">
-            <a:spAutoFit/>
-          </a:bodyPr>
-          <a:lstStyle/>
-          <a:p>
-            <a:r>
-              <a:rPr lang="de-DE" sz="3600" b="1" dirty="0">
-                <a:solidFill>
-                  <a:schemeClr val="tx1">
-                    <a:lumMod val="85000"/>
-                    <a:lumOff val="15000"/>
-                  </a:schemeClr>
-                </a:solidFill>
-                <a:effectLst/>
-              </a:rPr>
-              <a:t>Datenbank</a:t>
-            </a:r>
-            <a:r>
-              <a:rPr lang="de-DE" dirty="0"/>
-              <a:t> </a:t>
-            </a:r>
-            <a:r>
-              <a:rPr lang="de-DE" sz="3600" b="1" dirty="0">
-                <a:solidFill>
-                  <a:schemeClr val="tx1">
-                    <a:lumMod val="85000"/>
-                    <a:lumOff val="15000"/>
-                  </a:schemeClr>
-                </a:solidFill>
-                <a:effectLst/>
-              </a:rPr>
-              <a:t>backend</a:t>
-            </a:r>
-            <a:endParaRPr lang="de-DE" b="1" dirty="0">
-              <a:solidFill>
-                <a:schemeClr val="tx1">
-                  <a:lumMod val="85000"/>
-                  <a:lumOff val="15000"/>
-                </a:schemeClr>
-              </a:solidFill>
-              <a:effectLst/>
-            </a:endParaRPr>
-          </a:p>
-        </p:txBody>
-      </p:sp>
-      <p:sp>
-        <p:nvSpPr>
-          <p:cNvPr id="19" name="Textfeld 18">
-            <a:extLst>
-              <a:ext uri="{FF2B5EF4-FFF2-40B4-BE49-F238E27FC236}">
-                <a16:creationId xmlns:a16="http://schemas.microsoft.com/office/drawing/2014/main" id="{77677EEA-933B-4592-BC89-8EFE8B453A8B}"/>
-              </a:ext>
-            </a:extLst>
-          </p:cNvPr>
-          <p:cNvSpPr txBox="1"/>
-          <p:nvPr/>
-        </p:nvSpPr>
-        <p:spPr>
-          <a:xfrm>
-            <a:off x="34796227" y="9568223"/>
-            <a:ext cx="6835524" cy="7478970"/>
-          </a:xfrm>
-          <a:prstGeom prst="rect">
-            <a:avLst/>
-          </a:prstGeom>
-          <a:noFill/>
-        </p:spPr>
-        <p:txBody>
-          <a:bodyPr wrap="square" rtlCol="0">
-            <a:spAutoFit/>
-          </a:bodyPr>
-          <a:lstStyle/>
-          <a:p>
-            <a:endParaRPr lang="de-DE" sz="4800" dirty="0">
-              <a:effectLst/>
-            </a:endParaRPr>
-          </a:p>
-          <a:p>
-            <a:pPr marL="685800" indent="-685800">
-              <a:buFont typeface="Times New Roman" panose="02020603050405020304" pitchFamily="18" charset="0"/>
-              <a:buChar char="+"/>
-            </a:pPr>
-            <a:r>
-              <a:rPr lang="de-DE" sz="4800" dirty="0">
-                <a:effectLst/>
-              </a:rPr>
-              <a:t>mobiler Zugriff</a:t>
-            </a:r>
-          </a:p>
-          <a:p>
-            <a:pPr marL="685800" indent="-685800">
-              <a:buFont typeface="Times New Roman" panose="02020603050405020304" pitchFamily="18" charset="0"/>
-              <a:buChar char="+"/>
-            </a:pPr>
-            <a:r>
-              <a:rPr lang="de-DE" sz="4800" dirty="0">
-                <a:effectLst/>
-              </a:rPr>
-              <a:t>Zeiterfassung</a:t>
-            </a:r>
-          </a:p>
-          <a:p>
-            <a:pPr marL="685800" indent="-685800">
-              <a:buFont typeface="Times New Roman" panose="02020603050405020304" pitchFamily="18" charset="0"/>
-              <a:buChar char="+"/>
-            </a:pPr>
-            <a:r>
-              <a:rPr lang="de-DE" sz="4800" dirty="0">
-                <a:effectLst/>
-              </a:rPr>
-              <a:t>Kalender bei der Terminverwaltung</a:t>
-            </a:r>
-          </a:p>
-          <a:p>
-            <a:pPr marL="685800" indent="-685800">
-              <a:buFont typeface="Times New Roman" panose="02020603050405020304" pitchFamily="18" charset="0"/>
-              <a:buChar char="+"/>
-            </a:pPr>
-            <a:r>
-              <a:rPr lang="de-DE" sz="4800" dirty="0">
-                <a:effectLst/>
-              </a:rPr>
-              <a:t>Erkennung von   redundanten Daten</a:t>
-            </a:r>
-          </a:p>
-          <a:p>
-            <a:pPr marL="685800" indent="-685800">
-              <a:buFont typeface="Times New Roman" panose="02020603050405020304" pitchFamily="18" charset="0"/>
-              <a:buChar char="+"/>
-            </a:pPr>
-            <a:r>
-              <a:rPr lang="de-DE" sz="4800" dirty="0">
-                <a:effectLst/>
-              </a:rPr>
-              <a:t>Anbindung an Soziale Netzwerke (Facebook)</a:t>
-            </a:r>
-          </a:p>
-          <a:p>
-            <a:endParaRPr lang="de-DE" sz="4800" dirty="0">
-              <a:effectLst/>
-            </a:endParaRPr>
-          </a:p>
-        </p:txBody>
-      </p:sp>
     </p:spTree>
     <p:extLst>
       <p:ext uri="{BB962C8B-B14F-4D97-AF65-F5344CB8AC3E}">

--- a/PosterITprojekt_WINIE_CRM.pptx
+++ b/PosterITprojekt_WINIE_CRM.pptx
@@ -399,14 +399,14 @@
           </a:ln>
           <a:extLst>
             <a:ext uri="{909E8E84-426E-40dd-AFC4-6F175D3DCCD1}">
-              <a14:hiddenFill xmlns="" xmlns:a14="http://schemas.microsoft.com/office/drawing/2010/main">
+              <a14:hiddenFill xmlns:a14="http://schemas.microsoft.com/office/drawing/2010/main" xmlns="">
                 <a:solidFill>
                   <a:srgbClr val="FFFFFF"/>
                 </a:solidFill>
               </a14:hiddenFill>
             </a:ext>
             <a:ext uri="{FAA26D3D-D897-4be2-8F04-BA451C77F1D7}">
-              <ma14:placeholderFlag xmlns="" xmlns:ma14="http://schemas.microsoft.com/office/mac/drawingml/2011/main" val="1"/>
+              <ma14:placeholderFlag xmlns:ma14="http://schemas.microsoft.com/office/mac/drawingml/2011/main" xmlns="" val="1"/>
             </a:ext>
           </a:extLst>
         </p:spPr>
@@ -2643,14 +2643,14 @@
           </a:ln>
           <a:extLst>
             <a:ext uri="{909E8E84-426E-40dd-AFC4-6F175D3DCCD1}">
-              <a14:hiddenFill xmlns="" xmlns:a14="http://schemas.microsoft.com/office/drawing/2010/main">
+              <a14:hiddenFill xmlns:a14="http://schemas.microsoft.com/office/drawing/2010/main" xmlns="">
                 <a:solidFill>
                   <a:srgbClr val="FFFFFF"/>
                 </a:solidFill>
               </a14:hiddenFill>
             </a:ext>
             <a:ext uri="{91240B29-F687-4f45-9708-019B960494DF}">
-              <a14:hiddenLine xmlns="" xmlns:a14="http://schemas.microsoft.com/office/drawing/2010/main" w="9525">
+              <a14:hiddenLine xmlns:a14="http://schemas.microsoft.com/office/drawing/2010/main" xmlns="" w="9525">
                 <a:solidFill>
                   <a:srgbClr val="000000"/>
                 </a:solidFill>
@@ -2660,7 +2660,7 @@
               </a14:hiddenLine>
             </a:ext>
             <a:ext uri="{FAA26D3D-D897-4be2-8F04-BA451C77F1D7}">
-              <ma14:placeholderFlag xmlns="" xmlns:ma14="http://schemas.microsoft.com/office/mac/drawingml/2011/main" val="1"/>
+              <ma14:placeholderFlag xmlns:ma14="http://schemas.microsoft.com/office/mac/drawingml/2011/main" xmlns="" val="1"/>
             </a:ext>
           </a:extLst>
         </p:spPr>
@@ -4997,14 +4997,14 @@
           </a:ln>
           <a:extLst>
             <a:ext uri="{909E8E84-426E-40dd-AFC4-6F175D3DCCD1}">
-              <a14:hiddenFill xmlns="" xmlns:a14="http://schemas.microsoft.com/office/drawing/2010/main">
+              <a14:hiddenFill xmlns:a14="http://schemas.microsoft.com/office/drawing/2010/main" xmlns="">
                 <a:solidFill>
                   <a:srgbClr val="FFFFFF"/>
                 </a:solidFill>
               </a14:hiddenFill>
             </a:ext>
             <a:ext uri="{91240B29-F687-4f45-9708-019B960494DF}">
-              <a14:hiddenLine xmlns="" xmlns:a14="http://schemas.microsoft.com/office/drawing/2010/main" w="9525">
+              <a14:hiddenLine xmlns:a14="http://schemas.microsoft.com/office/drawing/2010/main" xmlns="" w="9525">
                 <a:solidFill>
                   <a:srgbClr val="000000"/>
                 </a:solidFill>
@@ -5014,7 +5014,7 @@
               </a14:hiddenLine>
             </a:ext>
             <a:ext uri="{FAA26D3D-D897-4be2-8F04-BA451C77F1D7}">
-              <ma14:placeholderFlag xmlns="" xmlns:ma14="http://schemas.microsoft.com/office/mac/drawingml/2011/main" val="1"/>
+              <ma14:placeholderFlag xmlns:ma14="http://schemas.microsoft.com/office/mac/drawingml/2011/main" xmlns="" val="1"/>
             </a:ext>
           </a:extLst>
         </p:spPr>
@@ -5058,14 +5058,14 @@
           </a:ln>
           <a:extLst>
             <a:ext uri="{909E8E84-426E-40dd-AFC4-6F175D3DCCD1}">
-              <a14:hiddenFill xmlns="" xmlns:a14="http://schemas.microsoft.com/office/drawing/2010/main">
+              <a14:hiddenFill xmlns:a14="http://schemas.microsoft.com/office/drawing/2010/main" xmlns="">
                 <a:solidFill>
                   <a:srgbClr val="FFFFFF"/>
                 </a:solidFill>
               </a14:hiddenFill>
             </a:ext>
             <a:ext uri="{91240B29-F687-4f45-9708-019B960494DF}">
-              <a14:hiddenLine xmlns="" xmlns:a14="http://schemas.microsoft.com/office/drawing/2010/main" w="9525">
+              <a14:hiddenLine xmlns:a14="http://schemas.microsoft.com/office/drawing/2010/main" xmlns="" w="9525">
                 <a:solidFill>
                   <a:srgbClr val="000000"/>
                 </a:solidFill>
@@ -5075,7 +5075,7 @@
               </a14:hiddenLine>
             </a:ext>
             <a:ext uri="{FAA26D3D-D897-4be2-8F04-BA451C77F1D7}">
-              <ma14:placeholderFlag xmlns="" xmlns:ma14="http://schemas.microsoft.com/office/mac/drawingml/2011/main" val="1"/>
+              <ma14:placeholderFlag xmlns:ma14="http://schemas.microsoft.com/office/mac/drawingml/2011/main" xmlns="" val="1"/>
             </a:ext>
           </a:extLst>
         </p:spPr>
@@ -5675,43 +5675,6 @@
       </p:grpSpPr>
       <p:sp>
         <p:nvSpPr>
-          <p:cNvPr id="24" name="Textfeld 23">
-            <a:extLst>
-              <a:ext uri="{FF2B5EF4-FFF2-40B4-BE49-F238E27FC236}">
-                <a16:creationId xmlns:a16="http://schemas.microsoft.com/office/drawing/2014/main" id="{189E68D6-74A7-4B9D-8D3F-D2533E9254BB}"/>
-              </a:ext>
-            </a:extLst>
-          </p:cNvPr>
-          <p:cNvSpPr txBox="1"/>
-          <p:nvPr/>
-        </p:nvSpPr>
-        <p:spPr>
-          <a:xfrm>
-            <a:off x="1072607" y="663998"/>
-            <a:ext cx="28731192" cy="2062103"/>
-          </a:xfrm>
-          <a:prstGeom prst="rect">
-            <a:avLst/>
-          </a:prstGeom>
-          <a:noFill/>
-        </p:spPr>
-        <p:txBody>
-          <a:bodyPr wrap="square" rtlCol="0">
-            <a:spAutoFit/>
-          </a:bodyPr>
-          <a:lstStyle/>
-          <a:p>
-            <a:r>
-              <a:rPr lang="de-DE" sz="12800" b="1" dirty="0">
-                <a:effectLst/>
-              </a:rPr>
-              <a:t>Evaluierung einer CRM-Lösung</a:t>
-            </a:r>
-          </a:p>
-        </p:txBody>
-      </p:sp>
-      <p:sp>
-        <p:nvSpPr>
           <p:cNvPr id="59" name="Textfeld 58">
             <a:extLst>
               <a:ext uri="{FF2B5EF4-FFF2-40B4-BE49-F238E27FC236}">
@@ -5724,8 +5687,8 @@
         </p:nvSpPr>
         <p:spPr>
           <a:xfrm>
-            <a:off x="9504240" y="27967551"/>
-            <a:ext cx="14293445" cy="2246769"/>
+            <a:off x="28791051" y="1834600"/>
+            <a:ext cx="13070125" cy="2246769"/>
           </a:xfrm>
           <a:prstGeom prst="rect">
             <a:avLst/>
@@ -5751,19 +5714,7 @@
               <a:rPr lang="de-DE" sz="2800" dirty="0">
                 <a:effectLst/>
               </a:rPr>
-              <a:t>Barbara </a:t>
-            </a:r>
-            <a:r>
-              <a:rPr lang="de-DE" sz="2800" dirty="0" err="1">
-                <a:effectLst/>
-              </a:rPr>
-              <a:t>Krumay</a:t>
-            </a:r>
-            <a:r>
-              <a:rPr lang="de-DE" sz="2800" dirty="0">
-                <a:effectLst/>
-              </a:rPr>
-              <a:t> &amp; David Christoph Rückel</a:t>
+              <a:t>Institut der Wirtschaftsinformatik – Information Engineering</a:t>
             </a:r>
           </a:p>
           <a:p>
@@ -5861,81 +5812,6 @@
           </a:p>
         </p:txBody>
       </p:sp>
-      <p:pic>
-        <p:nvPicPr>
-          <p:cNvPr id="28" name="Bild 1" descr="/Users/ivanlazic/Desktop/Unbenannt.png">
-            <a:extLst>
-              <a:ext uri="{FF2B5EF4-FFF2-40B4-BE49-F238E27FC236}">
-                <a16:creationId xmlns:a16="http://schemas.microsoft.com/office/drawing/2014/main" id="{1A9663D6-0375-4F0A-B196-714704AE3BFC}"/>
-              </a:ext>
-            </a:extLst>
-          </p:cNvPr>
-          <p:cNvPicPr/>
-          <p:nvPr/>
-        </p:nvPicPr>
-        <p:blipFill>
-          <a:blip r:embed="rId2">
-            <a:extLst>
-              <a:ext uri="{28A0092B-C50C-407E-A947-70E740481C1C}">
-                <a14:useLocalDpi xmlns:a14="http://schemas.microsoft.com/office/drawing/2010/main" val="0"/>
-              </a:ext>
-            </a:extLst>
-          </a:blip>
-          <a:srcRect/>
-          <a:stretch>
-            <a:fillRect/>
-          </a:stretch>
-        </p:blipFill>
-        <p:spPr bwMode="auto">
-          <a:xfrm>
-            <a:off x="37227320" y="400685"/>
-            <a:ext cx="3525920" cy="2906898"/>
-          </a:xfrm>
-          <a:prstGeom prst="rect">
-            <a:avLst/>
-          </a:prstGeom>
-          <a:noFill/>
-          <a:ln>
-            <a:noFill/>
-          </a:ln>
-        </p:spPr>
-      </p:pic>
-      <p:pic>
-        <p:nvPicPr>
-          <p:cNvPr id="3" name="Grafik 2">
-            <a:extLst>
-              <a:ext uri="{FF2B5EF4-FFF2-40B4-BE49-F238E27FC236}">
-                <a16:creationId xmlns:a16="http://schemas.microsoft.com/office/drawing/2014/main" id="{0A4646D8-DBEF-4333-A2CC-F3581CFEECCE}"/>
-              </a:ext>
-            </a:extLst>
-          </p:cNvPr>
-          <p:cNvPicPr>
-            <a:picLocks noChangeAspect="1"/>
-          </p:cNvPicPr>
-          <p:nvPr/>
-        </p:nvPicPr>
-        <p:blipFill>
-          <a:blip r:embed="rId3">
-            <a:extLst>
-              <a:ext uri="{28A0092B-C50C-407E-A947-70E740481C1C}">
-                <a14:useLocalDpi xmlns:a14="http://schemas.microsoft.com/office/drawing/2010/main" val="0"/>
-              </a:ext>
-            </a:extLst>
-          </a:blip>
-          <a:stretch>
-            <a:fillRect/>
-          </a:stretch>
-        </p:blipFill>
-        <p:spPr>
-          <a:xfrm>
-            <a:off x="851337" y="7680619"/>
-            <a:ext cx="24826102" cy="19287011"/>
-          </a:xfrm>
-          <a:prstGeom prst="rect">
-            <a:avLst/>
-          </a:prstGeom>
-        </p:spPr>
-      </p:pic>
       <p:sp>
         <p:nvSpPr>
           <p:cNvPr id="10" name="Textfeld 9">
@@ -5950,7 +5826,7 @@
         </p:nvSpPr>
         <p:spPr>
           <a:xfrm>
-            <a:off x="25128272" y="5737379"/>
+            <a:off x="1439344" y="5850892"/>
             <a:ext cx="16732903" cy="5509200"/>
           </a:xfrm>
           <a:prstGeom prst="rect">
@@ -6035,14 +5911,14 @@
           <p:nvPr/>
         </p:nvPicPr>
         <p:blipFill>
-          <a:blip r:embed="rId4"/>
+          <a:blip r:embed="rId2"/>
           <a:stretch>
             <a:fillRect/>
           </a:stretch>
         </p:blipFill>
         <p:spPr>
           <a:xfrm>
-            <a:off x="185403" y="28467641"/>
+            <a:off x="28874392" y="666581"/>
             <a:ext cx="8892315" cy="1246591"/>
           </a:xfrm>
           <a:prstGeom prst="rect">
@@ -6065,7 +5941,7 @@
         <p:spPr>
           <a:xfrm>
             <a:off x="1439344" y="3307583"/>
-            <a:ext cx="26426936" cy="2308324"/>
+            <a:ext cx="26282920" cy="2308324"/>
           </a:xfrm>
           <a:prstGeom prst="rect">
             <a:avLst/>
@@ -6109,7 +5985,7 @@
         </p:nvSpPr>
         <p:spPr>
           <a:xfrm>
-            <a:off x="1069118" y="6440770"/>
+            <a:off x="29666480" y="4784910"/>
             <a:ext cx="10369152" cy="830997"/>
           </a:xfrm>
           <a:prstGeom prst="rect">
@@ -6173,7 +6049,7 @@
         </p:nvSpPr>
         <p:spPr>
           <a:xfrm>
-            <a:off x="25128272" y="9456090"/>
+            <a:off x="1451309" y="9561238"/>
             <a:ext cx="9722785" cy="10064294"/>
           </a:xfrm>
           <a:prstGeom prst="rect">
@@ -6333,7 +6209,7 @@
         </p:nvSpPr>
         <p:spPr>
           <a:xfrm>
-            <a:off x="34796227" y="9456090"/>
+            <a:off x="11747724" y="9561238"/>
             <a:ext cx="6835524" cy="7478970"/>
           </a:xfrm>
           <a:prstGeom prst="rect">
@@ -6433,21 +6309,369 @@
           <p:nvPr/>
         </p:nvPicPr>
         <p:blipFill>
-          <a:blip r:embed="rId5"/>
+          <a:blip r:embed="rId3"/>
           <a:stretch>
             <a:fillRect/>
           </a:stretch>
         </p:blipFill>
         <p:spPr>
           <a:xfrm>
-            <a:off x="25673841" y="17729895"/>
-            <a:ext cx="16462828" cy="8928992"/>
+            <a:off x="-270169" y="17544207"/>
+            <a:ext cx="20151927" cy="10929860"/>
           </a:xfrm>
           <a:prstGeom prst="rect">
             <a:avLst/>
           </a:prstGeom>
         </p:spPr>
       </p:pic>
+      <p:sp>
+        <p:nvSpPr>
+          <p:cNvPr id="24" name="Textfeld 23">
+            <a:extLst>
+              <a:ext uri="{FF2B5EF4-FFF2-40B4-BE49-F238E27FC236}">
+                <a16:creationId xmlns:a16="http://schemas.microsoft.com/office/drawing/2014/main" id="{189E68D6-74A7-4B9D-8D3F-D2533E9254BB}"/>
+              </a:ext>
+            </a:extLst>
+          </p:cNvPr>
+          <p:cNvSpPr txBox="1"/>
+          <p:nvPr/>
+        </p:nvSpPr>
+        <p:spPr>
+          <a:xfrm>
+            <a:off x="1439344" y="1242871"/>
+            <a:ext cx="28731192" cy="2062103"/>
+          </a:xfrm>
+          <a:prstGeom prst="rect">
+            <a:avLst/>
+          </a:prstGeom>
+          <a:noFill/>
+        </p:spPr>
+        <p:txBody>
+          <a:bodyPr wrap="square" rtlCol="0">
+            <a:spAutoFit/>
+          </a:bodyPr>
+          <a:lstStyle/>
+          <a:p>
+            <a:r>
+              <a:rPr lang="de-DE" sz="12800" b="1" dirty="0">
+                <a:effectLst/>
+              </a:rPr>
+              <a:t>Evaluierung einer CRM-Lösung</a:t>
+            </a:r>
+          </a:p>
+        </p:txBody>
+      </p:sp>
+      <p:pic>
+        <p:nvPicPr>
+          <p:cNvPr id="6" name="Grafik 5">
+            <a:extLst>
+              <a:ext uri="{FF2B5EF4-FFF2-40B4-BE49-F238E27FC236}">
+                <a16:creationId xmlns:a16="http://schemas.microsoft.com/office/drawing/2014/main" id="{B6949FB2-0214-429F-94B4-825661305BD0}"/>
+              </a:ext>
+            </a:extLst>
+          </p:cNvPr>
+          <p:cNvPicPr>
+            <a:picLocks noChangeAspect="1"/>
+          </p:cNvPicPr>
+          <p:nvPr/>
+        </p:nvPicPr>
+        <p:blipFill>
+          <a:blip r:embed="rId4">
+            <a:extLst>
+              <a:ext uri="{28A0092B-C50C-407E-A947-70E740481C1C}">
+                <a14:useLocalDpi xmlns:a14="http://schemas.microsoft.com/office/drawing/2010/main" val="0"/>
+              </a:ext>
+            </a:extLst>
+          </a:blip>
+          <a:stretch>
+            <a:fillRect/>
+          </a:stretch>
+        </p:blipFill>
+        <p:spPr>
+          <a:xfrm>
+            <a:off x="23329777" y="6332193"/>
+            <a:ext cx="17713968" cy="21635879"/>
+          </a:xfrm>
+          <a:prstGeom prst="rect">
+            <a:avLst/>
+          </a:prstGeom>
+        </p:spPr>
+      </p:pic>
+      <p:sp>
+        <p:nvSpPr>
+          <p:cNvPr id="7" name="Textfeld 6">
+            <a:extLst>
+              <a:ext uri="{FF2B5EF4-FFF2-40B4-BE49-F238E27FC236}">
+                <a16:creationId xmlns:a16="http://schemas.microsoft.com/office/drawing/2014/main" id="{C6242AF1-2EBB-4BA2-B3F8-D4AFD84B22DB}"/>
+              </a:ext>
+            </a:extLst>
+          </p:cNvPr>
+          <p:cNvSpPr txBox="1"/>
+          <p:nvPr/>
+        </p:nvSpPr>
+        <p:spPr>
+          <a:xfrm>
+            <a:off x="29579338" y="6573174"/>
+            <a:ext cx="6768752" cy="1938992"/>
+          </a:xfrm>
+          <a:prstGeom prst="rect">
+            <a:avLst/>
+          </a:prstGeom>
+          <a:noFill/>
+        </p:spPr>
+        <p:txBody>
+          <a:bodyPr wrap="square" rtlCol="0">
+            <a:spAutoFit/>
+          </a:bodyPr>
+          <a:lstStyle/>
+          <a:p>
+            <a:pPr algn="ctr"/>
+            <a:r>
+              <a:rPr lang="de-DE" sz="4000" dirty="0">
+                <a:effectLst/>
+              </a:rPr>
+              <a:t>Zu CRM &amp; Eventmanagement, Open Source Software, Make or Buy, Non-profit Organisation</a:t>
+            </a:r>
+          </a:p>
+        </p:txBody>
+      </p:sp>
+      <p:sp>
+        <p:nvSpPr>
+          <p:cNvPr id="18" name="Textfeld 17">
+            <a:extLst>
+              <a:ext uri="{FF2B5EF4-FFF2-40B4-BE49-F238E27FC236}">
+                <a16:creationId xmlns:a16="http://schemas.microsoft.com/office/drawing/2014/main" id="{DA32C0C7-E4D7-469A-9723-0640EAAB0691}"/>
+              </a:ext>
+            </a:extLst>
+          </p:cNvPr>
+          <p:cNvSpPr txBox="1"/>
+          <p:nvPr/>
+        </p:nvSpPr>
+        <p:spPr>
+          <a:xfrm>
+            <a:off x="31466680" y="9852527"/>
+            <a:ext cx="6768752" cy="1323439"/>
+          </a:xfrm>
+          <a:prstGeom prst="rect">
+            <a:avLst/>
+          </a:prstGeom>
+          <a:noFill/>
+        </p:spPr>
+        <p:txBody>
+          <a:bodyPr wrap="square" rtlCol="0">
+            <a:spAutoFit/>
+          </a:bodyPr>
+          <a:lstStyle/>
+          <a:p>
+            <a:pPr algn="ctr"/>
+            <a:r>
+              <a:rPr lang="de-DE" sz="4000" dirty="0">
+                <a:effectLst/>
+              </a:rPr>
+              <a:t>Erhebung der Anforderungen (Interview, Workshop)</a:t>
+            </a:r>
+          </a:p>
+        </p:txBody>
+      </p:sp>
+      <p:sp>
+        <p:nvSpPr>
+          <p:cNvPr id="20" name="Textfeld 19">
+            <a:extLst>
+              <a:ext uri="{FF2B5EF4-FFF2-40B4-BE49-F238E27FC236}">
+                <a16:creationId xmlns:a16="http://schemas.microsoft.com/office/drawing/2014/main" id="{5DA39EB1-D214-4156-9923-CED83AE20306}"/>
+              </a:ext>
+            </a:extLst>
+          </p:cNvPr>
+          <p:cNvSpPr txBox="1"/>
+          <p:nvPr/>
+        </p:nvSpPr>
+        <p:spPr>
+          <a:xfrm>
+            <a:off x="33770936" y="13132505"/>
+            <a:ext cx="6768752" cy="1323439"/>
+          </a:xfrm>
+          <a:prstGeom prst="rect">
+            <a:avLst/>
+          </a:prstGeom>
+          <a:noFill/>
+        </p:spPr>
+        <p:txBody>
+          <a:bodyPr wrap="square" rtlCol="0">
+            <a:spAutoFit/>
+          </a:bodyPr>
+          <a:lstStyle/>
+          <a:p>
+            <a:pPr algn="ctr"/>
+            <a:r>
+              <a:rPr lang="de-DE" sz="4000" dirty="0">
+                <a:effectLst/>
+              </a:rPr>
+              <a:t>Planung der Umsetzung &amp; Auswahl einer CRM Lösung</a:t>
+            </a:r>
+          </a:p>
+        </p:txBody>
+      </p:sp>
+      <p:sp>
+        <p:nvSpPr>
+          <p:cNvPr id="21" name="Textfeld 20">
+            <a:extLst>
+              <a:ext uri="{FF2B5EF4-FFF2-40B4-BE49-F238E27FC236}">
+                <a16:creationId xmlns:a16="http://schemas.microsoft.com/office/drawing/2014/main" id="{58AB217D-5286-4A05-B372-3DEBEAB3457A}"/>
+              </a:ext>
+            </a:extLst>
+          </p:cNvPr>
+          <p:cNvSpPr txBox="1"/>
+          <p:nvPr/>
+        </p:nvSpPr>
+        <p:spPr>
+          <a:xfrm>
+            <a:off x="20953300" y="15290740"/>
+            <a:ext cx="6953617" cy="1938992"/>
+          </a:xfrm>
+          <a:prstGeom prst="rect">
+            <a:avLst/>
+          </a:prstGeom>
+          <a:noFill/>
+        </p:spPr>
+        <p:txBody>
+          <a:bodyPr wrap="square" rtlCol="0">
+            <a:spAutoFit/>
+          </a:bodyPr>
+          <a:lstStyle/>
+          <a:p>
+            <a:pPr algn="ctr"/>
+            <a:r>
+              <a:rPr lang="de-DE" sz="4000" dirty="0">
+                <a:effectLst/>
+              </a:rPr>
+              <a:t>Installation der CRM Lösung, Konfiguration anhand Anforderungen</a:t>
+            </a:r>
+          </a:p>
+        </p:txBody>
+      </p:sp>
+      <p:sp>
+        <p:nvSpPr>
+          <p:cNvPr id="23" name="Textfeld 22">
+            <a:extLst>
+              <a:ext uri="{FF2B5EF4-FFF2-40B4-BE49-F238E27FC236}">
+                <a16:creationId xmlns:a16="http://schemas.microsoft.com/office/drawing/2014/main" id="{DE337451-DB61-4172-978F-95E00F26687F}"/>
+              </a:ext>
+            </a:extLst>
+          </p:cNvPr>
+          <p:cNvSpPr txBox="1"/>
+          <p:nvPr/>
+        </p:nvSpPr>
+        <p:spPr>
+          <a:xfrm>
+            <a:off x="23951722" y="18516463"/>
+            <a:ext cx="6768752" cy="1938992"/>
+          </a:xfrm>
+          <a:prstGeom prst="rect">
+            <a:avLst/>
+          </a:prstGeom>
+          <a:noFill/>
+        </p:spPr>
+        <p:txBody>
+          <a:bodyPr wrap="square" rtlCol="0">
+            <a:spAutoFit/>
+          </a:bodyPr>
+          <a:lstStyle/>
+          <a:p>
+            <a:pPr algn="ctr"/>
+            <a:r>
+              <a:rPr lang="de-DE" sz="4000" dirty="0">
+                <a:effectLst/>
+              </a:rPr>
+              <a:t>Abgleich gewünschter Anforderungen, </a:t>
+            </a:r>
+          </a:p>
+          <a:p>
+            <a:pPr algn="ctr"/>
+            <a:r>
+              <a:rPr lang="de-DE" sz="4000" dirty="0">
+                <a:effectLst/>
+              </a:rPr>
+              <a:t>Test &amp; Reviewphase</a:t>
+            </a:r>
+          </a:p>
+        </p:txBody>
+      </p:sp>
+      <p:sp>
+        <p:nvSpPr>
+          <p:cNvPr id="25" name="Textfeld 24">
+            <a:extLst>
+              <a:ext uri="{FF2B5EF4-FFF2-40B4-BE49-F238E27FC236}">
+                <a16:creationId xmlns:a16="http://schemas.microsoft.com/office/drawing/2014/main" id="{C0C300BC-A850-43FB-96B3-D398C2BBD41A}"/>
+              </a:ext>
+            </a:extLst>
+          </p:cNvPr>
+          <p:cNvSpPr txBox="1"/>
+          <p:nvPr/>
+        </p:nvSpPr>
+        <p:spPr>
+          <a:xfrm>
+            <a:off x="26030907" y="22301251"/>
+            <a:ext cx="6768752" cy="707886"/>
+          </a:xfrm>
+          <a:prstGeom prst="rect">
+            <a:avLst/>
+          </a:prstGeom>
+          <a:noFill/>
+        </p:spPr>
+        <p:txBody>
+          <a:bodyPr wrap="square" rtlCol="0">
+            <a:spAutoFit/>
+          </a:bodyPr>
+          <a:lstStyle/>
+          <a:p>
+            <a:pPr algn="ctr"/>
+            <a:r>
+              <a:rPr lang="de-DE" sz="4000" dirty="0">
+                <a:effectLst/>
+              </a:rPr>
+              <a:t>Einschulung der Stakeholder</a:t>
+            </a:r>
+          </a:p>
+        </p:txBody>
+      </p:sp>
+      <p:sp>
+        <p:nvSpPr>
+          <p:cNvPr id="26" name="Textfeld 25">
+            <a:extLst>
+              <a:ext uri="{FF2B5EF4-FFF2-40B4-BE49-F238E27FC236}">
+                <a16:creationId xmlns:a16="http://schemas.microsoft.com/office/drawing/2014/main" id="{6D8B7A72-2248-48C1-ACE8-C4549B990E7B}"/>
+              </a:ext>
+            </a:extLst>
+          </p:cNvPr>
+          <p:cNvSpPr txBox="1"/>
+          <p:nvPr/>
+        </p:nvSpPr>
+        <p:spPr>
+          <a:xfrm>
+            <a:off x="27906917" y="25607740"/>
+            <a:ext cx="6768752" cy="707886"/>
+          </a:xfrm>
+          <a:prstGeom prst="rect">
+            <a:avLst/>
+          </a:prstGeom>
+          <a:noFill/>
+        </p:spPr>
+        <p:txBody>
+          <a:bodyPr wrap="square" rtlCol="0">
+            <a:spAutoFit/>
+          </a:bodyPr>
+          <a:lstStyle/>
+          <a:p>
+            <a:pPr algn="ctr"/>
+            <a:r>
+              <a:rPr lang="de-DE" sz="4000" dirty="0">
+                <a:effectLst/>
+              </a:rPr>
+              <a:t>Finale Datenmigration</a:t>
+            </a:r>
+          </a:p>
+        </p:txBody>
+      </p:sp>
     </p:spTree>
     <p:extLst>
       <p:ext uri="{BB962C8B-B14F-4D97-AF65-F5344CB8AC3E}">

--- a/PosterITprojekt_WINIE_CRM.pptx
+++ b/PosterITprojekt_WINIE_CRM.pptx
@@ -399,14 +399,14 @@
           </a:ln>
           <a:extLst>
             <a:ext uri="{909E8E84-426E-40dd-AFC4-6F175D3DCCD1}">
-              <a14:hiddenFill xmlns="" xmlns:a14="http://schemas.microsoft.com/office/drawing/2010/main">
+              <a14:hiddenFill xmlns:a14="http://schemas.microsoft.com/office/drawing/2010/main" xmlns="">
                 <a:solidFill>
                   <a:srgbClr val="FFFFFF"/>
                 </a:solidFill>
               </a14:hiddenFill>
             </a:ext>
             <a:ext uri="{FAA26D3D-D897-4be2-8F04-BA451C77F1D7}">
-              <ma14:placeholderFlag xmlns="" xmlns:ma14="http://schemas.microsoft.com/office/mac/drawingml/2011/main" val="1"/>
+              <ma14:placeholderFlag xmlns:ma14="http://schemas.microsoft.com/office/mac/drawingml/2011/main" xmlns="" val="1"/>
             </a:ext>
           </a:extLst>
         </p:spPr>
@@ -2643,14 +2643,14 @@
           </a:ln>
           <a:extLst>
             <a:ext uri="{909E8E84-426E-40dd-AFC4-6F175D3DCCD1}">
-              <a14:hiddenFill xmlns="" xmlns:a14="http://schemas.microsoft.com/office/drawing/2010/main">
+              <a14:hiddenFill xmlns:a14="http://schemas.microsoft.com/office/drawing/2010/main" xmlns="">
                 <a:solidFill>
                   <a:srgbClr val="FFFFFF"/>
                 </a:solidFill>
               </a14:hiddenFill>
             </a:ext>
             <a:ext uri="{91240B29-F687-4f45-9708-019B960494DF}">
-              <a14:hiddenLine xmlns="" xmlns:a14="http://schemas.microsoft.com/office/drawing/2010/main" w="9525">
+              <a14:hiddenLine xmlns:a14="http://schemas.microsoft.com/office/drawing/2010/main" xmlns="" w="9525">
                 <a:solidFill>
                   <a:srgbClr val="000000"/>
                 </a:solidFill>
@@ -2660,7 +2660,7 @@
               </a14:hiddenLine>
             </a:ext>
             <a:ext uri="{FAA26D3D-D897-4be2-8F04-BA451C77F1D7}">
-              <ma14:placeholderFlag xmlns="" xmlns:ma14="http://schemas.microsoft.com/office/mac/drawingml/2011/main" val="1"/>
+              <ma14:placeholderFlag xmlns:ma14="http://schemas.microsoft.com/office/mac/drawingml/2011/main" xmlns="" val="1"/>
             </a:ext>
           </a:extLst>
         </p:spPr>
@@ -4997,14 +4997,14 @@
           </a:ln>
           <a:extLst>
             <a:ext uri="{909E8E84-426E-40dd-AFC4-6F175D3DCCD1}">
-              <a14:hiddenFill xmlns="" xmlns:a14="http://schemas.microsoft.com/office/drawing/2010/main">
+              <a14:hiddenFill xmlns:a14="http://schemas.microsoft.com/office/drawing/2010/main" xmlns="">
                 <a:solidFill>
                   <a:srgbClr val="FFFFFF"/>
                 </a:solidFill>
               </a14:hiddenFill>
             </a:ext>
             <a:ext uri="{91240B29-F687-4f45-9708-019B960494DF}">
-              <a14:hiddenLine xmlns="" xmlns:a14="http://schemas.microsoft.com/office/drawing/2010/main" w="9525">
+              <a14:hiddenLine xmlns:a14="http://schemas.microsoft.com/office/drawing/2010/main" xmlns="" w="9525">
                 <a:solidFill>
                   <a:srgbClr val="000000"/>
                 </a:solidFill>
@@ -5014,7 +5014,7 @@
               </a14:hiddenLine>
             </a:ext>
             <a:ext uri="{FAA26D3D-D897-4be2-8F04-BA451C77F1D7}">
-              <ma14:placeholderFlag xmlns="" xmlns:ma14="http://schemas.microsoft.com/office/mac/drawingml/2011/main" val="1"/>
+              <ma14:placeholderFlag xmlns:ma14="http://schemas.microsoft.com/office/mac/drawingml/2011/main" xmlns="" val="1"/>
             </a:ext>
           </a:extLst>
         </p:spPr>
@@ -5058,14 +5058,14 @@
           </a:ln>
           <a:extLst>
             <a:ext uri="{909E8E84-426E-40dd-AFC4-6F175D3DCCD1}">
-              <a14:hiddenFill xmlns="" xmlns:a14="http://schemas.microsoft.com/office/drawing/2010/main">
+              <a14:hiddenFill xmlns:a14="http://schemas.microsoft.com/office/drawing/2010/main" xmlns="">
                 <a:solidFill>
                   <a:srgbClr val="FFFFFF"/>
                 </a:solidFill>
               </a14:hiddenFill>
             </a:ext>
             <a:ext uri="{91240B29-F687-4f45-9708-019B960494DF}">
-              <a14:hiddenLine xmlns="" xmlns:a14="http://schemas.microsoft.com/office/drawing/2010/main" w="9525">
+              <a14:hiddenLine xmlns:a14="http://schemas.microsoft.com/office/drawing/2010/main" xmlns="" w="9525">
                 <a:solidFill>
                   <a:srgbClr val="000000"/>
                 </a:solidFill>
@@ -5075,7 +5075,7 @@
               </a14:hiddenLine>
             </a:ext>
             <a:ext uri="{FAA26D3D-D897-4be2-8F04-BA451C77F1D7}">
-              <ma14:placeholderFlag xmlns="" xmlns:ma14="http://schemas.microsoft.com/office/mac/drawingml/2011/main" val="1"/>
+              <ma14:placeholderFlag xmlns:ma14="http://schemas.microsoft.com/office/mac/drawingml/2011/main" xmlns="" val="1"/>
             </a:ext>
           </a:extLst>
         </p:spPr>
@@ -5751,6 +5751,18 @@
               <a:rPr lang="de-DE" sz="2800" dirty="0">
                 <a:effectLst/>
               </a:rPr>
+              <a:t>Dr.</a:t>
+            </a:r>
+            <a:r>
+              <a:rPr lang="de-DE" sz="2800" b="1" dirty="0">
+                <a:effectLst/>
+              </a:rPr>
+              <a:t> </a:t>
+            </a:r>
+            <a:r>
+              <a:rPr lang="de-DE" sz="2800" dirty="0">
+                <a:effectLst/>
+              </a:rPr>
               <a:t>Barbara </a:t>
             </a:r>
             <a:r>
@@ -5763,7 +5775,7 @@
               <a:rPr lang="de-DE" sz="2800" dirty="0">
                 <a:effectLst/>
               </a:rPr>
-              <a:t> &amp; David Christoph Rückel</a:t>
+              <a:t> &amp; Mag. Dr. David Christoph Rückel</a:t>
             </a:r>
           </a:p>
           <a:p>
@@ -5951,7 +5963,7 @@
         <p:spPr>
           <a:xfrm>
             <a:off x="25128272" y="5737379"/>
-            <a:ext cx="16732903" cy="5509200"/>
+            <a:ext cx="16732903" cy="4832092"/>
           </a:xfrm>
           <a:prstGeom prst="rect">
             <a:avLst/>
@@ -5981,14 +5993,8 @@
               <a:rPr lang="de-DE" sz="4800" dirty="0">
                 <a:effectLst/>
               </a:rPr>
-              <a:t>Open Source Software, keine Lizenzprobleme, Zugriffsrecht von vier verschiedenen Rollen, kein cloudbasiertes System </a:t>
-            </a:r>
-          </a:p>
-          <a:p>
-            <a:pPr marL="685800" indent="-685800">
-              <a:buFont typeface="Wingdings" panose="05000000000000000000" pitchFamily="2" charset="2"/>
-              <a:buChar char="v"/>
-            </a:pPr>
+              <a:t>Open Source Software, keine Lizenzprobleme, Zugriffsrecht von vier verschiedenen Rollen</a:t>
+            </a:r>
             <a:endParaRPr lang="de-DE" sz="4400" dirty="0">
               <a:effectLst/>
             </a:endParaRPr>
@@ -6263,7 +6269,7 @@
               <a:rPr lang="de-DE" sz="4800" dirty="0">
                 <a:effectLst/>
               </a:rPr>
-              <a:t>Massenemail</a:t>
+              <a:t>Massenemails</a:t>
             </a:r>
           </a:p>
           <a:p>
